--- a/Slides/Lecture 6.pptx
+++ b/Slides/Lecture 6.pptx
@@ -5,10 +5,10 @@
     <p:sldMasterId id="2147483648" r:id="rId1"/>
   </p:sldMasterIdLst>
   <p:notesMasterIdLst>
-    <p:notesMasterId r:id="rId48"/>
+    <p:notesMasterId r:id="rId50"/>
   </p:notesMasterIdLst>
   <p:handoutMasterIdLst>
-    <p:handoutMasterId r:id="rId49"/>
+    <p:handoutMasterId r:id="rId51"/>
   </p:handoutMasterIdLst>
   <p:sldIdLst>
     <p:sldId id="256" r:id="rId2"/>
@@ -27,36 +27,38 @@
     <p:sldId id="360" r:id="rId15"/>
     <p:sldId id="361" r:id="rId16"/>
     <p:sldId id="362" r:id="rId17"/>
-    <p:sldId id="363" r:id="rId18"/>
-    <p:sldId id="364" r:id="rId19"/>
-    <p:sldId id="391" r:id="rId20"/>
-    <p:sldId id="365" r:id="rId21"/>
-    <p:sldId id="373" r:id="rId22"/>
-    <p:sldId id="374" r:id="rId23"/>
-    <p:sldId id="366" r:id="rId24"/>
-    <p:sldId id="367" r:id="rId25"/>
-    <p:sldId id="368" r:id="rId26"/>
-    <p:sldId id="369" r:id="rId27"/>
-    <p:sldId id="370" r:id="rId28"/>
-    <p:sldId id="371" r:id="rId29"/>
-    <p:sldId id="387" r:id="rId30"/>
-    <p:sldId id="372" r:id="rId31"/>
-    <p:sldId id="376" r:id="rId32"/>
-    <p:sldId id="377" r:id="rId33"/>
-    <p:sldId id="378" r:id="rId34"/>
-    <p:sldId id="379" r:id="rId35"/>
-    <p:sldId id="380" r:id="rId36"/>
-    <p:sldId id="381" r:id="rId37"/>
-    <p:sldId id="382" r:id="rId38"/>
-    <p:sldId id="383" r:id="rId39"/>
-    <p:sldId id="384" r:id="rId40"/>
-    <p:sldId id="385" r:id="rId41"/>
-    <p:sldId id="386" r:id="rId42"/>
-    <p:sldId id="388" r:id="rId43"/>
-    <p:sldId id="389" r:id="rId44"/>
-    <p:sldId id="390" r:id="rId45"/>
-    <p:sldId id="392" r:id="rId46"/>
-    <p:sldId id="348" r:id="rId47"/>
+    <p:sldId id="393" r:id="rId18"/>
+    <p:sldId id="363" r:id="rId19"/>
+    <p:sldId id="364" r:id="rId20"/>
+    <p:sldId id="391" r:id="rId21"/>
+    <p:sldId id="365" r:id="rId22"/>
+    <p:sldId id="373" r:id="rId23"/>
+    <p:sldId id="374" r:id="rId24"/>
+    <p:sldId id="366" r:id="rId25"/>
+    <p:sldId id="367" r:id="rId26"/>
+    <p:sldId id="368" r:id="rId27"/>
+    <p:sldId id="369" r:id="rId28"/>
+    <p:sldId id="370" r:id="rId29"/>
+    <p:sldId id="371" r:id="rId30"/>
+    <p:sldId id="387" r:id="rId31"/>
+    <p:sldId id="372" r:id="rId32"/>
+    <p:sldId id="376" r:id="rId33"/>
+    <p:sldId id="377" r:id="rId34"/>
+    <p:sldId id="378" r:id="rId35"/>
+    <p:sldId id="379" r:id="rId36"/>
+    <p:sldId id="380" r:id="rId37"/>
+    <p:sldId id="381" r:id="rId38"/>
+    <p:sldId id="382" r:id="rId39"/>
+    <p:sldId id="383" r:id="rId40"/>
+    <p:sldId id="384" r:id="rId41"/>
+    <p:sldId id="385" r:id="rId42"/>
+    <p:sldId id="386" r:id="rId43"/>
+    <p:sldId id="388" r:id="rId44"/>
+    <p:sldId id="389" r:id="rId45"/>
+    <p:sldId id="394" r:id="rId46"/>
+    <p:sldId id="390" r:id="rId47"/>
+    <p:sldId id="392" r:id="rId48"/>
+    <p:sldId id="348" r:id="rId49"/>
   </p:sldIdLst>
   <p:sldSz cx="12192000" cy="6858000"/>
   <p:notesSz cx="6858000" cy="9144000"/>
@@ -269,7 +271,7 @@
           <a:p>
             <a:fld id="{DCA81E97-D514-49D8-B754-6BBF283B1A94}" type="datetimeFigureOut">
               <a:rPr lang="en-US" smtClean="0"/>
-              <a:t>2/25/2021</a:t>
+              <a:t>3/2/2021</a:t>
             </a:fld>
             <a:endParaRPr lang="en-US"/>
           </a:p>
@@ -450,7 +452,7 @@
           <a:p>
             <a:fld id="{1CB48AD5-CDAE-4B7B-B49D-6DB81FF5A179}" type="datetimeFigureOut">
               <a:rPr lang="en-US" smtClean="0"/>
-              <a:t>2/25/2021</a:t>
+              <a:t>3/2/2021</a:t>
             </a:fld>
             <a:endParaRPr lang="en-US"/>
           </a:p>
@@ -868,7 +870,7 @@
           <a:p>
             <a:fld id="{C4959B56-7D6D-462F-B061-93C9E323EE8A}" type="datetimeFigureOut">
               <a:rPr lang="en-US" smtClean="0"/>
-              <a:t>2/25/2021</a:t>
+              <a:t>3/2/2021</a:t>
             </a:fld>
             <a:endParaRPr lang="en-US"/>
           </a:p>
@@ -1066,7 +1068,7 @@
           <a:p>
             <a:fld id="{C4959B56-7D6D-462F-B061-93C9E323EE8A}" type="datetimeFigureOut">
               <a:rPr lang="en-US" smtClean="0"/>
-              <a:t>2/25/2021</a:t>
+              <a:t>3/2/2021</a:t>
             </a:fld>
             <a:endParaRPr lang="en-US"/>
           </a:p>
@@ -1274,7 +1276,7 @@
           <a:p>
             <a:fld id="{C4959B56-7D6D-462F-B061-93C9E323EE8A}" type="datetimeFigureOut">
               <a:rPr lang="en-US" smtClean="0"/>
-              <a:t>2/25/2021</a:t>
+              <a:t>3/2/2021</a:t>
             </a:fld>
             <a:endParaRPr lang="en-US"/>
           </a:p>
@@ -1472,7 +1474,7 @@
           <a:p>
             <a:fld id="{C4959B56-7D6D-462F-B061-93C9E323EE8A}" type="datetimeFigureOut">
               <a:rPr lang="en-US" smtClean="0"/>
-              <a:t>2/25/2021</a:t>
+              <a:t>3/2/2021</a:t>
             </a:fld>
             <a:endParaRPr lang="en-US"/>
           </a:p>
@@ -1747,7 +1749,7 @@
           <a:p>
             <a:fld id="{C4959B56-7D6D-462F-B061-93C9E323EE8A}" type="datetimeFigureOut">
               <a:rPr lang="en-US" smtClean="0"/>
-              <a:t>2/25/2021</a:t>
+              <a:t>3/2/2021</a:t>
             </a:fld>
             <a:endParaRPr lang="en-US"/>
           </a:p>
@@ -2012,7 +2014,7 @@
           <a:p>
             <a:fld id="{C4959B56-7D6D-462F-B061-93C9E323EE8A}" type="datetimeFigureOut">
               <a:rPr lang="en-US" smtClean="0"/>
-              <a:t>2/25/2021</a:t>
+              <a:t>3/2/2021</a:t>
             </a:fld>
             <a:endParaRPr lang="en-US"/>
           </a:p>
@@ -2424,7 +2426,7 @@
           <a:p>
             <a:fld id="{C4959B56-7D6D-462F-B061-93C9E323EE8A}" type="datetimeFigureOut">
               <a:rPr lang="en-US" smtClean="0"/>
-              <a:t>2/25/2021</a:t>
+              <a:t>3/2/2021</a:t>
             </a:fld>
             <a:endParaRPr lang="en-US"/>
           </a:p>
@@ -2565,7 +2567,7 @@
           <a:p>
             <a:fld id="{C4959B56-7D6D-462F-B061-93C9E323EE8A}" type="datetimeFigureOut">
               <a:rPr lang="en-US" smtClean="0"/>
-              <a:t>2/25/2021</a:t>
+              <a:t>3/2/2021</a:t>
             </a:fld>
             <a:endParaRPr lang="en-US"/>
           </a:p>
@@ -2678,7 +2680,7 @@
           <a:p>
             <a:fld id="{C4959B56-7D6D-462F-B061-93C9E323EE8A}" type="datetimeFigureOut">
               <a:rPr lang="en-US" smtClean="0"/>
-              <a:t>2/25/2021</a:t>
+              <a:t>3/2/2021</a:t>
             </a:fld>
             <a:endParaRPr lang="en-US"/>
           </a:p>
@@ -2989,7 +2991,7 @@
           <a:p>
             <a:fld id="{C4959B56-7D6D-462F-B061-93C9E323EE8A}" type="datetimeFigureOut">
               <a:rPr lang="en-US" smtClean="0"/>
-              <a:t>2/25/2021</a:t>
+              <a:t>3/2/2021</a:t>
             </a:fld>
             <a:endParaRPr lang="en-US"/>
           </a:p>
@@ -3277,7 +3279,7 @@
           <a:p>
             <a:fld id="{C4959B56-7D6D-462F-B061-93C9E323EE8A}" type="datetimeFigureOut">
               <a:rPr lang="en-US" smtClean="0"/>
-              <a:t>2/25/2021</a:t>
+              <a:t>3/2/2021</a:t>
             </a:fld>
             <a:endParaRPr lang="en-US"/>
           </a:p>
@@ -3518,7 +3520,7 @@
           <a:p>
             <a:fld id="{C4959B56-7D6D-462F-B061-93C9E323EE8A}" type="datetimeFigureOut">
               <a:rPr lang="en-US" smtClean="0"/>
-              <a:t>2/25/2021</a:t>
+              <a:t>3/2/2021</a:t>
             </a:fld>
             <a:endParaRPr lang="en-US"/>
           </a:p>
@@ -4159,7 +4161,20 @@
             </a:r>
           </a:p>
           <a:p>
-            <a:pPr lvl="1"/>
+            <a:pPr marL="0" indent="0">
+              <a:buNone/>
+            </a:pPr>
+            <a:endParaRPr lang="en-US" sz="2000" dirty="0">
+              <a:solidFill>
+                <a:schemeClr val="accent1"/>
+              </a:solidFill>
+            </a:endParaRPr>
+          </a:p>
+          <a:p>
+            <a:pPr lvl="1">
+              <a:buFont typeface="Wingdings" panose="05000000000000000000" pitchFamily="2" charset="2"/>
+              <a:buChar char="Ø"/>
+            </a:pPr>
             <a:r>
               <a:rPr lang="en-US" sz="2000" dirty="0">
                 <a:solidFill>
@@ -4170,7 +4185,21 @@
             </a:r>
           </a:p>
           <a:p>
-            <a:pPr lvl="1"/>
+            <a:pPr lvl="1">
+              <a:buFont typeface="Wingdings" panose="05000000000000000000" pitchFamily="2" charset="2"/>
+              <a:buChar char="Ø"/>
+            </a:pPr>
+            <a:endParaRPr lang="en-US" sz="2000" dirty="0">
+              <a:solidFill>
+                <a:schemeClr val="accent1"/>
+              </a:solidFill>
+            </a:endParaRPr>
+          </a:p>
+          <a:p>
+            <a:pPr lvl="1">
+              <a:buFont typeface="Wingdings" panose="05000000000000000000" pitchFamily="2" charset="2"/>
+              <a:buChar char="Ø"/>
+            </a:pPr>
             <a:r>
               <a:rPr lang="en-US" sz="2000" dirty="0">
                 <a:solidFill>
@@ -4181,7 +4210,21 @@
             </a:r>
           </a:p>
           <a:p>
-            <a:pPr lvl="1"/>
+            <a:pPr lvl="1">
+              <a:buFont typeface="Wingdings" panose="05000000000000000000" pitchFamily="2" charset="2"/>
+              <a:buChar char="Ø"/>
+            </a:pPr>
+            <a:endParaRPr lang="en-US" sz="2000" dirty="0">
+              <a:solidFill>
+                <a:schemeClr val="accent1"/>
+              </a:solidFill>
+            </a:endParaRPr>
+          </a:p>
+          <a:p>
+            <a:pPr lvl="1">
+              <a:buFont typeface="Wingdings" panose="05000000000000000000" pitchFamily="2" charset="2"/>
+              <a:buChar char="Ø"/>
+            </a:pPr>
             <a:r>
               <a:rPr lang="en-US" sz="2000" dirty="0">
                 <a:solidFill>
@@ -4216,7 +4259,21 @@
             </a:r>
           </a:p>
           <a:p>
-            <a:pPr lvl="1"/>
+            <a:pPr lvl="1">
+              <a:buFont typeface="Wingdings" panose="05000000000000000000" pitchFamily="2" charset="2"/>
+              <a:buChar char="Ø"/>
+            </a:pPr>
+            <a:endParaRPr lang="en-US" sz="2000" dirty="0">
+              <a:solidFill>
+                <a:srgbClr val="FF0000"/>
+              </a:solidFill>
+            </a:endParaRPr>
+          </a:p>
+          <a:p>
+            <a:pPr lvl="1">
+              <a:buFont typeface="Wingdings" panose="05000000000000000000" pitchFamily="2" charset="2"/>
+              <a:buChar char="Ø"/>
+            </a:pPr>
             <a:r>
               <a:rPr lang="en-US" sz="2000" dirty="0">
                 <a:solidFill>
@@ -4442,7 +4499,10 @@
                 </a:r>
               </a:p>
               <a:p>
-                <a:pPr lvl="1"/>
+                <a:pPr lvl="1">
+                  <a:buFont typeface="Wingdings" panose="05000000000000000000" pitchFamily="2" charset="2"/>
+                  <a:buChar char="Ø"/>
+                </a:pPr>
                 <a:r>
                   <a:rPr lang="en-US" sz="2000" dirty="0">
                     <a:solidFill>
@@ -4469,7 +4529,10 @@
                 </a:r>
               </a:p>
               <a:p>
-                <a:pPr lvl="1"/>
+                <a:pPr lvl="1">
+                  <a:buFont typeface="Wingdings" panose="05000000000000000000" pitchFamily="2" charset="2"/>
+                  <a:buChar char="Ø"/>
+                </a:pPr>
                 <a:r>
                   <a:rPr lang="en-US" sz="2000" dirty="0">
                     <a:solidFill>
@@ -4619,7 +4682,10 @@
                 </a:r>
               </a:p>
               <a:p>
-                <a:pPr lvl="1"/>
+                <a:pPr lvl="1">
+                  <a:buFont typeface="Wingdings" panose="05000000000000000000" pitchFamily="2" charset="2"/>
+                  <a:buChar char="Ø"/>
+                </a:pPr>
                 <a:r>
                   <a:rPr lang="en-US" sz="2000" dirty="0">
                     <a:solidFill>
@@ -4630,7 +4696,10 @@
                 </a:r>
               </a:p>
               <a:p>
-                <a:pPr lvl="1"/>
+                <a:pPr lvl="1">
+                  <a:buFont typeface="Wingdings" panose="05000000000000000000" pitchFamily="2" charset="2"/>
+                  <a:buChar char="Ø"/>
+                </a:pPr>
                 <a:r>
                   <a:rPr lang="en-US" sz="2000" dirty="0">
                     <a:solidFill>
@@ -4657,8 +4726,9 @@
                 </a:r>
               </a:p>
               <a:p>
-                <a:pPr marL="457200" lvl="1" indent="0">
-                  <a:buNone/>
+                <a:pPr lvl="1">
+                  <a:buFont typeface="Wingdings" panose="05000000000000000000" pitchFamily="2" charset="2"/>
+                  <a:buChar char="Ø"/>
                 </a:pPr>
                 <a:endParaRPr lang="en-US" sz="2000" dirty="0">
                   <a:solidFill>
@@ -4758,14 +4828,17 @@
                 </a:r>
               </a:p>
               <a:p>
-                <a:pPr lvl="1"/>
+                <a:pPr lvl="1">
+                  <a:buFont typeface="Wingdings" panose="05000000000000000000" pitchFamily="2" charset="2"/>
+                  <a:buChar char="Ø"/>
+                </a:pPr>
                 <a:r>
                   <a:rPr lang="en-US" sz="2000" dirty="0">
                     <a:solidFill>
-                      <a:srgbClr val="FF0000"/>
+                      <a:srgbClr val="0070C0"/>
                     </a:solidFill>
                   </a:rPr>
-                  <a:t>Nesting</a:t>
+                  <a:t>Nesting enables </a:t>
                 </a:r>
                 <a:r>
                   <a:rPr lang="en-US" sz="2000" dirty="0">
@@ -4773,7 +4846,7 @@
                       <a:schemeClr val="accent1"/>
                     </a:solidFill>
                   </a:rPr>
-                  <a:t> enables realization of multilevel parallel programs.</a:t>
+                  <a:t>realization of multilevel parallel programs.</a:t>
                 </a:r>
               </a:p>
             </p:txBody>
@@ -5053,6 +5126,10 @@
                 </a:r>
               </a:p>
               <a:p>
+                <a:pPr>
+                  <a:buFont typeface="Wingdings" panose="05000000000000000000" pitchFamily="2" charset="2"/>
+                  <a:buChar char="q"/>
+                </a:pPr>
                 <a:r>
                   <a:rPr lang="en-US" sz="2000" dirty="0">
                     <a:solidFill>
@@ -5095,6 +5172,10 @@
                 </a:r>
               </a:p>
               <a:p>
+                <a:pPr>
+                  <a:buFont typeface="Wingdings" panose="05000000000000000000" pitchFamily="2" charset="2"/>
+                  <a:buChar char="q"/>
+                </a:pPr>
                 <a:r>
                   <a:rPr lang="en-US" sz="2000" dirty="0">
                     <a:solidFill>
@@ -5137,6 +5218,10 @@
                 </a:r>
               </a:p>
               <a:p>
+                <a:pPr>
+                  <a:buFont typeface="Wingdings" panose="05000000000000000000" pitchFamily="2" charset="2"/>
+                  <a:buChar char="q"/>
+                </a:pPr>
                 <a:r>
                   <a:rPr lang="en-US" sz="2000" dirty="0">
                     <a:solidFill>
@@ -5903,7 +5988,10 @@
             </a:r>
           </a:p>
           <a:p>
-            <a:pPr lvl="1"/>
+            <a:pPr>
+              <a:buFont typeface="Wingdings" panose="05000000000000000000" pitchFamily="2" charset="2"/>
+              <a:buChar char="q"/>
+            </a:pPr>
             <a:r>
               <a:rPr lang="en-US" sz="2000" dirty="0">
                 <a:solidFill>
@@ -5962,58 +6050,9 @@
             </a:r>
           </a:p>
           <a:p>
-            <a:pPr lvl="1"/>
-            <a:r>
-              <a:rPr lang="en-US" sz="2000" dirty="0">
-                <a:solidFill>
-                  <a:schemeClr val="accent1"/>
-                </a:solidFill>
-              </a:rPr>
-              <a:t>At most one </a:t>
-            </a:r>
-            <a:r>
-              <a:rPr lang="en-US" sz="2000" i="1" dirty="0"/>
-              <a:t>if</a:t>
-            </a:r>
-            <a:r>
-              <a:rPr lang="en-US" sz="2000" dirty="0">
-                <a:solidFill>
-                  <a:schemeClr val="accent1"/>
-                </a:solidFill>
-              </a:rPr>
-              <a:t> clause can appear on the directive. </a:t>
-            </a:r>
-          </a:p>
-          <a:p>
-            <a:pPr lvl="1"/>
-            <a:r>
-              <a:rPr lang="en-US" sz="2000" dirty="0">
-                <a:solidFill>
-                  <a:schemeClr val="accent1"/>
-                </a:solidFill>
-              </a:rPr>
-              <a:t>At most </a:t>
-            </a:r>
-            <a:r>
-              <a:rPr lang="en-US" sz="2000" i="1" dirty="0" err="1"/>
-              <a:t>num_threads</a:t>
-            </a:r>
-            <a:r>
-              <a:rPr lang="en-US" sz="2000" i="1" dirty="0"/>
-              <a:t> </a:t>
-            </a:r>
-            <a:r>
-              <a:rPr lang="en-US" sz="2000" dirty="0">
-                <a:solidFill>
-                  <a:schemeClr val="accent1"/>
-                </a:solidFill>
-              </a:rPr>
-              <a:t>clause can appear on the directive.</a:t>
-            </a:r>
-          </a:p>
-          <a:p>
-            <a:pPr marL="457200" lvl="1" indent="0">
-              <a:buNone/>
+            <a:pPr>
+              <a:buFont typeface="Wingdings" panose="05000000000000000000" pitchFamily="2" charset="2"/>
+              <a:buChar char="q"/>
             </a:pPr>
             <a:endParaRPr lang="en-US" sz="2000" dirty="0">
               <a:solidFill>
@@ -6022,51 +6061,17 @@
             </a:endParaRPr>
           </a:p>
           <a:p>
-            <a:pPr marL="0" indent="0">
-              <a:buNone/>
-            </a:pPr>
-            <a:r>
-              <a:rPr lang="en-US" sz="2000" u="sng" dirty="0">
-                <a:solidFill>
-                  <a:srgbClr val="00B050"/>
-                </a:solidFill>
-              </a:rPr>
-              <a:t>Example use of OpenMP Clauses</a:t>
-            </a:r>
-            <a:r>
-              <a:rPr lang="en-US" sz="2000" dirty="0">
-                <a:solidFill>
-                  <a:srgbClr val="00B050"/>
-                </a:solidFill>
-              </a:rPr>
-              <a:t>:</a:t>
-            </a:r>
-          </a:p>
-          <a:p>
-            <a:pPr lvl="1"/>
-            <a:r>
-              <a:rPr lang="en-US" sz="2000" dirty="0">
-                <a:solidFill>
-                  <a:schemeClr val="accent1"/>
-                </a:solidFill>
-              </a:rPr>
-              <a:t>The programmer can </a:t>
-            </a:r>
-            <a:r>
-              <a:rPr lang="en-US" sz="2000" dirty="0">
-                <a:solidFill>
-                  <a:srgbClr val="FF0000"/>
-                </a:solidFill>
-              </a:rPr>
-              <a:t>deactivate</a:t>
-            </a:r>
-            <a:r>
-              <a:rPr lang="en-US" sz="2000" dirty="0">
-                <a:solidFill>
-                  <a:schemeClr val="accent1"/>
-                </a:solidFill>
-              </a:rPr>
-              <a:t> a parallel region using the </a:t>
+            <a:pPr>
+              <a:buFont typeface="Wingdings" panose="05000000000000000000" pitchFamily="2" charset="2"/>
+              <a:buChar char="q"/>
+            </a:pPr>
+            <a:r>
+              <a:rPr lang="en-US" sz="2000" dirty="0">
+                <a:solidFill>
+                  <a:schemeClr val="accent1"/>
+                </a:solidFill>
+              </a:rPr>
+              <a:t>At most one </a:t>
             </a:r>
             <a:r>
               <a:rPr lang="en-US" sz="2000" i="1" dirty="0"/>
@@ -6078,35 +6083,69 @@
                   <a:schemeClr val="accent1"/>
                 </a:solidFill>
               </a:rPr>
-              <a:t> clause to ensure that it contains enough work for the parallelization of the parallel region to be worthwhile. </a:t>
-            </a:r>
-          </a:p>
-          <a:p>
-            <a:pPr lvl="1"/>
-            <a:r>
-              <a:rPr lang="en-US" sz="2000" dirty="0">
-                <a:solidFill>
-                  <a:schemeClr val="accent1"/>
-                </a:solidFill>
-              </a:rPr>
-              <a:t>In such a circumstance, we say that the parallel region is </a:t>
-            </a:r>
-            <a:r>
-              <a:rPr lang="en-US" sz="2000" dirty="0">
-                <a:solidFill>
-                  <a:srgbClr val="FF0000"/>
-                </a:solidFill>
-              </a:rPr>
-              <a:t>inactive</a:t>
-            </a:r>
-            <a:r>
-              <a:rPr lang="en-US" sz="2000" dirty="0">
-                <a:solidFill>
-                  <a:schemeClr val="accent1"/>
-                </a:solidFill>
-              </a:rPr>
-              <a:t>.</a:t>
-            </a:r>
+              <a:t> clause can appear on the directive. </a:t>
+            </a:r>
+          </a:p>
+          <a:p>
+            <a:pPr>
+              <a:buFont typeface="Wingdings" panose="05000000000000000000" pitchFamily="2" charset="2"/>
+              <a:buChar char="q"/>
+            </a:pPr>
+            <a:endParaRPr lang="en-US" sz="2000" dirty="0">
+              <a:solidFill>
+                <a:schemeClr val="accent1"/>
+              </a:solidFill>
+            </a:endParaRPr>
+          </a:p>
+          <a:p>
+            <a:pPr>
+              <a:buFont typeface="Wingdings" panose="05000000000000000000" pitchFamily="2" charset="2"/>
+              <a:buChar char="q"/>
+            </a:pPr>
+            <a:r>
+              <a:rPr lang="en-US" sz="2000" dirty="0">
+                <a:solidFill>
+                  <a:schemeClr val="accent1"/>
+                </a:solidFill>
+              </a:rPr>
+              <a:t>At most </a:t>
+            </a:r>
+            <a:r>
+              <a:rPr lang="en-US" sz="2000" i="1" dirty="0" err="1"/>
+              <a:t>num_threads</a:t>
+            </a:r>
+            <a:r>
+              <a:rPr lang="en-US" sz="2000" i="1" dirty="0"/>
+              <a:t> </a:t>
+            </a:r>
+            <a:r>
+              <a:rPr lang="en-US" sz="2000" dirty="0">
+                <a:solidFill>
+                  <a:schemeClr val="accent1"/>
+                </a:solidFill>
+              </a:rPr>
+              <a:t>clause can appear on the directive.</a:t>
+            </a:r>
+          </a:p>
+          <a:p>
+            <a:pPr marL="457200" lvl="1" indent="0">
+              <a:buNone/>
+            </a:pPr>
+            <a:endParaRPr lang="en-US" sz="2000" dirty="0">
+              <a:solidFill>
+                <a:schemeClr val="accent1"/>
+              </a:solidFill>
+            </a:endParaRPr>
+          </a:p>
+          <a:p>
+            <a:pPr marL="457200" lvl="1" indent="0">
+              <a:buNone/>
+            </a:pPr>
+            <a:endParaRPr lang="en-US" sz="2000" dirty="0">
+              <a:solidFill>
+                <a:schemeClr val="accent1"/>
+              </a:solidFill>
+            </a:endParaRPr>
           </a:p>
         </p:txBody>
       </p:sp>
@@ -6145,6 +6184,263 @@
           <p:cNvPr id="2" name="Title 1">
             <a:extLst>
               <a:ext uri="{FF2B5EF4-FFF2-40B4-BE49-F238E27FC236}">
+                <a16:creationId xmlns:a16="http://schemas.microsoft.com/office/drawing/2014/main" id="{96420ADD-6F95-491D-B7A3-2ABCBD692F66}"/>
+              </a:ext>
+            </a:extLst>
+          </p:cNvPr>
+          <p:cNvSpPr>
+            <a:spLocks noGrp="1"/>
+          </p:cNvSpPr>
+          <p:nvPr>
+            <p:ph type="title"/>
+          </p:nvPr>
+        </p:nvSpPr>
+        <p:spPr/>
+        <p:txBody>
+          <a:bodyPr/>
+          <a:lstStyle/>
+          <a:p>
+            <a:r>
+              <a:rPr lang="en-US" dirty="0">
+                <a:solidFill>
+                  <a:schemeClr val="accent1"/>
+                </a:solidFill>
+              </a:rPr>
+              <a:t>OpenMP: Parallel Construct</a:t>
+            </a:r>
+            <a:endParaRPr lang="en-US" dirty="0"/>
+          </a:p>
+        </p:txBody>
+      </p:sp>
+      <p:sp>
+        <p:nvSpPr>
+          <p:cNvPr id="3" name="Content Placeholder 2">
+            <a:extLst>
+              <a:ext uri="{FF2B5EF4-FFF2-40B4-BE49-F238E27FC236}">
+                <a16:creationId xmlns:a16="http://schemas.microsoft.com/office/drawing/2014/main" id="{4A217011-5D40-4E09-AEC1-1296EED5D003}"/>
+              </a:ext>
+            </a:extLst>
+          </p:cNvPr>
+          <p:cNvSpPr>
+            <a:spLocks noGrp="1"/>
+          </p:cNvSpPr>
+          <p:nvPr>
+            <p:ph idx="1"/>
+          </p:nvPr>
+        </p:nvSpPr>
+        <p:spPr/>
+        <p:txBody>
+          <a:bodyPr>
+            <a:normAutofit/>
+          </a:bodyPr>
+          <a:lstStyle/>
+          <a:p>
+            <a:pPr>
+              <a:buFont typeface="Wingdings" panose="05000000000000000000" pitchFamily="2" charset="2"/>
+              <a:buChar char="q"/>
+            </a:pPr>
+            <a:r>
+              <a:rPr lang="en-US" sz="2000" dirty="0">
+                <a:solidFill>
+                  <a:schemeClr val="accent1"/>
+                </a:solidFill>
+              </a:rPr>
+              <a:t>You can specify </a:t>
+            </a:r>
+            <a:r>
+              <a:rPr lang="en-US" sz="2000" dirty="0">
+                <a:solidFill>
+                  <a:srgbClr val="00B050"/>
+                </a:solidFill>
+              </a:rPr>
+              <a:t>the number of threads </a:t>
+            </a:r>
+            <a:r>
+              <a:rPr lang="en-US" sz="2000" dirty="0">
+                <a:solidFill>
+                  <a:schemeClr val="accent1"/>
+                </a:solidFill>
+              </a:rPr>
+              <a:t>to be created </a:t>
+            </a:r>
+            <a:r>
+              <a:rPr lang="en-US" sz="2000" dirty="0">
+                <a:solidFill>
+                  <a:srgbClr val="FF0000"/>
+                </a:solidFill>
+              </a:rPr>
+              <a:t>upon entry </a:t>
+            </a:r>
+            <a:r>
+              <a:rPr lang="en-US" sz="2000" dirty="0">
+                <a:solidFill>
+                  <a:schemeClr val="accent1"/>
+                </a:solidFill>
+              </a:rPr>
+              <a:t>to </a:t>
+            </a:r>
+            <a:r>
+              <a:rPr lang="en-US" sz="2000" dirty="0">
+                <a:solidFill>
+                  <a:srgbClr val="00B050"/>
+                </a:solidFill>
+              </a:rPr>
+              <a:t>a parallel construct </a:t>
+            </a:r>
+            <a:r>
+              <a:rPr lang="en-US" sz="2000" dirty="0">
+                <a:solidFill>
+                  <a:schemeClr val="accent1"/>
+                </a:solidFill>
+              </a:rPr>
+              <a:t>with the </a:t>
+            </a:r>
+            <a:r>
+              <a:rPr lang="en-US" sz="2000" i="1" dirty="0" err="1"/>
+              <a:t>num_threads</a:t>
+            </a:r>
+            <a:r>
+              <a:rPr lang="th-TH" sz="2000" i="1" dirty="0"/>
+              <a:t> </a:t>
+            </a:r>
+            <a:r>
+              <a:rPr lang="en-US" sz="2000" dirty="0">
+                <a:solidFill>
+                  <a:schemeClr val="accent1"/>
+                </a:solidFill>
+              </a:rPr>
+              <a:t>clause.</a:t>
+            </a:r>
+          </a:p>
+          <a:p>
+            <a:pPr marL="0" indent="0">
+              <a:buNone/>
+            </a:pPr>
+            <a:endParaRPr lang="en-US" sz="2000" dirty="0">
+              <a:solidFill>
+                <a:schemeClr val="accent1"/>
+              </a:solidFill>
+            </a:endParaRPr>
+          </a:p>
+          <a:p>
+            <a:pPr>
+              <a:buFont typeface="Wingdings" panose="05000000000000000000" pitchFamily="2" charset="2"/>
+              <a:buChar char="q"/>
+            </a:pPr>
+            <a:r>
+              <a:rPr lang="en-US" sz="2000" dirty="0">
+                <a:solidFill>
+                  <a:schemeClr val="accent1"/>
+                </a:solidFill>
+              </a:rPr>
+              <a:t>You can </a:t>
+            </a:r>
+            <a:r>
+              <a:rPr lang="en-US" sz="2000" dirty="0">
+                <a:solidFill>
+                  <a:srgbClr val="FF0000"/>
+                </a:solidFill>
+              </a:rPr>
+              <a:t>deactivate</a:t>
+            </a:r>
+            <a:r>
+              <a:rPr lang="en-US" sz="2000" dirty="0">
+                <a:solidFill>
+                  <a:schemeClr val="accent1"/>
+                </a:solidFill>
+              </a:rPr>
+              <a:t> a parallel construct using the </a:t>
+            </a:r>
+            <a:r>
+              <a:rPr lang="en-US" sz="2000" i="1" dirty="0"/>
+              <a:t>if</a:t>
+            </a:r>
+            <a:r>
+              <a:rPr lang="en-US" sz="2000" dirty="0">
+                <a:solidFill>
+                  <a:schemeClr val="accent1"/>
+                </a:solidFill>
+              </a:rPr>
+              <a:t> clause to ensure that it contains enough work for the parallelization of the parallel region to be worthwhile. </a:t>
+            </a:r>
+          </a:p>
+          <a:p>
+            <a:pPr marL="0" indent="0">
+              <a:buNone/>
+            </a:pPr>
+            <a:endParaRPr lang="en-US" sz="2000" dirty="0">
+              <a:solidFill>
+                <a:schemeClr val="accent1"/>
+              </a:solidFill>
+            </a:endParaRPr>
+          </a:p>
+          <a:p>
+            <a:pPr lvl="1">
+              <a:buFont typeface="Wingdings" panose="05000000000000000000" pitchFamily="2" charset="2"/>
+              <a:buChar char="Ø"/>
+            </a:pPr>
+            <a:r>
+              <a:rPr lang="en-US" sz="2000" dirty="0">
+                <a:solidFill>
+                  <a:schemeClr val="accent1"/>
+                </a:solidFill>
+              </a:rPr>
+              <a:t>In such a circumstance, we say that the parallel region is </a:t>
+            </a:r>
+            <a:r>
+              <a:rPr lang="en-US" sz="2000" dirty="0">
+                <a:solidFill>
+                  <a:srgbClr val="FF0000"/>
+                </a:solidFill>
+              </a:rPr>
+              <a:t>inactive</a:t>
+            </a:r>
+            <a:r>
+              <a:rPr lang="en-US" sz="2000" dirty="0">
+                <a:solidFill>
+                  <a:schemeClr val="accent1"/>
+                </a:solidFill>
+              </a:rPr>
+              <a:t>.</a:t>
+            </a:r>
+          </a:p>
+        </p:txBody>
+      </p:sp>
+    </p:spTree>
+    <p:extLst>
+      <p:ext uri="{BB962C8B-B14F-4D97-AF65-F5344CB8AC3E}">
+        <p14:creationId xmlns:p14="http://schemas.microsoft.com/office/powerpoint/2010/main" val="4088007056"/>
+      </p:ext>
+    </p:extLst>
+  </p:cSld>
+  <p:clrMapOvr>
+    <a:masterClrMapping/>
+  </p:clrMapOvr>
+</p:sld>
+</file>
+
+<file path=ppt/slides/slide18.xml><?xml version="1.0" encoding="utf-8"?>
+<p:sld xmlns:a="http://schemas.openxmlformats.org/drawingml/2006/main" xmlns:r="http://schemas.openxmlformats.org/officeDocument/2006/relationships" xmlns:p="http://schemas.openxmlformats.org/presentationml/2006/main">
+  <p:cSld>
+    <p:spTree>
+      <p:nvGrpSpPr>
+        <p:cNvPr id="1" name=""/>
+        <p:cNvGrpSpPr/>
+        <p:nvPr/>
+      </p:nvGrpSpPr>
+      <p:grpSpPr>
+        <a:xfrm>
+          <a:off x="0" y="0"/>
+          <a:ext cx="0" cy="0"/>
+          <a:chOff x="0" y="0"/>
+          <a:chExt cx="0" cy="0"/>
+        </a:xfrm>
+      </p:grpSpPr>
+      <p:sp>
+        <p:nvSpPr>
+          <p:cNvPr id="2" name="Title 1">
+            <a:extLst>
+              <a:ext uri="{FF2B5EF4-FFF2-40B4-BE49-F238E27FC236}">
                 <a16:creationId xmlns:a16="http://schemas.microsoft.com/office/drawing/2014/main" id="{8F1634B1-E153-4C78-B8DE-497C3D4C84D7}"/>
               </a:ext>
             </a:extLst>
@@ -6241,7 +6537,10 @@
             </a:r>
           </a:p>
           <a:p>
-            <a:pPr lvl="1"/>
+            <a:pPr lvl="1">
+              <a:buFont typeface="Wingdings" panose="05000000000000000000" pitchFamily="2" charset="2"/>
+              <a:buChar char="Ø"/>
+            </a:pPr>
             <a:r>
               <a:rPr lang="en-US" sz="2000" dirty="0">
                 <a:solidFill>
@@ -6292,7 +6591,10 @@
             </a:r>
           </a:p>
           <a:p>
-            <a:pPr lvl="1"/>
+            <a:pPr lvl="1">
+              <a:buFont typeface="Wingdings" panose="05000000000000000000" pitchFamily="2" charset="2"/>
+              <a:buChar char="Ø"/>
+            </a:pPr>
             <a:r>
               <a:rPr lang="en-US" sz="2000" dirty="0">
                 <a:solidFill>
@@ -6390,7 +6692,10 @@
             </a:r>
           </a:p>
           <a:p>
-            <a:pPr lvl="1"/>
+            <a:pPr lvl="1">
+              <a:buFont typeface="Wingdings" panose="05000000000000000000" pitchFamily="2" charset="2"/>
+              <a:buChar char="Ø"/>
+            </a:pPr>
             <a:r>
               <a:rPr lang="en-US" sz="2000" dirty="0">
                 <a:solidFill>
@@ -6401,7 +6706,10 @@
             </a:r>
           </a:p>
           <a:p>
-            <a:pPr lvl="1"/>
+            <a:pPr lvl="1">
+              <a:buFont typeface="Wingdings" panose="05000000000000000000" pitchFamily="2" charset="2"/>
+              <a:buChar char="Ø"/>
+            </a:pPr>
             <a:r>
               <a:rPr lang="en-US" sz="2000" dirty="0">
                 <a:solidFill>
@@ -6475,14 +6783,17 @@
             </a:r>
           </a:p>
           <a:p>
-            <a:pPr lvl="1"/>
-            <a:r>
-              <a:rPr lang="en-US" sz="2000" dirty="0">
-                <a:solidFill>
-                  <a:schemeClr val="accent1"/>
-                </a:solidFill>
-              </a:rPr>
-              <a:t>The programmer can </a:t>
+            <a:pPr lvl="1">
+              <a:buFont typeface="Wingdings" panose="05000000000000000000" pitchFamily="2" charset="2"/>
+              <a:buChar char="Ø"/>
+            </a:pPr>
+            <a:r>
+              <a:rPr lang="en-US" sz="2000" dirty="0">
+                <a:solidFill>
+                  <a:schemeClr val="accent1"/>
+                </a:solidFill>
+              </a:rPr>
+              <a:t>You can </a:t>
             </a:r>
             <a:r>
               <a:rPr lang="en-US" sz="2000" dirty="0">
@@ -6544,7 +6855,7 @@
 </p:sld>
 </file>
 
-<file path=ppt/slides/slide18.xml><?xml version="1.0" encoding="utf-8"?>
+<file path=ppt/slides/slide19.xml><?xml version="1.0" encoding="utf-8"?>
 <p:sld xmlns:a="http://schemas.openxmlformats.org/drawingml/2006/main" xmlns:r="http://schemas.openxmlformats.org/officeDocument/2006/relationships" xmlns:p="http://schemas.openxmlformats.org/presentationml/2006/main">
   <p:cSld>
     <p:spTree>
@@ -6686,7 +6997,10 @@
             </a:r>
           </a:p>
           <a:p>
-            <a:pPr lvl="1"/>
+            <a:pPr lvl="1">
+              <a:buFont typeface="Wingdings" panose="05000000000000000000" pitchFamily="2" charset="2"/>
+              <a:buChar char="Ø"/>
+            </a:pPr>
             <a:r>
               <a:rPr lang="en-US" sz="2000" dirty="0">
                 <a:solidFill>
@@ -6729,7 +7043,10 @@
             </a:endParaRPr>
           </a:p>
           <a:p>
-            <a:pPr lvl="1"/>
+            <a:pPr lvl="1">
+              <a:buFont typeface="Wingdings" panose="05000000000000000000" pitchFamily="2" charset="2"/>
+              <a:buChar char="Ø"/>
+            </a:pPr>
             <a:r>
               <a:rPr lang="en-US" sz="2000" dirty="0">
                 <a:solidFill>
@@ -6740,7 +7057,10 @@
             </a:r>
           </a:p>
           <a:p>
-            <a:pPr lvl="2"/>
+            <a:pPr lvl="2">
+              <a:buFont typeface="Wingdings" panose="05000000000000000000" pitchFamily="2" charset="2"/>
+              <a:buChar char="v"/>
+            </a:pPr>
             <a:r>
               <a:rPr lang="en-US" dirty="0">
                 <a:solidFill>
@@ -6931,7 +7251,210 @@
 </p:sld>
 </file>
 
-<file path=ppt/slides/slide19.xml><?xml version="1.0" encoding="utf-8"?>
+<file path=ppt/slides/slide2.xml><?xml version="1.0" encoding="utf-8"?>
+<p:sld xmlns:a="http://schemas.openxmlformats.org/drawingml/2006/main" xmlns:r="http://schemas.openxmlformats.org/officeDocument/2006/relationships" xmlns:p="http://schemas.openxmlformats.org/presentationml/2006/main">
+  <p:cSld>
+    <p:spTree>
+      <p:nvGrpSpPr>
+        <p:cNvPr id="1" name=""/>
+        <p:cNvGrpSpPr/>
+        <p:nvPr/>
+      </p:nvGrpSpPr>
+      <p:grpSpPr>
+        <a:xfrm>
+          <a:off x="0" y="0"/>
+          <a:ext cx="0" cy="0"/>
+          <a:chOff x="0" y="0"/>
+          <a:chExt cx="0" cy="0"/>
+        </a:xfrm>
+      </p:grpSpPr>
+      <p:sp>
+        <p:nvSpPr>
+          <p:cNvPr id="2" name="Title 1">
+            <a:extLst>
+              <a:ext uri="{FF2B5EF4-FFF2-40B4-BE49-F238E27FC236}">
+                <a16:creationId xmlns:a16="http://schemas.microsoft.com/office/drawing/2014/main" id="{749E6070-61A5-4356-9C31-AE0A38591868}"/>
+              </a:ext>
+            </a:extLst>
+          </p:cNvPr>
+          <p:cNvSpPr>
+            <a:spLocks noGrp="1"/>
+          </p:cNvSpPr>
+          <p:nvPr>
+            <p:ph type="title"/>
+          </p:nvPr>
+        </p:nvSpPr>
+        <p:spPr/>
+        <p:txBody>
+          <a:bodyPr/>
+          <a:lstStyle/>
+          <a:p>
+            <a:pPr algn="ctr"/>
+            <a:endParaRPr lang="en-US" dirty="0">
+              <a:solidFill>
+                <a:schemeClr val="accent1"/>
+              </a:solidFill>
+            </a:endParaRPr>
+          </a:p>
+        </p:txBody>
+      </p:sp>
+      <p:sp>
+        <p:nvSpPr>
+          <p:cNvPr id="3" name="Content Placeholder 2">
+            <a:extLst>
+              <a:ext uri="{FF2B5EF4-FFF2-40B4-BE49-F238E27FC236}">
+                <a16:creationId xmlns:a16="http://schemas.microsoft.com/office/drawing/2014/main" id="{206F444E-BC98-41BD-8334-55BDE5C74B1F}"/>
+              </a:ext>
+            </a:extLst>
+          </p:cNvPr>
+          <p:cNvSpPr>
+            <a:spLocks noGrp="1"/>
+          </p:cNvSpPr>
+          <p:nvPr>
+            <p:ph idx="1"/>
+          </p:nvPr>
+        </p:nvSpPr>
+        <p:spPr/>
+        <p:txBody>
+          <a:bodyPr>
+            <a:normAutofit fontScale="62500" lnSpcReduction="20000"/>
+          </a:bodyPr>
+          <a:lstStyle/>
+          <a:p>
+            <a:endParaRPr lang="en-US" dirty="0"/>
+          </a:p>
+          <a:p>
+            <a:pPr marL="0" indent="0">
+              <a:buNone/>
+            </a:pPr>
+            <a:endParaRPr lang="en-US" dirty="0"/>
+          </a:p>
+          <a:p>
+            <a:pPr marL="0" indent="0">
+              <a:buNone/>
+            </a:pPr>
+            <a:r>
+              <a:rPr lang="en-US" sz="6400" dirty="0">
+                <a:solidFill>
+                  <a:schemeClr val="accent1"/>
+                </a:solidFill>
+              </a:rPr>
+              <a:t>Lecture 6:</a:t>
+            </a:r>
+          </a:p>
+          <a:p>
+            <a:pPr lvl="1">
+              <a:buFont typeface="Wingdings" panose="05000000000000000000" pitchFamily="2" charset="2"/>
+              <a:buChar char="q"/>
+            </a:pPr>
+            <a:r>
+              <a:rPr lang="en-US" sz="6400" dirty="0">
+                <a:solidFill>
+                  <a:schemeClr val="accent1"/>
+                </a:solidFill>
+              </a:rPr>
+              <a:t> Shared-Memory Programming with OpenMP</a:t>
+            </a:r>
+          </a:p>
+          <a:p>
+            <a:pPr lvl="3">
+              <a:buFont typeface="Wingdings" panose="05000000000000000000" pitchFamily="2" charset="2"/>
+              <a:buChar char="Ø"/>
+            </a:pPr>
+            <a:r>
+              <a:rPr lang="en-US" sz="4900" dirty="0">
+                <a:solidFill>
+                  <a:schemeClr val="accent1"/>
+                </a:solidFill>
+              </a:rPr>
+              <a:t>Introduction to OpenMP</a:t>
+            </a:r>
+          </a:p>
+          <a:p>
+            <a:pPr lvl="3">
+              <a:buFont typeface="Wingdings" panose="05000000000000000000" pitchFamily="2" charset="2"/>
+              <a:buChar char="Ø"/>
+            </a:pPr>
+            <a:r>
+              <a:rPr lang="en-US" sz="4900" dirty="0">
+                <a:solidFill>
+                  <a:schemeClr val="accent1"/>
+                </a:solidFill>
+              </a:rPr>
+              <a:t>The Fork-Join Model</a:t>
+            </a:r>
+          </a:p>
+          <a:p>
+            <a:pPr lvl="3">
+              <a:buFont typeface="Wingdings" panose="05000000000000000000" pitchFamily="2" charset="2"/>
+              <a:buChar char="Ø"/>
+            </a:pPr>
+            <a:r>
+              <a:rPr lang="en-US" sz="4900" dirty="0">
+                <a:solidFill>
+                  <a:schemeClr val="accent1"/>
+                </a:solidFill>
+              </a:rPr>
+              <a:t>Loop Parallelization </a:t>
+            </a:r>
+          </a:p>
+          <a:p>
+            <a:pPr lvl="1"/>
+            <a:endParaRPr lang="en-US" sz="4000" dirty="0">
+              <a:solidFill>
+                <a:schemeClr val="accent1"/>
+              </a:solidFill>
+            </a:endParaRPr>
+          </a:p>
+          <a:p>
+            <a:pPr marL="457200" lvl="1" indent="0">
+              <a:buNone/>
+            </a:pPr>
+            <a:endParaRPr lang="en-US" sz="4000" dirty="0">
+              <a:solidFill>
+                <a:schemeClr val="accent1"/>
+              </a:solidFill>
+            </a:endParaRPr>
+          </a:p>
+          <a:p>
+            <a:pPr marL="457200" lvl="1" indent="0">
+              <a:buNone/>
+            </a:pPr>
+            <a:endParaRPr lang="en-US" sz="4000" dirty="0">
+              <a:solidFill>
+                <a:schemeClr val="accent1"/>
+              </a:solidFill>
+            </a:endParaRPr>
+          </a:p>
+          <a:p>
+            <a:pPr marL="0" indent="0">
+              <a:buNone/>
+            </a:pPr>
+            <a:r>
+              <a:rPr lang="en-US" sz="4400" dirty="0">
+                <a:solidFill>
+                  <a:schemeClr val="accent1"/>
+                </a:solidFill>
+              </a:rPr>
+              <a:t>		</a:t>
+            </a:r>
+          </a:p>
+        </p:txBody>
+      </p:sp>
+    </p:spTree>
+    <p:extLst>
+      <p:ext uri="{BB962C8B-B14F-4D97-AF65-F5344CB8AC3E}">
+        <p14:creationId xmlns:p14="http://schemas.microsoft.com/office/powerpoint/2010/main" val="316990749"/>
+      </p:ext>
+    </p:extLst>
+  </p:cSld>
+  <p:clrMapOvr>
+    <a:masterClrMapping/>
+  </p:clrMapOvr>
+</p:sld>
+</file>
+
+<file path=ppt/slides/slide20.xml><?xml version="1.0" encoding="utf-8"?>
 <p:sld xmlns:a="http://schemas.openxmlformats.org/drawingml/2006/main" xmlns:r="http://schemas.openxmlformats.org/officeDocument/2006/relationships" xmlns:p="http://schemas.openxmlformats.org/presentationml/2006/main">
   <p:cSld>
     <p:spTree>
@@ -7076,198 +7599,7 @@
 </p:sld>
 </file>
 
-<file path=ppt/slides/slide2.xml><?xml version="1.0" encoding="utf-8"?>
-<p:sld xmlns:a="http://schemas.openxmlformats.org/drawingml/2006/main" xmlns:r="http://schemas.openxmlformats.org/officeDocument/2006/relationships" xmlns:p="http://schemas.openxmlformats.org/presentationml/2006/main">
-  <p:cSld>
-    <p:spTree>
-      <p:nvGrpSpPr>
-        <p:cNvPr id="1" name=""/>
-        <p:cNvGrpSpPr/>
-        <p:nvPr/>
-      </p:nvGrpSpPr>
-      <p:grpSpPr>
-        <a:xfrm>
-          <a:off x="0" y="0"/>
-          <a:ext cx="0" cy="0"/>
-          <a:chOff x="0" y="0"/>
-          <a:chExt cx="0" cy="0"/>
-        </a:xfrm>
-      </p:grpSpPr>
-      <p:sp>
-        <p:nvSpPr>
-          <p:cNvPr id="2" name="Title 1">
-            <a:extLst>
-              <a:ext uri="{FF2B5EF4-FFF2-40B4-BE49-F238E27FC236}">
-                <a16:creationId xmlns:a16="http://schemas.microsoft.com/office/drawing/2014/main" id="{749E6070-61A5-4356-9C31-AE0A38591868}"/>
-              </a:ext>
-            </a:extLst>
-          </p:cNvPr>
-          <p:cNvSpPr>
-            <a:spLocks noGrp="1"/>
-          </p:cNvSpPr>
-          <p:nvPr>
-            <p:ph type="title"/>
-          </p:nvPr>
-        </p:nvSpPr>
-        <p:spPr/>
-        <p:txBody>
-          <a:bodyPr/>
-          <a:lstStyle/>
-          <a:p>
-            <a:pPr algn="ctr"/>
-            <a:endParaRPr lang="en-US" dirty="0">
-              <a:solidFill>
-                <a:schemeClr val="accent1"/>
-              </a:solidFill>
-            </a:endParaRPr>
-          </a:p>
-        </p:txBody>
-      </p:sp>
-      <p:sp>
-        <p:nvSpPr>
-          <p:cNvPr id="3" name="Content Placeholder 2">
-            <a:extLst>
-              <a:ext uri="{FF2B5EF4-FFF2-40B4-BE49-F238E27FC236}">
-                <a16:creationId xmlns:a16="http://schemas.microsoft.com/office/drawing/2014/main" id="{206F444E-BC98-41BD-8334-55BDE5C74B1F}"/>
-              </a:ext>
-            </a:extLst>
-          </p:cNvPr>
-          <p:cNvSpPr>
-            <a:spLocks noGrp="1"/>
-          </p:cNvSpPr>
-          <p:nvPr>
-            <p:ph idx="1"/>
-          </p:nvPr>
-        </p:nvSpPr>
-        <p:spPr/>
-        <p:txBody>
-          <a:bodyPr>
-            <a:normAutofit fontScale="62500" lnSpcReduction="20000"/>
-          </a:bodyPr>
-          <a:lstStyle/>
-          <a:p>
-            <a:endParaRPr lang="en-US" dirty="0"/>
-          </a:p>
-          <a:p>
-            <a:pPr marL="0" indent="0">
-              <a:buNone/>
-            </a:pPr>
-            <a:endParaRPr lang="en-US" dirty="0"/>
-          </a:p>
-          <a:p>
-            <a:pPr marL="0" indent="0">
-              <a:buNone/>
-            </a:pPr>
-            <a:r>
-              <a:rPr lang="en-US" sz="6400" dirty="0">
-                <a:solidFill>
-                  <a:schemeClr val="accent1"/>
-                </a:solidFill>
-              </a:rPr>
-              <a:t>Lecture 5:</a:t>
-            </a:r>
-          </a:p>
-          <a:p>
-            <a:pPr lvl="1"/>
-            <a:r>
-              <a:rPr lang="en-US" sz="6400" dirty="0">
-                <a:solidFill>
-                  <a:schemeClr val="accent1"/>
-                </a:solidFill>
-              </a:rPr>
-              <a:t> Shared-Memory Programming with OpenMP</a:t>
-            </a:r>
-          </a:p>
-          <a:p>
-            <a:pPr lvl="3"/>
-            <a:r>
-              <a:rPr lang="en-US" sz="4900" dirty="0">
-                <a:solidFill>
-                  <a:schemeClr val="accent1"/>
-                </a:solidFill>
-              </a:rPr>
-              <a:t>Introduction to OpenMP</a:t>
-            </a:r>
-          </a:p>
-          <a:p>
-            <a:pPr lvl="3"/>
-            <a:r>
-              <a:rPr lang="en-US" sz="4900" dirty="0">
-                <a:solidFill>
-                  <a:schemeClr val="accent1"/>
-                </a:solidFill>
-              </a:rPr>
-              <a:t>The Fork-Join Model</a:t>
-            </a:r>
-          </a:p>
-          <a:p>
-            <a:pPr lvl="3"/>
-            <a:r>
-              <a:rPr lang="en-US" sz="4900" dirty="0">
-                <a:solidFill>
-                  <a:schemeClr val="accent1"/>
-                </a:solidFill>
-              </a:rPr>
-              <a:t>Loop Parallelization </a:t>
-            </a:r>
-          </a:p>
-          <a:p>
-            <a:pPr lvl="1"/>
-            <a:endParaRPr lang="en-US" sz="4000" dirty="0">
-              <a:solidFill>
-                <a:schemeClr val="accent1"/>
-              </a:solidFill>
-            </a:endParaRPr>
-          </a:p>
-          <a:p>
-            <a:pPr marL="457200" lvl="1" indent="0">
-              <a:buNone/>
-            </a:pPr>
-            <a:endParaRPr lang="en-US" sz="4000" dirty="0">
-              <a:solidFill>
-                <a:schemeClr val="accent1"/>
-              </a:solidFill>
-            </a:endParaRPr>
-          </a:p>
-          <a:p>
-            <a:pPr marL="457200" lvl="1" indent="0">
-              <a:buNone/>
-            </a:pPr>
-            <a:endParaRPr lang="en-US" sz="4000" dirty="0">
-              <a:solidFill>
-                <a:schemeClr val="accent1"/>
-              </a:solidFill>
-            </a:endParaRPr>
-          </a:p>
-          <a:p>
-            <a:pPr marL="0" indent="0">
-              <a:buNone/>
-            </a:pPr>
-            <a:r>
-              <a:rPr lang="en-US" sz="4400" dirty="0">
-                <a:solidFill>
-                  <a:schemeClr val="accent1"/>
-                </a:solidFill>
-              </a:rPr>
-              <a:t>		</a:t>
-            </a:r>
-          </a:p>
-        </p:txBody>
-      </p:sp>
-    </p:spTree>
-    <p:extLst>
-      <p:ext uri="{BB962C8B-B14F-4D97-AF65-F5344CB8AC3E}">
-        <p14:creationId xmlns:p14="http://schemas.microsoft.com/office/powerpoint/2010/main" val="316990749"/>
-      </p:ext>
-    </p:extLst>
-  </p:cSld>
-  <p:clrMapOvr>
-    <a:masterClrMapping/>
-  </p:clrMapOvr>
-</p:sld>
-</file>
-
-<file path=ppt/slides/slide20.xml><?xml version="1.0" encoding="utf-8"?>
+<file path=ppt/slides/slide21.xml><?xml version="1.0" encoding="utf-8"?>
 <p:sld xmlns:a="http://schemas.openxmlformats.org/drawingml/2006/main" xmlns:r="http://schemas.openxmlformats.org/officeDocument/2006/relationships" xmlns:p="http://schemas.openxmlformats.org/presentationml/2006/main">
   <p:cSld>
     <p:spTree>
@@ -7511,7 +7843,7 @@
 </p:sld>
 </file>
 
-<file path=ppt/slides/slide21.xml><?xml version="1.0" encoding="utf-8"?>
+<file path=ppt/slides/slide22.xml><?xml version="1.0" encoding="utf-8"?>
 <p:sld xmlns:a="http://schemas.openxmlformats.org/drawingml/2006/main" xmlns:r="http://schemas.openxmlformats.org/officeDocument/2006/relationships" xmlns:p="http://schemas.openxmlformats.org/presentationml/2006/main">
   <p:cSld>
     <p:spTree>
@@ -7731,7 +8063,7 @@
 </p:sld>
 </file>
 
-<file path=ppt/slides/slide22.xml><?xml version="1.0" encoding="utf-8"?>
+<file path=ppt/slides/slide23.xml><?xml version="1.0" encoding="utf-8"?>
 <p:sld xmlns:a="http://schemas.openxmlformats.org/drawingml/2006/main" xmlns:r="http://schemas.openxmlformats.org/officeDocument/2006/relationships" xmlns:p="http://schemas.openxmlformats.org/presentationml/2006/main">
   <p:cSld>
     <p:spTree>
@@ -7935,7 +8267,7 @@
 </p:sld>
 </file>
 
-<file path=ppt/slides/slide23.xml><?xml version="1.0" encoding="utf-8"?>
+<file path=ppt/slides/slide24.xml><?xml version="1.0" encoding="utf-8"?>
 <p:sld xmlns:a="http://schemas.openxmlformats.org/drawingml/2006/main" xmlns:r="http://schemas.openxmlformats.org/officeDocument/2006/relationships" xmlns:p="http://schemas.openxmlformats.org/presentationml/2006/main">
   <p:cSld>
     <p:spTree>
@@ -8075,7 +8407,7 @@
 </p:sld>
 </file>
 
-<file path=ppt/slides/slide24.xml><?xml version="1.0" encoding="utf-8"?>
+<file path=ppt/slides/slide25.xml><?xml version="1.0" encoding="utf-8"?>
 <p:sld xmlns:a="http://schemas.openxmlformats.org/drawingml/2006/main" xmlns:r="http://schemas.openxmlformats.org/officeDocument/2006/relationships" xmlns:p="http://schemas.openxmlformats.org/presentationml/2006/main">
   <p:cSld>
     <p:spTree>
@@ -8203,7 +8535,20 @@
             </a:r>
           </a:p>
           <a:p>
-            <a:pPr lvl="1"/>
+            <a:pPr marL="0" indent="0">
+              <a:buNone/>
+            </a:pPr>
+            <a:endParaRPr lang="en-US" sz="2000" dirty="0">
+              <a:solidFill>
+                <a:schemeClr val="accent1"/>
+              </a:solidFill>
+            </a:endParaRPr>
+          </a:p>
+          <a:p>
+            <a:pPr lvl="1">
+              <a:buFont typeface="Wingdings" panose="05000000000000000000" pitchFamily="2" charset="2"/>
+              <a:buChar char="Ø"/>
+            </a:pPr>
             <a:r>
               <a:rPr lang="en-US" sz="2000" dirty="0">
                 <a:solidFill>
@@ -8234,7 +8579,21 @@
             </a:r>
           </a:p>
           <a:p>
-            <a:pPr lvl="1"/>
+            <a:pPr lvl="1">
+              <a:buFont typeface="Wingdings" panose="05000000000000000000" pitchFamily="2" charset="2"/>
+              <a:buChar char="Ø"/>
+            </a:pPr>
+            <a:endParaRPr lang="en-US" sz="2000" dirty="0">
+              <a:solidFill>
+                <a:schemeClr val="accent1"/>
+              </a:solidFill>
+            </a:endParaRPr>
+          </a:p>
+          <a:p>
+            <a:pPr lvl="1">
+              <a:buFont typeface="Wingdings" panose="05000000000000000000" pitchFamily="2" charset="2"/>
+              <a:buChar char="Ø"/>
+            </a:pPr>
             <a:r>
               <a:rPr lang="en-US" sz="2000" dirty="0">
                 <a:solidFill>
@@ -8293,7 +8652,21 @@
             </a:r>
           </a:p>
           <a:p>
-            <a:pPr lvl="1"/>
+            <a:pPr lvl="1">
+              <a:buFont typeface="Wingdings" panose="05000000000000000000" pitchFamily="2" charset="2"/>
+              <a:buChar char="Ø"/>
+            </a:pPr>
+            <a:endParaRPr lang="en-US" sz="2000" dirty="0">
+              <a:solidFill>
+                <a:schemeClr val="accent1"/>
+              </a:solidFill>
+            </a:endParaRPr>
+          </a:p>
+          <a:p>
+            <a:pPr lvl="1">
+              <a:buFont typeface="Wingdings" panose="05000000000000000000" pitchFamily="2" charset="2"/>
+              <a:buChar char="Ø"/>
+            </a:pPr>
             <a:r>
               <a:rPr lang="en-US" sz="2000" dirty="0">
                 <a:solidFill>
@@ -8364,7 +8737,7 @@
 </p:sld>
 </file>
 
-<file path=ppt/slides/slide25.xml><?xml version="1.0" encoding="utf-8"?>
+<file path=ppt/slides/slide26.xml><?xml version="1.0" encoding="utf-8"?>
 <p:sld xmlns:a="http://schemas.openxmlformats.org/drawingml/2006/main" xmlns:r="http://schemas.openxmlformats.org/officeDocument/2006/relationships" xmlns:p="http://schemas.openxmlformats.org/presentationml/2006/main">
   <p:cSld>
     <p:spTree>
@@ -8452,6 +8825,10 @@
             </a:r>
           </a:p>
           <a:p>
+            <a:pPr>
+              <a:buFont typeface="Wingdings" panose="05000000000000000000" pitchFamily="2" charset="2"/>
+              <a:buChar char="q"/>
+            </a:pPr>
             <a:r>
               <a:rPr lang="en-US" sz="2000" dirty="0">
                 <a:solidFill>
@@ -8522,6 +8899,21 @@
             </a:r>
           </a:p>
           <a:p>
+            <a:pPr>
+              <a:buFont typeface="Wingdings" panose="05000000000000000000" pitchFamily="2" charset="2"/>
+              <a:buChar char="q"/>
+            </a:pPr>
+            <a:endParaRPr lang="en-US" sz="2000" dirty="0">
+              <a:solidFill>
+                <a:schemeClr val="accent1"/>
+              </a:solidFill>
+            </a:endParaRPr>
+          </a:p>
+          <a:p>
+            <a:pPr>
+              <a:buFont typeface="Wingdings" panose="05000000000000000000" pitchFamily="2" charset="2"/>
+              <a:buChar char="q"/>
+            </a:pPr>
             <a:r>
               <a:rPr lang="en-US" sz="2000" dirty="0">
                 <a:solidFill>
@@ -8576,6 +8968,21 @@
             </a:r>
           </a:p>
           <a:p>
+            <a:pPr>
+              <a:buFont typeface="Wingdings" panose="05000000000000000000" pitchFamily="2" charset="2"/>
+              <a:buChar char="q"/>
+            </a:pPr>
+            <a:endParaRPr lang="en-US" sz="2000" dirty="0">
+              <a:solidFill>
+                <a:schemeClr val="accent1"/>
+              </a:solidFill>
+            </a:endParaRPr>
+          </a:p>
+          <a:p>
+            <a:pPr>
+              <a:buFont typeface="Wingdings" panose="05000000000000000000" pitchFamily="2" charset="2"/>
+              <a:buChar char="q"/>
+            </a:pPr>
             <a:r>
               <a:rPr lang="en-US" sz="2000" dirty="0">
                 <a:solidFill>
@@ -8642,7 +9049,7 @@
         </p:blipFill>
         <p:spPr>
           <a:xfrm>
-            <a:off x="995362" y="4506789"/>
+            <a:off x="838200" y="5249739"/>
             <a:ext cx="10906125" cy="838933"/>
           </a:xfrm>
           <a:prstGeom prst="rect">
@@ -8663,7 +9070,7 @@
 </p:sld>
 </file>
 
-<file path=ppt/slides/slide26.xml><?xml version="1.0" encoding="utf-8"?>
+<file path=ppt/slides/slide27.xml><?xml version="1.0" encoding="utf-8"?>
 <p:sld xmlns:a="http://schemas.openxmlformats.org/drawingml/2006/main" xmlns:r="http://schemas.openxmlformats.org/officeDocument/2006/relationships" xmlns:p="http://schemas.openxmlformats.org/presentationml/2006/main">
   <p:cSld>
     <p:spTree>
@@ -8731,18 +9138,20 @@
         </p:nvSpPr>
         <p:spPr/>
         <p:txBody>
-          <a:bodyPr/>
+          <a:bodyPr>
+            <a:normAutofit fontScale="55000" lnSpcReduction="20000"/>
+          </a:bodyPr>
           <a:lstStyle/>
           <a:p>
             <a:pPr marL="0" indent="0">
               <a:buNone/>
             </a:pPr>
             <a:r>
-              <a:rPr lang="en-US" sz="2000" i="1" dirty="0"/>
+              <a:rPr lang="en-US" sz="3600" i="1" dirty="0"/>
               <a:t>DYNAMIC</a:t>
             </a:r>
             <a:r>
-              <a:rPr lang="en-US" sz="2000" dirty="0">
+              <a:rPr lang="en-US" sz="3600" dirty="0">
                 <a:solidFill>
                   <a:schemeClr val="accent1"/>
                 </a:solidFill>
@@ -8751,8 +9160,12 @@
             </a:r>
           </a:p>
           <a:p>
-            <a:r>
-              <a:rPr lang="en-US" sz="2000" dirty="0">
+            <a:pPr>
+              <a:buFont typeface="Wingdings" panose="05000000000000000000" pitchFamily="2" charset="2"/>
+              <a:buChar char="q"/>
+            </a:pPr>
+            <a:r>
+              <a:rPr lang="en-US" sz="3600" dirty="0">
                 <a:solidFill>
                   <a:schemeClr val="accent1"/>
                 </a:solidFill>
@@ -8760,11 +9173,11 @@
               <a:t>Loops iterations are divided into pieces of size </a:t>
             </a:r>
             <a:r>
-              <a:rPr lang="en-US" sz="2000" i="1" dirty="0"/>
+              <a:rPr lang="en-US" sz="3600" i="1" dirty="0"/>
               <a:t>chunk_size </a:t>
             </a:r>
             <a:r>
-              <a:rPr lang="en-US" sz="2000" dirty="0">
+              <a:rPr lang="en-US" sz="3600" dirty="0">
                 <a:solidFill>
                   <a:schemeClr val="accent1"/>
                 </a:solidFill>
@@ -8772,7 +9185,7 @@
               <a:t>and then </a:t>
             </a:r>
             <a:r>
-              <a:rPr lang="en-US" sz="2000" dirty="0">
+              <a:rPr lang="en-US" sz="3600" dirty="0">
                 <a:solidFill>
                   <a:srgbClr val="FF0000"/>
                 </a:solidFill>
@@ -8780,7 +9193,7 @@
               <a:t>dynamically</a:t>
             </a:r>
             <a:r>
-              <a:rPr lang="en-US" sz="2000" dirty="0">
+              <a:rPr lang="en-US" sz="3600" dirty="0">
                 <a:solidFill>
                   <a:schemeClr val="accent1"/>
                 </a:solidFill>
@@ -8789,8 +9202,23 @@
             </a:r>
           </a:p>
           <a:p>
-            <a:r>
-              <a:rPr lang="en-US" sz="2000" dirty="0">
+            <a:pPr>
+              <a:buFont typeface="Wingdings" panose="05000000000000000000" pitchFamily="2" charset="2"/>
+              <a:buChar char="q"/>
+            </a:pPr>
+            <a:endParaRPr lang="en-US" sz="3600" dirty="0">
+              <a:solidFill>
+                <a:schemeClr val="accent1"/>
+              </a:solidFill>
+            </a:endParaRPr>
+          </a:p>
+          <a:p>
+            <a:pPr>
+              <a:buFont typeface="Wingdings" panose="05000000000000000000" pitchFamily="2" charset="2"/>
+              <a:buChar char="q"/>
+            </a:pPr>
+            <a:r>
+              <a:rPr lang="en-US" sz="3600" dirty="0">
                 <a:solidFill>
                   <a:schemeClr val="accent1"/>
                 </a:solidFill>
@@ -8799,8 +9227,23 @@
             </a:r>
           </a:p>
           <a:p>
-            <a:r>
-              <a:rPr lang="en-US" sz="2000" dirty="0">
+            <a:pPr>
+              <a:buFont typeface="Wingdings" panose="05000000000000000000" pitchFamily="2" charset="2"/>
+              <a:buChar char="q"/>
+            </a:pPr>
+            <a:endParaRPr lang="en-US" sz="3600" dirty="0">
+              <a:solidFill>
+                <a:schemeClr val="accent1"/>
+              </a:solidFill>
+            </a:endParaRPr>
+          </a:p>
+          <a:p>
+            <a:pPr>
+              <a:buFont typeface="Wingdings" panose="05000000000000000000" pitchFamily="2" charset="2"/>
+              <a:buChar char="q"/>
+            </a:pPr>
+            <a:r>
+              <a:rPr lang="en-US" sz="3600" dirty="0">
                 <a:solidFill>
                   <a:schemeClr val="accent1"/>
                 </a:solidFill>
@@ -8808,11 +9251,11 @@
               <a:t>The default </a:t>
             </a:r>
             <a:r>
-              <a:rPr lang="en-US" sz="2000" i="1" dirty="0"/>
+              <a:rPr lang="en-US" sz="3600" i="1" dirty="0"/>
               <a:t>chunk_size </a:t>
             </a:r>
             <a:r>
-              <a:rPr lang="en-US" sz="2000" dirty="0">
+              <a:rPr lang="en-US" sz="3600" dirty="0">
                 <a:solidFill>
                   <a:schemeClr val="accent1"/>
                 </a:solidFill>
@@ -8820,7 +9263,7 @@
               <a:t>is </a:t>
             </a:r>
             <a:r>
-              <a:rPr lang="en-US" sz="2000" dirty="0">
+              <a:rPr lang="en-US" sz="3600" dirty="0">
                 <a:solidFill>
                   <a:srgbClr val="FF0000"/>
                 </a:solidFill>
@@ -8828,12 +9271,36 @@
               <a:t>one</a:t>
             </a:r>
             <a:r>
-              <a:rPr lang="en-US" sz="2000" dirty="0">
+              <a:rPr lang="en-US" sz="3600" dirty="0">
                 <a:solidFill>
                   <a:schemeClr val="accent1"/>
                 </a:solidFill>
               </a:rPr>
               <a:t>.</a:t>
+            </a:r>
+          </a:p>
+          <a:p>
+            <a:pPr marL="0" indent="0">
+              <a:buNone/>
+            </a:pPr>
+            <a:endParaRPr lang="en-US" sz="3600" dirty="0">
+              <a:solidFill>
+                <a:schemeClr val="accent1"/>
+              </a:solidFill>
+            </a:endParaRPr>
+          </a:p>
+          <a:p>
+            <a:pPr>
+              <a:buFont typeface="Wingdings" panose="05000000000000000000" pitchFamily="2" charset="2"/>
+              <a:buChar char="q"/>
+            </a:pPr>
+            <a:r>
+              <a:rPr lang="en-US" sz="3600" dirty="0">
+                <a:solidFill>
+                  <a:schemeClr val="accent1"/>
+                </a:solidFill>
+              </a:rPr>
+              <a:t>Dynamic scheduling is suitable when the different iterations in a loop take different amounts of time to execute.</a:t>
             </a:r>
           </a:p>
           <a:p>
@@ -8906,8 +9373,8 @@
         </p:blipFill>
         <p:spPr>
           <a:xfrm>
-            <a:off x="976312" y="4281377"/>
-            <a:ext cx="10787063" cy="854421"/>
+            <a:off x="711399" y="5334000"/>
+            <a:ext cx="10642401" cy="842963"/>
           </a:xfrm>
           <a:prstGeom prst="rect">
             <a:avLst/>
@@ -8927,7 +9394,7 @@
 </p:sld>
 </file>
 
-<file path=ppt/slides/slide27.xml><?xml version="1.0" encoding="utf-8"?>
+<file path=ppt/slides/slide28.xml><?xml version="1.0" encoding="utf-8"?>
 <p:sld xmlns:a="http://schemas.openxmlformats.org/drawingml/2006/main" xmlns:r="http://schemas.openxmlformats.org/officeDocument/2006/relationships" xmlns:p="http://schemas.openxmlformats.org/presentationml/2006/main">
   <p:cSld>
     <p:spTree>
@@ -9017,6 +9484,10 @@
                 </a:r>
               </a:p>
               <a:p>
+                <a:pPr>
+                  <a:buFont typeface="Wingdings" panose="05000000000000000000" pitchFamily="2" charset="2"/>
+                  <a:buChar char="q"/>
+                </a:pPr>
                 <a:r>
                   <a:rPr lang="en-US" sz="2000" b="0" i="0" dirty="0">
                     <a:solidFill>
@@ -9068,6 +9539,10 @@
                 </a:r>
               </a:p>
               <a:p>
+                <a:pPr>
+                  <a:buFont typeface="Wingdings" panose="05000000000000000000" pitchFamily="2" charset="2"/>
+                  <a:buChar char="q"/>
+                </a:pPr>
                 <a:r>
                   <a:rPr lang="en-US" sz="2000" dirty="0">
                     <a:solidFill>
@@ -9117,7 +9592,7 @@
                     <m:box>
                       <m:boxPr>
                         <m:ctrlPr>
-                          <a:rPr lang="en-US" sz="2400" i="1" dirty="0" smtClean="0">
+                          <a:rPr lang="en-US" sz="2000" i="1" dirty="0" smtClean="0">
                             <a:solidFill>
                               <a:schemeClr val="tx1"/>
                             </a:solidFill>
@@ -9132,7 +9607,7 @@
                         <m:f>
                           <m:fPr>
                             <m:ctrlPr>
-                              <a:rPr lang="en-US" sz="2400" i="1" dirty="0" smtClean="0">
+                              <a:rPr lang="en-US" sz="2000" i="1" dirty="0" smtClean="0">
                                 <a:solidFill>
                                   <a:schemeClr val="tx1"/>
                                 </a:solidFill>
@@ -9142,7 +9617,7 @@
                           </m:fPr>
                           <m:num>
                             <m:r>
-                              <a:rPr lang="en-US" sz="2400" i="1" dirty="0">
+                              <a:rPr lang="en-US" sz="2000" i="1" dirty="0">
                                 <a:solidFill>
                                   <a:schemeClr val="tx1"/>
                                 </a:solidFill>
@@ -9151,7 +9626,7 @@
                               <m:t>𝑡h𝑒</m:t>
                             </m:r>
                             <m:r>
-                              <a:rPr lang="en-US" sz="2400" i="1" dirty="0">
+                              <a:rPr lang="en-US" sz="2000" i="1" dirty="0">
                                 <a:solidFill>
                                   <a:schemeClr val="tx1"/>
                                 </a:solidFill>
@@ -9160,7 +9635,7 @@
                               <m:t> </m:t>
                             </m:r>
                             <m:r>
-                              <a:rPr lang="en-US" sz="2400" i="1" dirty="0">
+                              <a:rPr lang="en-US" sz="2000" i="1" dirty="0">
                                 <a:solidFill>
                                   <a:schemeClr val="tx1"/>
                                 </a:solidFill>
@@ -9169,7 +9644,7 @@
                               <m:t>𝑛𝑢𝑚𝑏𝑒𝑟</m:t>
                             </m:r>
                             <m:r>
-                              <a:rPr lang="en-US" sz="2400" i="1" dirty="0">
+                              <a:rPr lang="en-US" sz="2000" i="1" dirty="0">
                                 <a:solidFill>
                                   <a:schemeClr val="tx1"/>
                                 </a:solidFill>
@@ -9178,7 +9653,7 @@
                               <m:t> </m:t>
                             </m:r>
                             <m:r>
-                              <a:rPr lang="en-US" sz="2400" i="1" dirty="0">
+                              <a:rPr lang="en-US" sz="2000" i="1" dirty="0">
                                 <a:solidFill>
                                   <a:schemeClr val="tx1"/>
                                 </a:solidFill>
@@ -9187,7 +9662,7 @@
                               <m:t>𝑜𝑓</m:t>
                             </m:r>
                             <m:r>
-                              <a:rPr lang="en-US" sz="2400" i="1" dirty="0">
+                              <a:rPr lang="en-US" sz="2000" i="1" dirty="0">
                                 <a:solidFill>
                                   <a:schemeClr val="tx1"/>
                                 </a:solidFill>
@@ -9196,7 +9671,7 @@
                               <m:t> </m:t>
                             </m:r>
                             <m:r>
-                              <a:rPr lang="en-US" sz="2400" i="1" dirty="0">
+                              <a:rPr lang="en-US" sz="2000" i="1" dirty="0">
                                 <a:solidFill>
                                   <a:schemeClr val="tx1"/>
                                 </a:solidFill>
@@ -9205,7 +9680,7 @@
                               <m:t>𝑢𝑛𝑎𝑠𝑠𝑖𝑔𝑛𝑒𝑑</m:t>
                             </m:r>
                             <m:r>
-                              <a:rPr lang="en-US" sz="2400" i="1" dirty="0">
+                              <a:rPr lang="en-US" sz="2000" i="1" dirty="0">
                                 <a:solidFill>
                                   <a:schemeClr val="tx1"/>
                                 </a:solidFill>
@@ -9214,7 +9689,7 @@
                               <m:t> </m:t>
                             </m:r>
                             <m:r>
-                              <a:rPr lang="en-US" sz="2400" i="1" dirty="0">
+                              <a:rPr lang="en-US" sz="2000" i="1" dirty="0">
                                 <a:solidFill>
                                   <a:schemeClr val="tx1"/>
                                 </a:solidFill>
@@ -9225,7 +9700,7 @@
                           </m:num>
                           <m:den>
                             <m:r>
-                              <a:rPr lang="en-US" sz="2400" b="0" i="1" dirty="0" smtClean="0">
+                              <a:rPr lang="en-US" sz="2000" b="0" i="1" dirty="0" smtClean="0">
                                 <a:solidFill>
                                   <a:schemeClr val="tx1"/>
                                 </a:solidFill>
@@ -9234,7 +9709,7 @@
                               <m:t>𝑡h𝑒</m:t>
                             </m:r>
                             <m:r>
-                              <a:rPr lang="en-US" sz="2400" b="0" i="1" dirty="0" smtClean="0">
+                              <a:rPr lang="en-US" sz="2000" b="0" i="1" dirty="0" smtClean="0">
                                 <a:solidFill>
                                   <a:schemeClr val="tx1"/>
                                 </a:solidFill>
@@ -9243,7 +9718,7 @@
                               <m:t> </m:t>
                             </m:r>
                             <m:r>
-                              <a:rPr lang="en-US" sz="2400" b="0" i="1" dirty="0" smtClean="0">
+                              <a:rPr lang="en-US" sz="2000" b="0" i="1" dirty="0" smtClean="0">
                                 <a:solidFill>
                                   <a:schemeClr val="tx1"/>
                                 </a:solidFill>
@@ -9252,7 +9727,7 @@
                               <m:t>𝑛𝑢𝑚𝑏𝑒𝑟</m:t>
                             </m:r>
                             <m:r>
-                              <a:rPr lang="en-US" sz="2400" b="0" i="1" dirty="0" smtClean="0">
+                              <a:rPr lang="en-US" sz="2000" b="0" i="1" dirty="0" smtClean="0">
                                 <a:solidFill>
                                   <a:schemeClr val="tx1"/>
                                 </a:solidFill>
@@ -9261,7 +9736,7 @@
                               <m:t> </m:t>
                             </m:r>
                             <m:r>
-                              <a:rPr lang="en-US" sz="2400" b="0" i="1" dirty="0" smtClean="0">
+                              <a:rPr lang="en-US" sz="2000" b="0" i="1" dirty="0" smtClean="0">
                                 <a:solidFill>
                                   <a:schemeClr val="tx1"/>
                                 </a:solidFill>
@@ -9270,7 +9745,7 @@
                               <m:t>𝑜𝑓</m:t>
                             </m:r>
                             <m:r>
-                              <a:rPr lang="en-US" sz="2400" b="0" i="1" dirty="0" smtClean="0">
+                              <a:rPr lang="en-US" sz="2000" b="0" i="1" dirty="0" smtClean="0">
                                 <a:solidFill>
                                   <a:schemeClr val="tx1"/>
                                 </a:solidFill>
@@ -9279,7 +9754,7 @@
                               <m:t> </m:t>
                             </m:r>
                             <m:r>
-                              <a:rPr lang="en-US" sz="2400" b="0" i="1" dirty="0" smtClean="0">
+                              <a:rPr lang="en-US" sz="2000" b="0" i="1" dirty="0" smtClean="0">
                                 <a:solidFill>
                                   <a:schemeClr val="tx1"/>
                                 </a:solidFill>
@@ -9331,6 +9806,10 @@
                 </a:r>
               </a:p>
               <a:p>
+                <a:pPr>
+                  <a:buFont typeface="Wingdings" panose="05000000000000000000" pitchFamily="2" charset="2"/>
+                  <a:buChar char="q"/>
+                </a:pPr>
                 <a:r>
                   <a:rPr lang="en-US" sz="2000" i="1" dirty="0">
                     <a:solidFill>
@@ -9465,7 +9944,7 @@
         </p:blipFill>
         <p:spPr>
           <a:xfrm>
-            <a:off x="1076324" y="4743323"/>
+            <a:off x="1981199" y="4608385"/>
             <a:ext cx="9153526" cy="1568578"/>
           </a:xfrm>
           <a:prstGeom prst="rect">
@@ -9486,7 +9965,7 @@
 </p:sld>
 </file>
 
-<file path=ppt/slides/slide28.xml><?xml version="1.0" encoding="utf-8"?>
+<file path=ppt/slides/slide29.xml><?xml version="1.0" encoding="utf-8"?>
 <p:sld xmlns:a="http://schemas.openxmlformats.org/drawingml/2006/main" xmlns:r="http://schemas.openxmlformats.org/officeDocument/2006/relationships" xmlns:p="http://schemas.openxmlformats.org/presentationml/2006/main">
   <p:cSld>
     <p:spTree>
@@ -9574,6 +10053,10 @@
             </a:r>
           </a:p>
           <a:p>
+            <a:pPr>
+              <a:buFont typeface="Wingdings" panose="05000000000000000000" pitchFamily="2" charset="2"/>
+              <a:buChar char="q"/>
+            </a:pPr>
             <a:r>
               <a:rPr lang="en-US" sz="2000" dirty="0">
                 <a:solidFill>
@@ -9623,99 +10106,6 @@
     <p:extLst>
       <p:ext uri="{BB962C8B-B14F-4D97-AF65-F5344CB8AC3E}">
         <p14:creationId xmlns:p14="http://schemas.microsoft.com/office/powerpoint/2010/main" val="1431674674"/>
-      </p:ext>
-    </p:extLst>
-  </p:cSld>
-  <p:clrMapOvr>
-    <a:masterClrMapping/>
-  </p:clrMapOvr>
-</p:sld>
-</file>
-
-<file path=ppt/slides/slide29.xml><?xml version="1.0" encoding="utf-8"?>
-<p:sld xmlns:a="http://schemas.openxmlformats.org/drawingml/2006/main" xmlns:r="http://schemas.openxmlformats.org/officeDocument/2006/relationships" xmlns:p="http://schemas.openxmlformats.org/presentationml/2006/main">
-  <p:cSld>
-    <p:spTree>
-      <p:nvGrpSpPr>
-        <p:cNvPr id="1" name=""/>
-        <p:cNvGrpSpPr/>
-        <p:nvPr/>
-      </p:nvGrpSpPr>
-      <p:grpSpPr>
-        <a:xfrm>
-          <a:off x="0" y="0"/>
-          <a:ext cx="0" cy="0"/>
-          <a:chOff x="0" y="0"/>
-          <a:chExt cx="0" cy="0"/>
-        </a:xfrm>
-      </p:grpSpPr>
-      <p:sp>
-        <p:nvSpPr>
-          <p:cNvPr id="2" name="Title 1">
-            <a:extLst>
-              <a:ext uri="{FF2B5EF4-FFF2-40B4-BE49-F238E27FC236}">
-                <a16:creationId xmlns:a16="http://schemas.microsoft.com/office/drawing/2014/main" id="{46ED6686-73E1-4CFB-BC53-6E47117DCEF0}"/>
-              </a:ext>
-            </a:extLst>
-          </p:cNvPr>
-          <p:cNvSpPr>
-            <a:spLocks noGrp="1"/>
-          </p:cNvSpPr>
-          <p:nvPr>
-            <p:ph type="title"/>
-          </p:nvPr>
-        </p:nvSpPr>
-        <p:spPr/>
-        <p:txBody>
-          <a:bodyPr/>
-          <a:lstStyle/>
-          <a:p>
-            <a:r>
-              <a:rPr lang="en-US" dirty="0">
-                <a:solidFill>
-                  <a:schemeClr val="accent1"/>
-                </a:solidFill>
-              </a:rPr>
-              <a:t>OpenMP: Loop Construct</a:t>
-            </a:r>
-            <a:endParaRPr lang="en-US" dirty="0"/>
-          </a:p>
-        </p:txBody>
-      </p:sp>
-      <p:pic>
-        <p:nvPicPr>
-          <p:cNvPr id="5" name="Picture 4">
-            <a:extLst>
-              <a:ext uri="{FF2B5EF4-FFF2-40B4-BE49-F238E27FC236}">
-                <a16:creationId xmlns:a16="http://schemas.microsoft.com/office/drawing/2014/main" id="{BA541F78-3251-4327-90CC-FDC90A0404CD}"/>
-              </a:ext>
-            </a:extLst>
-          </p:cNvPr>
-          <p:cNvPicPr>
-            <a:picLocks noChangeAspect="1"/>
-          </p:cNvPicPr>
-          <p:nvPr/>
-        </p:nvPicPr>
-        <p:blipFill>
-          <a:blip r:embed="rId2"/>
-          <a:stretch>
-            <a:fillRect/>
-          </a:stretch>
-        </p:blipFill>
-        <p:spPr>
-          <a:xfrm>
-            <a:off x="2847975" y="1690688"/>
-            <a:ext cx="6643687" cy="4345458"/>
-          </a:xfrm>
-          <a:prstGeom prst="rect">
-            <a:avLst/>
-          </a:prstGeom>
-        </p:spPr>
-      </p:pic>
-    </p:spTree>
-    <p:extLst>
-      <p:ext uri="{BB962C8B-B14F-4D97-AF65-F5344CB8AC3E}">
-        <p14:creationId xmlns:p14="http://schemas.microsoft.com/office/powerpoint/2010/main" val="4282998988"/>
       </p:ext>
     </p:extLst>
   </p:cSld>
@@ -9891,7 +10281,10 @@
             </a:r>
           </a:p>
           <a:p>
-            <a:pPr lvl="1"/>
+            <a:pPr lvl="1">
+              <a:buFont typeface="Wingdings" panose="05000000000000000000" pitchFamily="2" charset="2"/>
+              <a:buChar char="Ø"/>
+            </a:pPr>
             <a:r>
               <a:rPr lang="en-US" sz="1600" dirty="0">
                 <a:solidFill>
@@ -9910,7 +10303,10 @@
             </a:r>
           </a:p>
           <a:p>
-            <a:pPr lvl="1"/>
+            <a:pPr lvl="1">
+              <a:buFont typeface="Wingdings" panose="05000000000000000000" pitchFamily="2" charset="2"/>
+              <a:buChar char="Ø"/>
+            </a:pPr>
             <a:r>
               <a:rPr lang="en-US" sz="2000" dirty="0">
                 <a:solidFill>
@@ -9965,7 +10361,10 @@
             </a:r>
           </a:p>
           <a:p>
-            <a:pPr lvl="1"/>
+            <a:pPr lvl="1">
+              <a:buFont typeface="Wingdings" panose="05000000000000000000" pitchFamily="2" charset="2"/>
+              <a:buChar char="Ø"/>
+            </a:pPr>
             <a:r>
               <a:rPr lang="en-US" sz="2000" dirty="0">
                 <a:solidFill>
@@ -9984,7 +10383,10 @@
             </a:r>
           </a:p>
           <a:p>
-            <a:pPr lvl="1"/>
+            <a:pPr lvl="1">
+              <a:buFont typeface="Wingdings" panose="05000000000000000000" pitchFamily="2" charset="2"/>
+              <a:buChar char="Ø"/>
+            </a:pPr>
             <a:r>
               <a:rPr lang="en-US" sz="2000" dirty="0">
                 <a:solidFill>
@@ -9995,7 +10397,10 @@
             </a:r>
           </a:p>
           <a:p>
-            <a:pPr lvl="1"/>
+            <a:pPr lvl="1">
+              <a:buFont typeface="Wingdings" panose="05000000000000000000" pitchFamily="2" charset="2"/>
+              <a:buChar char="Ø"/>
+            </a:pPr>
             <a:r>
               <a:rPr lang="en-US" sz="2000" dirty="0">
                 <a:solidFill>
@@ -10050,6 +10455,99 @@
           <p:cNvPr id="2" name="Title 1">
             <a:extLst>
               <a:ext uri="{FF2B5EF4-FFF2-40B4-BE49-F238E27FC236}">
+                <a16:creationId xmlns:a16="http://schemas.microsoft.com/office/drawing/2014/main" id="{46ED6686-73E1-4CFB-BC53-6E47117DCEF0}"/>
+              </a:ext>
+            </a:extLst>
+          </p:cNvPr>
+          <p:cNvSpPr>
+            <a:spLocks noGrp="1"/>
+          </p:cNvSpPr>
+          <p:nvPr>
+            <p:ph type="title"/>
+          </p:nvPr>
+        </p:nvSpPr>
+        <p:spPr/>
+        <p:txBody>
+          <a:bodyPr/>
+          <a:lstStyle/>
+          <a:p>
+            <a:r>
+              <a:rPr lang="en-US" dirty="0">
+                <a:solidFill>
+                  <a:schemeClr val="accent1"/>
+                </a:solidFill>
+              </a:rPr>
+              <a:t>OpenMP: Loop Construct</a:t>
+            </a:r>
+            <a:endParaRPr lang="en-US" dirty="0"/>
+          </a:p>
+        </p:txBody>
+      </p:sp>
+      <p:pic>
+        <p:nvPicPr>
+          <p:cNvPr id="5" name="Picture 4">
+            <a:extLst>
+              <a:ext uri="{FF2B5EF4-FFF2-40B4-BE49-F238E27FC236}">
+                <a16:creationId xmlns:a16="http://schemas.microsoft.com/office/drawing/2014/main" id="{BA541F78-3251-4327-90CC-FDC90A0404CD}"/>
+              </a:ext>
+            </a:extLst>
+          </p:cNvPr>
+          <p:cNvPicPr>
+            <a:picLocks noChangeAspect="1"/>
+          </p:cNvPicPr>
+          <p:nvPr/>
+        </p:nvPicPr>
+        <p:blipFill>
+          <a:blip r:embed="rId2"/>
+          <a:stretch>
+            <a:fillRect/>
+          </a:stretch>
+        </p:blipFill>
+        <p:spPr>
+          <a:xfrm>
+            <a:off x="2847975" y="1690688"/>
+            <a:ext cx="6643687" cy="4345458"/>
+          </a:xfrm>
+          <a:prstGeom prst="rect">
+            <a:avLst/>
+          </a:prstGeom>
+        </p:spPr>
+      </p:pic>
+    </p:spTree>
+    <p:extLst>
+      <p:ext uri="{BB962C8B-B14F-4D97-AF65-F5344CB8AC3E}">
+        <p14:creationId xmlns:p14="http://schemas.microsoft.com/office/powerpoint/2010/main" val="4282998988"/>
+      </p:ext>
+    </p:extLst>
+  </p:cSld>
+  <p:clrMapOvr>
+    <a:masterClrMapping/>
+  </p:clrMapOvr>
+</p:sld>
+</file>
+
+<file path=ppt/slides/slide31.xml><?xml version="1.0" encoding="utf-8"?>
+<p:sld xmlns:a="http://schemas.openxmlformats.org/drawingml/2006/main" xmlns:r="http://schemas.openxmlformats.org/officeDocument/2006/relationships" xmlns:p="http://schemas.openxmlformats.org/presentationml/2006/main">
+  <p:cSld>
+    <p:spTree>
+      <p:nvGrpSpPr>
+        <p:cNvPr id="1" name=""/>
+        <p:cNvGrpSpPr/>
+        <p:nvPr/>
+      </p:nvGrpSpPr>
+      <p:grpSpPr>
+        <a:xfrm>
+          <a:off x="0" y="0"/>
+          <a:ext cx="0" cy="0"/>
+          <a:chOff x="0" y="0"/>
+          <a:chExt cx="0" cy="0"/>
+        </a:xfrm>
+      </p:grpSpPr>
+      <p:sp>
+        <p:nvSpPr>
+          <p:cNvPr id="2" name="Title 1">
+            <a:extLst>
+              <a:ext uri="{FF2B5EF4-FFF2-40B4-BE49-F238E27FC236}">
                 <a16:creationId xmlns:a16="http://schemas.microsoft.com/office/drawing/2014/main" id="{9683FF61-54D6-4218-A12E-6E6B48808B3D}"/>
               </a:ext>
             </a:extLst>
@@ -10122,6 +10620,10 @@
             </a:r>
           </a:p>
           <a:p>
+            <a:pPr>
+              <a:buFont typeface="Wingdings" panose="05000000000000000000" pitchFamily="2" charset="2"/>
+              <a:buChar char="q"/>
+            </a:pPr>
             <a:r>
               <a:rPr lang="en-US" sz="2000" dirty="0">
                 <a:solidFill>
@@ -10142,6 +10644,12 @@
               </a:rPr>
               <a:t>.</a:t>
             </a:r>
+          </a:p>
+          <a:p>
+            <a:pPr>
+              <a:buFont typeface="Wingdings" panose="05000000000000000000" pitchFamily="2" charset="2"/>
+              <a:buChar char="q"/>
+            </a:pPr>
             <a:endParaRPr lang="en-US" sz="2000" dirty="0">
               <a:solidFill>
                 <a:srgbClr val="FF0000"/>
@@ -10149,6 +10657,10 @@
             </a:endParaRPr>
           </a:p>
           <a:p>
+            <a:pPr>
+              <a:buFont typeface="Wingdings" panose="05000000000000000000" pitchFamily="2" charset="2"/>
+              <a:buChar char="q"/>
+            </a:pPr>
             <a:r>
               <a:rPr lang="en-US" sz="2000" dirty="0">
                 <a:solidFill>
@@ -10159,6 +10671,21 @@
             </a:r>
           </a:p>
           <a:p>
+            <a:pPr>
+              <a:buFont typeface="Wingdings" panose="05000000000000000000" pitchFamily="2" charset="2"/>
+              <a:buChar char="q"/>
+            </a:pPr>
+            <a:endParaRPr lang="en-US" sz="2000" dirty="0">
+              <a:solidFill>
+                <a:schemeClr val="accent1"/>
+              </a:solidFill>
+            </a:endParaRPr>
+          </a:p>
+          <a:p>
+            <a:pPr>
+              <a:buFont typeface="Wingdings" panose="05000000000000000000" pitchFamily="2" charset="2"/>
+              <a:buChar char="q"/>
+            </a:pPr>
             <a:r>
               <a:rPr lang="en-US" sz="2000" dirty="0">
                 <a:solidFill>
@@ -10169,6 +10696,21 @@
             </a:r>
           </a:p>
           <a:p>
+            <a:pPr>
+              <a:buFont typeface="Wingdings" panose="05000000000000000000" pitchFamily="2" charset="2"/>
+              <a:buChar char="q"/>
+            </a:pPr>
+            <a:endParaRPr lang="en-US" sz="2000" dirty="0">
+              <a:solidFill>
+                <a:schemeClr val="accent1"/>
+              </a:solidFill>
+            </a:endParaRPr>
+          </a:p>
+          <a:p>
+            <a:pPr>
+              <a:buFont typeface="Wingdings" panose="05000000000000000000" pitchFamily="2" charset="2"/>
+              <a:buChar char="q"/>
+            </a:pPr>
             <a:r>
               <a:rPr lang="en-US" sz="2000" dirty="0">
                 <a:solidFill>
@@ -10179,11 +10721,14 @@
             </a:r>
           </a:p>
           <a:p>
-            <a:pPr lvl="1"/>
-            <a:r>
-              <a:rPr lang="en-US" sz="2000" dirty="0">
-                <a:solidFill>
-                  <a:srgbClr val="FF0000"/>
+            <a:pPr lvl="1">
+              <a:buFont typeface="Wingdings" panose="05000000000000000000" pitchFamily="2" charset="2"/>
+              <a:buChar char="Ø"/>
+            </a:pPr>
+            <a:r>
+              <a:rPr lang="en-US" sz="2000" dirty="0">
+                <a:solidFill>
+                  <a:srgbClr val="0070C0"/>
                 </a:solidFill>
               </a:rPr>
               <a:t>Synchronization constructs </a:t>
@@ -10228,7 +10773,7 @@
 </p:sld>
 </file>
 
-<file path=ppt/slides/slide31.xml><?xml version="1.0" encoding="utf-8"?>
+<file path=ppt/slides/slide32.xml><?xml version="1.0" encoding="utf-8"?>
 <p:sld xmlns:a="http://schemas.openxmlformats.org/drawingml/2006/main" xmlns:r="http://schemas.openxmlformats.org/officeDocument/2006/relationships" xmlns:p="http://schemas.openxmlformats.org/presentationml/2006/main">
   <p:cSld>
     <p:spTree>
@@ -10307,8 +10852,8 @@
           <a:lstStyle/>
           <a:p>
             <a:pPr marL="342900" indent="-342900">
-              <a:buFont typeface="Arial" panose="020B0604020202020204" pitchFamily="34" charset="0"/>
-              <a:buChar char="•"/>
+              <a:buFont typeface="Wingdings" panose="05000000000000000000" pitchFamily="2" charset="2"/>
+              <a:buChar char="q"/>
             </a:pPr>
             <a:r>
               <a:rPr lang="en-US" sz="2000" dirty="0">
@@ -10337,8 +10882,8 @@
           </a:p>
           <a:p>
             <a:pPr marL="342900" indent="-342900">
-              <a:buFont typeface="Arial" panose="020B0604020202020204" pitchFamily="34" charset="0"/>
-              <a:buChar char="•"/>
+              <a:buFont typeface="Wingdings" panose="05000000000000000000" pitchFamily="2" charset="2"/>
+              <a:buChar char="q"/>
             </a:pPr>
             <a:r>
               <a:rPr lang="en-US" sz="2000" dirty="0">
@@ -10379,8 +10924,8 @@
           </a:p>
           <a:p>
             <a:pPr marL="342900" indent="-342900">
-              <a:buFont typeface="Arial" panose="020B0604020202020204" pitchFamily="34" charset="0"/>
-              <a:buChar char="•"/>
+              <a:buFont typeface="Wingdings" panose="05000000000000000000" pitchFamily="2" charset="2"/>
+              <a:buChar char="q"/>
             </a:pPr>
             <a:r>
               <a:rPr lang="en-US" sz="2000" dirty="0">
@@ -10405,8 +10950,8 @@
           </a:p>
           <a:p>
             <a:pPr marL="342900" indent="-342900">
-              <a:buFont typeface="Arial" panose="020B0604020202020204" pitchFamily="34" charset="0"/>
-              <a:buChar char="•"/>
+              <a:buFont typeface="Wingdings" panose="05000000000000000000" pitchFamily="2" charset="2"/>
+              <a:buChar char="q"/>
             </a:pPr>
             <a:r>
               <a:rPr lang="en-US" sz="2000" dirty="0">
@@ -10444,8 +10989,8 @@
           </a:p>
           <a:p>
             <a:pPr marL="342900" indent="-342900">
-              <a:buFont typeface="Arial" panose="020B0604020202020204" pitchFamily="34" charset="0"/>
-              <a:buChar char="•"/>
+              <a:buFont typeface="Wingdings" panose="05000000000000000000" pitchFamily="2" charset="2"/>
+              <a:buChar char="q"/>
             </a:pPr>
             <a:r>
               <a:rPr lang="en-US" sz="2000" dirty="0">
@@ -10545,7 +11090,7 @@
 </p:sld>
 </file>
 
-<file path=ppt/slides/slide32.xml><?xml version="1.0" encoding="utf-8"?>
+<file path=ppt/slides/slide33.xml><?xml version="1.0" encoding="utf-8"?>
 <p:sld xmlns:a="http://schemas.openxmlformats.org/drawingml/2006/main" xmlns:r="http://schemas.openxmlformats.org/officeDocument/2006/relationships" xmlns:p="http://schemas.openxmlformats.org/presentationml/2006/main">
   <p:cSld>
     <p:spTree>
@@ -10637,6 +11182,10 @@
             </a:r>
           </a:p>
           <a:p>
+            <a:pPr>
+              <a:buFont typeface="Wingdings" panose="05000000000000000000" pitchFamily="2" charset="2"/>
+              <a:buChar char="q"/>
+            </a:pPr>
             <a:r>
               <a:rPr lang="en-US" sz="2000" dirty="0">
                 <a:solidFill>
@@ -10664,6 +11213,10 @@
             </a:endParaRPr>
           </a:p>
           <a:p>
+            <a:pPr>
+              <a:buFont typeface="Wingdings" panose="05000000000000000000" pitchFamily="2" charset="2"/>
+              <a:buChar char="q"/>
+            </a:pPr>
             <a:r>
               <a:rPr lang="en-US" sz="2000" dirty="0">
                 <a:solidFill>
@@ -10718,6 +11271,10 @@
             </a:r>
           </a:p>
           <a:p>
+            <a:pPr>
+              <a:buFont typeface="Wingdings" panose="05000000000000000000" pitchFamily="2" charset="2"/>
+              <a:buChar char="q"/>
+            </a:pPr>
             <a:r>
               <a:rPr lang="en-US" sz="2000" dirty="0">
                 <a:solidFill>
@@ -10807,7 +11364,7 @@
 </p:sld>
 </file>
 
-<file path=ppt/slides/slide33.xml><?xml version="1.0" encoding="utf-8"?>
+<file path=ppt/slides/slide34.xml><?xml version="1.0" encoding="utf-8"?>
 <p:sld xmlns:a="http://schemas.openxmlformats.org/drawingml/2006/main" xmlns:r="http://schemas.openxmlformats.org/officeDocument/2006/relationships" xmlns:p="http://schemas.openxmlformats.org/presentationml/2006/main">
   <p:cSld>
     <p:spTree>
@@ -10886,8 +11443,8 @@
           <a:lstStyle/>
           <a:p>
             <a:pPr marL="342900" indent="-342900">
-              <a:buFont typeface="Arial" panose="020B0604020202020204" pitchFamily="34" charset="0"/>
-              <a:buChar char="•"/>
+              <a:buFont typeface="Wingdings" panose="05000000000000000000" pitchFamily="2" charset="2"/>
+              <a:buChar char="q"/>
             </a:pPr>
             <a:r>
               <a:rPr lang="en-US" sz="2000" dirty="0">
@@ -10916,8 +11473,8 @@
           </a:p>
           <a:p>
             <a:pPr marL="342900" indent="-342900">
-              <a:buFont typeface="Arial" panose="020B0604020202020204" pitchFamily="34" charset="0"/>
-              <a:buChar char="•"/>
+              <a:buFont typeface="Wingdings" panose="05000000000000000000" pitchFamily="2" charset="2"/>
+              <a:buChar char="q"/>
             </a:pPr>
             <a:r>
               <a:rPr lang="en-US" sz="2000" dirty="0">
@@ -10962,8 +11519,8 @@
           </a:p>
           <a:p>
             <a:pPr marL="342900" indent="-342900">
-              <a:buFont typeface="Arial" panose="020B0604020202020204" pitchFamily="34" charset="0"/>
-              <a:buChar char="•"/>
+              <a:buFont typeface="Wingdings" panose="05000000000000000000" pitchFamily="2" charset="2"/>
+              <a:buChar char="q"/>
             </a:pPr>
             <a:r>
               <a:rPr lang="en-US" sz="2000" dirty="0">
@@ -11004,8 +11561,8 @@
           </a:p>
           <a:p>
             <a:pPr marL="342900" indent="-342900">
-              <a:buFont typeface="Arial" panose="020B0604020202020204" pitchFamily="34" charset="0"/>
-              <a:buChar char="•"/>
+              <a:buFont typeface="Wingdings" panose="05000000000000000000" pitchFamily="2" charset="2"/>
+              <a:buChar char="q"/>
             </a:pPr>
             <a:r>
               <a:rPr lang="en-US" sz="2000" dirty="0">
@@ -11018,8 +11575,8 @@
           </a:p>
           <a:p>
             <a:pPr marL="342900" indent="-342900">
-              <a:buFont typeface="Arial" panose="020B0604020202020204" pitchFamily="34" charset="0"/>
-              <a:buChar char="•"/>
+              <a:buFont typeface="Wingdings" panose="05000000000000000000" pitchFamily="2" charset="2"/>
+              <a:buChar char="q"/>
             </a:pPr>
             <a:r>
               <a:rPr lang="en-US" sz="2000" dirty="0">
@@ -11107,7 +11664,7 @@
 </p:sld>
 </file>
 
-<file path=ppt/slides/slide34.xml><?xml version="1.0" encoding="utf-8"?>
+<file path=ppt/slides/slide35.xml><?xml version="1.0" encoding="utf-8"?>
 <p:sld xmlns:a="http://schemas.openxmlformats.org/drawingml/2006/main" xmlns:r="http://schemas.openxmlformats.org/officeDocument/2006/relationships" xmlns:p="http://schemas.openxmlformats.org/presentationml/2006/main">
   <p:cSld>
     <p:spTree>
@@ -11271,7 +11828,7 @@
 </p:sld>
 </file>
 
-<file path=ppt/slides/slide35.xml><?xml version="1.0" encoding="utf-8"?>
+<file path=ppt/slides/slide36.xml><?xml version="1.0" encoding="utf-8"?>
 <p:sld xmlns:a="http://schemas.openxmlformats.org/drawingml/2006/main" xmlns:r="http://schemas.openxmlformats.org/officeDocument/2006/relationships" xmlns:p="http://schemas.openxmlformats.org/presentationml/2006/main">
   <p:cSld>
     <p:spTree>
@@ -11368,6 +11925,10 @@
             </a:endParaRPr>
           </a:p>
           <a:p>
+            <a:pPr>
+              <a:buFont typeface="Wingdings" panose="05000000000000000000" pitchFamily="2" charset="2"/>
+              <a:buChar char="q"/>
+            </a:pPr>
             <a:r>
               <a:rPr lang="en-US" sz="2000" dirty="0">
                 <a:solidFill>
@@ -11390,6 +11951,10 @@
             </a:r>
           </a:p>
           <a:p>
+            <a:pPr>
+              <a:buFont typeface="Wingdings" panose="05000000000000000000" pitchFamily="2" charset="2"/>
+              <a:buChar char="q"/>
+            </a:pPr>
             <a:r>
               <a:rPr lang="en-US" sz="2000" dirty="0">
                 <a:solidFill>
@@ -11416,6 +11981,10 @@
             </a:r>
           </a:p>
           <a:p>
+            <a:pPr>
+              <a:buFont typeface="Wingdings" panose="05000000000000000000" pitchFamily="2" charset="2"/>
+              <a:buChar char="q"/>
+            </a:pPr>
             <a:r>
               <a:rPr lang="en-US" sz="2000" dirty="0">
                 <a:solidFill>
@@ -11447,6 +12016,10 @@
             </a:endParaRPr>
           </a:p>
           <a:p>
+            <a:pPr>
+              <a:buFont typeface="Wingdings" panose="05000000000000000000" pitchFamily="2" charset="2"/>
+              <a:buChar char="q"/>
+            </a:pPr>
             <a:r>
               <a:rPr lang="en-US" sz="2000" dirty="0">
                 <a:solidFill>
@@ -11506,7 +12079,7 @@
 </p:sld>
 </file>
 
-<file path=ppt/slides/slide36.xml><?xml version="1.0" encoding="utf-8"?>
+<file path=ppt/slides/slide37.xml><?xml version="1.0" encoding="utf-8"?>
 <p:sld xmlns:a="http://schemas.openxmlformats.org/drawingml/2006/main" xmlns:r="http://schemas.openxmlformats.org/officeDocument/2006/relationships" xmlns:p="http://schemas.openxmlformats.org/presentationml/2006/main">
   <p:cSld>
     <p:spTree>
@@ -11682,7 +12255,7 @@
 </p:sld>
 </file>
 
-<file path=ppt/slides/slide37.xml><?xml version="1.0" encoding="utf-8"?>
+<file path=ppt/slides/slide38.xml><?xml version="1.0" encoding="utf-8"?>
 <p:sld xmlns:a="http://schemas.openxmlformats.org/drawingml/2006/main" xmlns:r="http://schemas.openxmlformats.org/officeDocument/2006/relationships" xmlns:p="http://schemas.openxmlformats.org/presentationml/2006/main">
   <p:cSld>
     <p:spTree>
@@ -11779,6 +12352,10 @@
             </a:endParaRPr>
           </a:p>
           <a:p>
+            <a:pPr>
+              <a:buFont typeface="Wingdings" panose="05000000000000000000" pitchFamily="2" charset="2"/>
+              <a:buChar char="q"/>
+            </a:pPr>
             <a:r>
               <a:rPr lang="en-US" sz="2000" dirty="0">
                 <a:solidFill>
@@ -11805,6 +12382,10 @@
             </a:r>
           </a:p>
           <a:p>
+            <a:pPr>
+              <a:buFont typeface="Wingdings" panose="05000000000000000000" pitchFamily="2" charset="2"/>
+              <a:buChar char="q"/>
+            </a:pPr>
             <a:r>
               <a:rPr lang="en-US" sz="2000" dirty="0">
                 <a:solidFill>
@@ -11847,6 +12428,10 @@
             </a:r>
           </a:p>
           <a:p>
+            <a:pPr>
+              <a:buFont typeface="Wingdings" panose="05000000000000000000" pitchFamily="2" charset="2"/>
+              <a:buChar char="q"/>
+            </a:pPr>
             <a:r>
               <a:rPr lang="en-US" sz="2000" dirty="0">
                 <a:solidFill>
@@ -11873,6 +12458,10 @@
             </a:r>
           </a:p>
           <a:p>
+            <a:pPr>
+              <a:buFont typeface="Wingdings" panose="05000000000000000000" pitchFamily="2" charset="2"/>
+              <a:buChar char="q"/>
+            </a:pPr>
             <a:r>
               <a:rPr lang="en-US" sz="2000" dirty="0">
                 <a:solidFill>
@@ -11899,6 +12488,10 @@
             </a:r>
           </a:p>
           <a:p>
+            <a:pPr>
+              <a:buFont typeface="Wingdings" panose="05000000000000000000" pitchFamily="2" charset="2"/>
+              <a:buChar char="q"/>
+            </a:pPr>
             <a:r>
               <a:rPr lang="en-US" sz="2000" dirty="0">
                 <a:solidFill>
@@ -11955,7 +12548,7 @@
 </p:sld>
 </file>
 
-<file path=ppt/slides/slide38.xml><?xml version="1.0" encoding="utf-8"?>
+<file path=ppt/slides/slide39.xml><?xml version="1.0" encoding="utf-8"?>
 <p:sld xmlns:a="http://schemas.openxmlformats.org/drawingml/2006/main" xmlns:r="http://schemas.openxmlformats.org/officeDocument/2006/relationships" xmlns:p="http://schemas.openxmlformats.org/presentationml/2006/main">
   <p:cSld>
     <p:spTree>
@@ -12064,8 +12657,8 @@
           <a:lstStyle/>
           <a:p>
             <a:pPr marL="342900" indent="-342900">
-              <a:buFont typeface="Arial" panose="020B0604020202020204" pitchFamily="34" charset="0"/>
-              <a:buChar char="•"/>
+              <a:buFont typeface="Wingdings" panose="05000000000000000000" pitchFamily="2" charset="2"/>
+              <a:buChar char="q"/>
             </a:pPr>
             <a:r>
               <a:rPr lang="en-US" sz="2000" dirty="0">
@@ -12090,8 +12683,8 @@
           </a:p>
           <a:p>
             <a:pPr marL="342900" indent="-342900">
-              <a:buFont typeface="Arial" panose="020B0604020202020204" pitchFamily="34" charset="0"/>
-              <a:buChar char="•"/>
+              <a:buFont typeface="Wingdings" panose="05000000000000000000" pitchFamily="2" charset="2"/>
+              <a:buChar char="q"/>
             </a:pPr>
             <a:r>
               <a:rPr lang="en-US" sz="2000" dirty="0">
@@ -12143,276 +12736,6 @@
     <p:extLst>
       <p:ext uri="{BB962C8B-B14F-4D97-AF65-F5344CB8AC3E}">
         <p14:creationId xmlns:p14="http://schemas.microsoft.com/office/powerpoint/2010/main" val="1693718961"/>
-      </p:ext>
-    </p:extLst>
-  </p:cSld>
-  <p:clrMapOvr>
-    <a:masterClrMapping/>
-  </p:clrMapOvr>
-</p:sld>
-</file>
-
-<file path=ppt/slides/slide39.xml><?xml version="1.0" encoding="utf-8"?>
-<p:sld xmlns:a="http://schemas.openxmlformats.org/drawingml/2006/main" xmlns:r="http://schemas.openxmlformats.org/officeDocument/2006/relationships" xmlns:p="http://schemas.openxmlformats.org/presentationml/2006/main">
-  <p:cSld>
-    <p:spTree>
-      <p:nvGrpSpPr>
-        <p:cNvPr id="1" name=""/>
-        <p:cNvGrpSpPr/>
-        <p:nvPr/>
-      </p:nvGrpSpPr>
-      <p:grpSpPr>
-        <a:xfrm>
-          <a:off x="0" y="0"/>
-          <a:ext cx="0" cy="0"/>
-          <a:chOff x="0" y="0"/>
-          <a:chExt cx="0" cy="0"/>
-        </a:xfrm>
-      </p:grpSpPr>
-      <p:sp>
-        <p:nvSpPr>
-          <p:cNvPr id="2" name="Title 1">
-            <a:extLst>
-              <a:ext uri="{FF2B5EF4-FFF2-40B4-BE49-F238E27FC236}">
-                <a16:creationId xmlns:a16="http://schemas.microsoft.com/office/drawing/2014/main" id="{D36A6E2C-5125-4821-945D-7946C294EC50}"/>
-              </a:ext>
-            </a:extLst>
-          </p:cNvPr>
-          <p:cNvSpPr>
-            <a:spLocks noGrp="1"/>
-          </p:cNvSpPr>
-          <p:nvPr>
-            <p:ph type="title"/>
-          </p:nvPr>
-        </p:nvSpPr>
-        <p:spPr/>
-        <p:txBody>
-          <a:bodyPr/>
-          <a:lstStyle/>
-          <a:p>
-            <a:r>
-              <a:rPr lang="en-US" dirty="0">
-                <a:solidFill>
-                  <a:schemeClr val="accent1"/>
-                </a:solidFill>
-              </a:rPr>
-              <a:t>OpenMP: Last-Private Clause</a:t>
-            </a:r>
-            <a:endParaRPr lang="en-US" dirty="0"/>
-          </a:p>
-        </p:txBody>
-      </p:sp>
-      <p:sp>
-        <p:nvSpPr>
-          <p:cNvPr id="3" name="Content Placeholder 2">
-            <a:extLst>
-              <a:ext uri="{FF2B5EF4-FFF2-40B4-BE49-F238E27FC236}">
-                <a16:creationId xmlns:a16="http://schemas.microsoft.com/office/drawing/2014/main" id="{462708E0-C1DD-41B7-A2B5-72D9F2DD615A}"/>
-              </a:ext>
-            </a:extLst>
-          </p:cNvPr>
-          <p:cNvSpPr>
-            <a:spLocks noGrp="1"/>
-          </p:cNvSpPr>
-          <p:nvPr>
-            <p:ph idx="1"/>
-          </p:nvPr>
-        </p:nvSpPr>
-        <p:spPr/>
-        <p:txBody>
-          <a:bodyPr>
-            <a:normAutofit/>
-          </a:bodyPr>
-          <a:lstStyle/>
-          <a:p>
-            <a:pPr marL="0" indent="0">
-              <a:buNone/>
-            </a:pPr>
-            <a:r>
-              <a:rPr lang="en-US" sz="2000" dirty="0">
-                <a:solidFill>
-                  <a:schemeClr val="accent1"/>
-                </a:solidFill>
-              </a:rPr>
-              <a:t>The use of the </a:t>
-            </a:r>
-            <a:r>
-              <a:rPr lang="en-US" sz="2000" i="1" dirty="0" err="1"/>
-              <a:t>lastprivate</a:t>
-            </a:r>
-            <a:r>
-              <a:rPr lang="en-US" sz="2000" i="1" dirty="0"/>
-              <a:t> </a:t>
-            </a:r>
-            <a:r>
-              <a:rPr lang="en-US" sz="2000" dirty="0">
-                <a:solidFill>
-                  <a:schemeClr val="accent1"/>
-                </a:solidFill>
-              </a:rPr>
-              <a:t>clause can add </a:t>
-            </a:r>
-            <a:r>
-              <a:rPr lang="en-US" sz="2000" dirty="0">
-                <a:solidFill>
-                  <a:srgbClr val="FF0000"/>
-                </a:solidFill>
-              </a:rPr>
-              <a:t>overhead</a:t>
-            </a:r>
-            <a:r>
-              <a:rPr lang="en-US" sz="2000" dirty="0">
-                <a:solidFill>
-                  <a:schemeClr val="accent1"/>
-                </a:solidFill>
-              </a:rPr>
-              <a:t> to OpenMP programs as </a:t>
-            </a:r>
-            <a:r>
-              <a:rPr lang="en-US" sz="2000" dirty="0">
-                <a:solidFill>
-                  <a:srgbClr val="00B050"/>
-                </a:solidFill>
-              </a:rPr>
-              <a:t>the OpenMP runtime </a:t>
-            </a:r>
-            <a:r>
-              <a:rPr lang="en-US" sz="2000" dirty="0">
-                <a:solidFill>
-                  <a:schemeClr val="accent1"/>
-                </a:solidFill>
-              </a:rPr>
-              <a:t>needs to keep track of which thread executes </a:t>
-            </a:r>
-            <a:r>
-              <a:rPr lang="en-US" sz="2000" dirty="0">
-                <a:solidFill>
-                  <a:srgbClr val="FF0000"/>
-                </a:solidFill>
-              </a:rPr>
-              <a:t>the last loop iteration</a:t>
-            </a:r>
-            <a:r>
-              <a:rPr lang="en-US" sz="2000" dirty="0">
-                <a:solidFill>
-                  <a:schemeClr val="accent1"/>
-                </a:solidFill>
-              </a:rPr>
-              <a:t>:</a:t>
-            </a:r>
-          </a:p>
-          <a:p>
-            <a:pPr marL="0" indent="0">
-              <a:buNone/>
-            </a:pPr>
-            <a:endParaRPr lang="en-US" sz="2000" dirty="0">
-              <a:solidFill>
-                <a:schemeClr val="accent1"/>
-              </a:solidFill>
-            </a:endParaRPr>
-          </a:p>
-          <a:p>
-            <a:pPr lvl="1"/>
-            <a:r>
-              <a:rPr lang="en-US" sz="2000" dirty="0">
-                <a:solidFill>
-                  <a:schemeClr val="accent1"/>
-                </a:solidFill>
-              </a:rPr>
-              <a:t>For a </a:t>
-            </a:r>
-            <a:r>
-              <a:rPr lang="en-US" sz="2000" dirty="0">
-                <a:solidFill>
-                  <a:srgbClr val="FF0000"/>
-                </a:solidFill>
-              </a:rPr>
-              <a:t>static</a:t>
-            </a:r>
-            <a:r>
-              <a:rPr lang="en-US" sz="2000" dirty="0">
-                <a:solidFill>
-                  <a:schemeClr val="accent1"/>
-                </a:solidFill>
-              </a:rPr>
-              <a:t> workload distribution scheme, this is relatively </a:t>
-            </a:r>
-            <a:r>
-              <a:rPr lang="en-US" sz="2000" dirty="0">
-                <a:solidFill>
-                  <a:srgbClr val="FF0000"/>
-                </a:solidFill>
-              </a:rPr>
-              <a:t>lightweight</a:t>
-            </a:r>
-            <a:r>
-              <a:rPr lang="en-US" sz="2000" dirty="0">
-                <a:solidFill>
-                  <a:schemeClr val="accent1"/>
-                </a:solidFill>
-              </a:rPr>
-              <a:t>.</a:t>
-            </a:r>
-          </a:p>
-          <a:p>
-            <a:pPr marL="457200" lvl="1" indent="0">
-              <a:buNone/>
-            </a:pPr>
-            <a:endParaRPr lang="en-US" sz="2000" dirty="0">
-              <a:solidFill>
-                <a:schemeClr val="accent1"/>
-              </a:solidFill>
-            </a:endParaRPr>
-          </a:p>
-          <a:p>
-            <a:pPr lvl="1"/>
-            <a:r>
-              <a:rPr lang="en-US" sz="2000" dirty="0">
-                <a:solidFill>
-                  <a:schemeClr val="accent1"/>
-                </a:solidFill>
-              </a:rPr>
-              <a:t>For a </a:t>
-            </a:r>
-            <a:r>
-              <a:rPr lang="en-US" sz="2000" dirty="0">
-                <a:solidFill>
-                  <a:srgbClr val="FF0000"/>
-                </a:solidFill>
-              </a:rPr>
-              <a:t>dynamic</a:t>
-            </a:r>
-            <a:r>
-              <a:rPr lang="en-US" sz="2000" dirty="0">
-                <a:solidFill>
-                  <a:schemeClr val="accent1"/>
-                </a:solidFill>
-              </a:rPr>
-              <a:t> workload distribution scheme, this is more </a:t>
-            </a:r>
-            <a:r>
-              <a:rPr lang="en-US" sz="2000" dirty="0">
-                <a:solidFill>
-                  <a:srgbClr val="FF0000"/>
-                </a:solidFill>
-              </a:rPr>
-              <a:t>expensive</a:t>
-            </a:r>
-            <a:r>
-              <a:rPr lang="en-US" sz="2000" dirty="0">
-                <a:solidFill>
-                  <a:schemeClr val="accent1"/>
-                </a:solidFill>
-              </a:rPr>
-              <a:t>.</a:t>
-            </a:r>
-          </a:p>
-        </p:txBody>
-      </p:sp>
-    </p:spTree>
-    <p:extLst>
-      <p:ext uri="{BB962C8B-B14F-4D97-AF65-F5344CB8AC3E}">
-        <p14:creationId xmlns:p14="http://schemas.microsoft.com/office/powerpoint/2010/main" val="2492871990"/>
       </p:ext>
     </p:extLst>
   </p:cSld>
@@ -12492,65 +12815,68 @@
           <a:bodyPr/>
           <a:lstStyle/>
           <a:p>
+            <a:pPr>
+              <a:buFont typeface="Wingdings" panose="05000000000000000000" pitchFamily="2" charset="2"/>
+              <a:buChar char="q"/>
+            </a:pPr>
+            <a:r>
+              <a:rPr lang="en-US" sz="2000" dirty="0">
+                <a:solidFill>
+                  <a:schemeClr val="accent1"/>
+                </a:solidFill>
+              </a:rPr>
+              <a:t> The file </a:t>
+            </a:r>
+            <a:r>
+              <a:rPr lang="en-US" sz="2000" i="1" dirty="0" err="1"/>
+              <a:t>omp.h</a:t>
+            </a:r>
+            <a:r>
+              <a:rPr lang="en-US" sz="2000" i="1" dirty="0">
+                <a:solidFill>
+                  <a:srgbClr val="FF0000"/>
+                </a:solidFill>
+              </a:rPr>
+              <a:t> </a:t>
+            </a:r>
+            <a:r>
+              <a:rPr lang="en-US" sz="2000" dirty="0">
+                <a:solidFill>
+                  <a:schemeClr val="accent1"/>
+                </a:solidFill>
+              </a:rPr>
+              <a:t>must be included as a header file.</a:t>
+            </a:r>
+          </a:p>
+          <a:p>
             <a:pPr marL="0" indent="0">
               <a:buNone/>
             </a:pPr>
-            <a:r>
-              <a:rPr lang="en-US" sz="2000" dirty="0">
-                <a:solidFill>
-                  <a:schemeClr val="accent1"/>
-                </a:solidFill>
-              </a:rPr>
-              <a:t>The file </a:t>
-            </a:r>
-            <a:r>
-              <a:rPr lang="en-US" sz="2000" i="1" dirty="0" err="1"/>
-              <a:t>omp.h</a:t>
-            </a:r>
-            <a:r>
-              <a:rPr lang="en-US" sz="2000" i="1" dirty="0">
+            <a:endParaRPr lang="en-US" sz="2000" dirty="0">
+              <a:solidFill>
+                <a:schemeClr val="accent1"/>
+              </a:solidFill>
+            </a:endParaRPr>
+          </a:p>
+          <a:p>
+            <a:pPr>
+              <a:buFont typeface="Wingdings" panose="05000000000000000000" pitchFamily="2" charset="2"/>
+              <a:buChar char="q"/>
+            </a:pPr>
+            <a:r>
+              <a:rPr lang="en-US" sz="2000" dirty="0">
+                <a:solidFill>
+                  <a:schemeClr val="accent1"/>
+                </a:solidFill>
+              </a:rPr>
+              <a:t> Different compilers need different </a:t>
+            </a:r>
+            <a:r>
+              <a:rPr lang="en-US" sz="2000" dirty="0">
                 <a:solidFill>
                   <a:srgbClr val="FF0000"/>
                 </a:solidFill>
               </a:rPr>
-              <a:t> </a:t>
-            </a:r>
-            <a:r>
-              <a:rPr lang="en-US" sz="2000" dirty="0">
-                <a:solidFill>
-                  <a:schemeClr val="accent1"/>
-                </a:solidFill>
-              </a:rPr>
-              <a:t>must be included as a header file.</a:t>
-            </a:r>
-            <a:br>
-              <a:rPr lang="en-US" sz="2000" dirty="0">
-                <a:solidFill>
-                  <a:schemeClr val="accent1"/>
-                </a:solidFill>
-              </a:rPr>
-            </a:br>
-            <a:br>
-              <a:rPr lang="en-US" sz="2000" dirty="0">
-                <a:solidFill>
-                  <a:schemeClr val="accent1"/>
-                </a:solidFill>
-              </a:rPr>
-            </a:br>
-            <a:r>
-              <a:rPr lang="en-US" sz="2000" dirty="0">
-                <a:solidFill>
-                  <a:schemeClr val="accent1"/>
-                </a:solidFill>
-              </a:rPr>
-              <a:t>Different compilers need different </a:t>
-            </a:r>
-            <a:r>
-              <a:rPr lang="en-US" sz="2000" dirty="0">
-                <a:solidFill>
-                  <a:srgbClr val="FF0000"/>
-                </a:solidFill>
-              </a:rPr>
               <a:t>option flags</a:t>
             </a:r>
             <a:r>
@@ -12563,6 +12889,21 @@
             </a:r>
           </a:p>
           <a:p>
+            <a:pPr>
+              <a:buFont typeface="Wingdings" panose="05000000000000000000" pitchFamily="2" charset="2"/>
+              <a:buChar char="q"/>
+            </a:pPr>
+            <a:endParaRPr lang="en-US" sz="2000" dirty="0">
+              <a:solidFill>
+                <a:schemeClr val="accent1"/>
+              </a:solidFill>
+            </a:endParaRPr>
+          </a:p>
+          <a:p>
+            <a:pPr lvl="1">
+              <a:buFont typeface="Wingdings" panose="05000000000000000000" pitchFamily="2" charset="2"/>
+              <a:buChar char="Ø"/>
+            </a:pPr>
             <a:r>
               <a:rPr lang="en-US" sz="2000" dirty="0" err="1">
                 <a:solidFill>
@@ -12618,6 +12959,20 @@
             </a:endParaRPr>
           </a:p>
           <a:p>
+            <a:pPr marL="457200" lvl="1" indent="0">
+              <a:buNone/>
+            </a:pPr>
+            <a:endParaRPr lang="en-US" sz="2000" dirty="0">
+              <a:solidFill>
+                <a:srgbClr val="00B050"/>
+              </a:solidFill>
+            </a:endParaRPr>
+          </a:p>
+          <a:p>
+            <a:pPr lvl="1">
+              <a:buFont typeface="Wingdings" panose="05000000000000000000" pitchFamily="2" charset="2"/>
+              <a:buChar char="Ø"/>
+            </a:pPr>
             <a:r>
               <a:rPr lang="en-US" sz="2000" dirty="0">
                 <a:solidFill>
@@ -12685,6 +13040,283 @@
           <p:cNvPr id="2" name="Title 1">
             <a:extLst>
               <a:ext uri="{FF2B5EF4-FFF2-40B4-BE49-F238E27FC236}">
+                <a16:creationId xmlns:a16="http://schemas.microsoft.com/office/drawing/2014/main" id="{D36A6E2C-5125-4821-945D-7946C294EC50}"/>
+              </a:ext>
+            </a:extLst>
+          </p:cNvPr>
+          <p:cNvSpPr>
+            <a:spLocks noGrp="1"/>
+          </p:cNvSpPr>
+          <p:nvPr>
+            <p:ph type="title"/>
+          </p:nvPr>
+        </p:nvSpPr>
+        <p:spPr/>
+        <p:txBody>
+          <a:bodyPr/>
+          <a:lstStyle/>
+          <a:p>
+            <a:r>
+              <a:rPr lang="en-US" dirty="0">
+                <a:solidFill>
+                  <a:schemeClr val="accent1"/>
+                </a:solidFill>
+              </a:rPr>
+              <a:t>OpenMP: Last-Private Clause</a:t>
+            </a:r>
+            <a:endParaRPr lang="en-US" dirty="0"/>
+          </a:p>
+        </p:txBody>
+      </p:sp>
+      <p:sp>
+        <p:nvSpPr>
+          <p:cNvPr id="3" name="Content Placeholder 2">
+            <a:extLst>
+              <a:ext uri="{FF2B5EF4-FFF2-40B4-BE49-F238E27FC236}">
+                <a16:creationId xmlns:a16="http://schemas.microsoft.com/office/drawing/2014/main" id="{462708E0-C1DD-41B7-A2B5-72D9F2DD615A}"/>
+              </a:ext>
+            </a:extLst>
+          </p:cNvPr>
+          <p:cNvSpPr>
+            <a:spLocks noGrp="1"/>
+          </p:cNvSpPr>
+          <p:nvPr>
+            <p:ph idx="1"/>
+          </p:nvPr>
+        </p:nvSpPr>
+        <p:spPr/>
+        <p:txBody>
+          <a:bodyPr>
+            <a:normAutofit/>
+          </a:bodyPr>
+          <a:lstStyle/>
+          <a:p>
+            <a:pPr marL="0" indent="0">
+              <a:buNone/>
+            </a:pPr>
+            <a:r>
+              <a:rPr lang="en-US" sz="2000" dirty="0">
+                <a:solidFill>
+                  <a:schemeClr val="accent1"/>
+                </a:solidFill>
+              </a:rPr>
+              <a:t>The use of the </a:t>
+            </a:r>
+            <a:r>
+              <a:rPr lang="en-US" sz="2000" i="1" dirty="0" err="1"/>
+              <a:t>lastprivate</a:t>
+            </a:r>
+            <a:r>
+              <a:rPr lang="en-US" sz="2000" i="1" dirty="0"/>
+              <a:t> </a:t>
+            </a:r>
+            <a:r>
+              <a:rPr lang="en-US" sz="2000" dirty="0">
+                <a:solidFill>
+                  <a:schemeClr val="accent1"/>
+                </a:solidFill>
+              </a:rPr>
+              <a:t>clause can add </a:t>
+            </a:r>
+            <a:r>
+              <a:rPr lang="en-US" sz="2000" dirty="0">
+                <a:solidFill>
+                  <a:srgbClr val="FF0000"/>
+                </a:solidFill>
+              </a:rPr>
+              <a:t>overhead</a:t>
+            </a:r>
+            <a:r>
+              <a:rPr lang="en-US" sz="2000" dirty="0">
+                <a:solidFill>
+                  <a:schemeClr val="accent1"/>
+                </a:solidFill>
+              </a:rPr>
+              <a:t> to OpenMP programs as </a:t>
+            </a:r>
+            <a:r>
+              <a:rPr lang="en-US" sz="2000" dirty="0">
+                <a:solidFill>
+                  <a:srgbClr val="00B050"/>
+                </a:solidFill>
+              </a:rPr>
+              <a:t>the OpenMP runtime </a:t>
+            </a:r>
+            <a:r>
+              <a:rPr lang="en-US" sz="2000" dirty="0">
+                <a:solidFill>
+                  <a:schemeClr val="accent1"/>
+                </a:solidFill>
+              </a:rPr>
+              <a:t>needs to keep track of which thread executes </a:t>
+            </a:r>
+            <a:r>
+              <a:rPr lang="en-US" sz="2000" dirty="0">
+                <a:solidFill>
+                  <a:srgbClr val="FF0000"/>
+                </a:solidFill>
+              </a:rPr>
+              <a:t>the last loop iteration</a:t>
+            </a:r>
+            <a:r>
+              <a:rPr lang="en-US" sz="2000" dirty="0">
+                <a:solidFill>
+                  <a:schemeClr val="accent1"/>
+                </a:solidFill>
+              </a:rPr>
+              <a:t>:</a:t>
+            </a:r>
+          </a:p>
+          <a:p>
+            <a:pPr marL="0" indent="0">
+              <a:buNone/>
+            </a:pPr>
+            <a:endParaRPr lang="en-US" sz="2000" dirty="0">
+              <a:solidFill>
+                <a:schemeClr val="accent1"/>
+              </a:solidFill>
+            </a:endParaRPr>
+          </a:p>
+          <a:p>
+            <a:pPr lvl="1">
+              <a:buFont typeface="Wingdings" panose="05000000000000000000" pitchFamily="2" charset="2"/>
+              <a:buChar char="Ø"/>
+            </a:pPr>
+            <a:r>
+              <a:rPr lang="en-US" sz="2000" dirty="0">
+                <a:solidFill>
+                  <a:schemeClr val="accent1"/>
+                </a:solidFill>
+              </a:rPr>
+              <a:t>For a </a:t>
+            </a:r>
+            <a:r>
+              <a:rPr lang="en-US" sz="2000" dirty="0">
+                <a:solidFill>
+                  <a:srgbClr val="FF0000"/>
+                </a:solidFill>
+              </a:rPr>
+              <a:t>static</a:t>
+            </a:r>
+            <a:r>
+              <a:rPr lang="en-US" sz="2000" dirty="0">
+                <a:solidFill>
+                  <a:schemeClr val="accent1"/>
+                </a:solidFill>
+              </a:rPr>
+              <a:t> workload distribution scheme, this is relatively </a:t>
+            </a:r>
+            <a:r>
+              <a:rPr lang="en-US" sz="2000" dirty="0">
+                <a:solidFill>
+                  <a:srgbClr val="FF0000"/>
+                </a:solidFill>
+              </a:rPr>
+              <a:t>lightweight</a:t>
+            </a:r>
+            <a:r>
+              <a:rPr lang="en-US" sz="2000" dirty="0">
+                <a:solidFill>
+                  <a:schemeClr val="accent1"/>
+                </a:solidFill>
+              </a:rPr>
+              <a:t>.</a:t>
+            </a:r>
+          </a:p>
+          <a:p>
+            <a:pPr lvl="1">
+              <a:buFont typeface="Wingdings" panose="05000000000000000000" pitchFamily="2" charset="2"/>
+              <a:buChar char="Ø"/>
+            </a:pPr>
+            <a:endParaRPr lang="en-US" sz="2000" dirty="0">
+              <a:solidFill>
+                <a:schemeClr val="accent1"/>
+              </a:solidFill>
+            </a:endParaRPr>
+          </a:p>
+          <a:p>
+            <a:pPr lvl="1">
+              <a:buFont typeface="Wingdings" panose="05000000000000000000" pitchFamily="2" charset="2"/>
+              <a:buChar char="Ø"/>
+            </a:pPr>
+            <a:r>
+              <a:rPr lang="en-US" sz="2000" dirty="0">
+                <a:solidFill>
+                  <a:schemeClr val="accent1"/>
+                </a:solidFill>
+              </a:rPr>
+              <a:t>For a </a:t>
+            </a:r>
+            <a:r>
+              <a:rPr lang="en-US" sz="2000" dirty="0">
+                <a:solidFill>
+                  <a:srgbClr val="FF0000"/>
+                </a:solidFill>
+              </a:rPr>
+              <a:t>dynamic</a:t>
+            </a:r>
+            <a:r>
+              <a:rPr lang="en-US" sz="2000" dirty="0">
+                <a:solidFill>
+                  <a:schemeClr val="accent1"/>
+                </a:solidFill>
+              </a:rPr>
+              <a:t> workload distribution scheme, this is more </a:t>
+            </a:r>
+            <a:r>
+              <a:rPr lang="en-US" sz="2000" dirty="0">
+                <a:solidFill>
+                  <a:srgbClr val="FF0000"/>
+                </a:solidFill>
+              </a:rPr>
+              <a:t>expensive</a:t>
+            </a:r>
+            <a:r>
+              <a:rPr lang="en-US" sz="2000" dirty="0">
+                <a:solidFill>
+                  <a:schemeClr val="accent1"/>
+                </a:solidFill>
+              </a:rPr>
+              <a:t>.</a:t>
+            </a:r>
+          </a:p>
+        </p:txBody>
+      </p:sp>
+    </p:spTree>
+    <p:extLst>
+      <p:ext uri="{BB962C8B-B14F-4D97-AF65-F5344CB8AC3E}">
+        <p14:creationId xmlns:p14="http://schemas.microsoft.com/office/powerpoint/2010/main" val="2492871990"/>
+      </p:ext>
+    </p:extLst>
+  </p:cSld>
+  <p:clrMapOvr>
+    <a:masterClrMapping/>
+  </p:clrMapOvr>
+</p:sld>
+</file>
+
+<file path=ppt/slides/slide41.xml><?xml version="1.0" encoding="utf-8"?>
+<p:sld xmlns:a="http://schemas.openxmlformats.org/drawingml/2006/main" xmlns:r="http://schemas.openxmlformats.org/officeDocument/2006/relationships" xmlns:p="http://schemas.openxmlformats.org/presentationml/2006/main">
+  <p:cSld>
+    <p:spTree>
+      <p:nvGrpSpPr>
+        <p:cNvPr id="1" name=""/>
+        <p:cNvGrpSpPr/>
+        <p:nvPr/>
+      </p:nvGrpSpPr>
+      <p:grpSpPr>
+        <a:xfrm>
+          <a:off x="0" y="0"/>
+          <a:ext cx="0" cy="0"/>
+          <a:chOff x="0" y="0"/>
+          <a:chExt cx="0" cy="0"/>
+        </a:xfrm>
+      </p:grpSpPr>
+      <p:sp>
+        <p:nvSpPr>
+          <p:cNvPr id="2" name="Title 1">
+            <a:extLst>
+              <a:ext uri="{FF2B5EF4-FFF2-40B4-BE49-F238E27FC236}">
                 <a16:creationId xmlns:a16="http://schemas.microsoft.com/office/drawing/2014/main" id="{4C0F3EA0-F4C8-4BF2-B286-E5522689BA57}"/>
               </a:ext>
             </a:extLst>
@@ -12760,6 +13392,10 @@
             </a:endParaRPr>
           </a:p>
           <a:p>
+            <a:pPr>
+              <a:buFont typeface="Wingdings" panose="05000000000000000000" pitchFamily="2" charset="2"/>
+              <a:buChar char="q"/>
+            </a:pPr>
             <a:r>
               <a:rPr lang="en-US" sz="2000" dirty="0">
                 <a:solidFill>
@@ -12798,6 +13434,21 @@
             </a:r>
           </a:p>
           <a:p>
+            <a:pPr>
+              <a:buFont typeface="Wingdings" panose="05000000000000000000" pitchFamily="2" charset="2"/>
+              <a:buChar char="q"/>
+            </a:pPr>
+            <a:endParaRPr lang="en-US" sz="2000" dirty="0">
+              <a:solidFill>
+                <a:schemeClr val="accent1"/>
+              </a:solidFill>
+            </a:endParaRPr>
+          </a:p>
+          <a:p>
+            <a:pPr>
+              <a:buFont typeface="Wingdings" panose="05000000000000000000" pitchFamily="2" charset="2"/>
+              <a:buChar char="q"/>
+            </a:pPr>
             <a:r>
               <a:rPr lang="en-US" sz="2000" dirty="0">
                 <a:solidFill>
@@ -12808,7 +13459,10 @@
             </a:r>
           </a:p>
           <a:p>
-            <a:pPr lvl="1"/>
+            <a:pPr lvl="1">
+              <a:buFont typeface="Wingdings" panose="05000000000000000000" pitchFamily="2" charset="2"/>
+              <a:buChar char="Ø"/>
+            </a:pPr>
             <a:r>
               <a:rPr lang="en-US" sz="2000" dirty="0">
                 <a:solidFill>
@@ -12831,7 +13485,21 @@
             </a:r>
           </a:p>
           <a:p>
-            <a:pPr lvl="1"/>
+            <a:pPr lvl="1">
+              <a:buFont typeface="Wingdings" panose="05000000000000000000" pitchFamily="2" charset="2"/>
+              <a:buChar char="Ø"/>
+            </a:pPr>
+            <a:endParaRPr lang="en-US" sz="2000" dirty="0">
+              <a:solidFill>
+                <a:schemeClr val="accent1"/>
+              </a:solidFill>
+            </a:endParaRPr>
+          </a:p>
+          <a:p>
+            <a:pPr lvl="1">
+              <a:buFont typeface="Wingdings" panose="05000000000000000000" pitchFamily="2" charset="2"/>
+              <a:buChar char="Ø"/>
+            </a:pPr>
             <a:r>
               <a:rPr lang="en-US" sz="2000" dirty="0">
                 <a:solidFill>
@@ -12854,6 +13522,21 @@
             </a:r>
           </a:p>
           <a:p>
+            <a:pPr lvl="1">
+              <a:buFont typeface="Wingdings" panose="05000000000000000000" pitchFamily="2" charset="2"/>
+              <a:buChar char="Ø"/>
+            </a:pPr>
+            <a:endParaRPr lang="en-US" sz="2000" dirty="0">
+              <a:solidFill>
+                <a:schemeClr val="accent1"/>
+              </a:solidFill>
+            </a:endParaRPr>
+          </a:p>
+          <a:p>
+            <a:pPr>
+              <a:buFont typeface="Wingdings" panose="05000000000000000000" pitchFamily="2" charset="2"/>
+              <a:buChar char="q"/>
+            </a:pPr>
             <a:r>
               <a:rPr lang="en-US" sz="2000" dirty="0">
                 <a:solidFill>
@@ -12898,7 +13581,7 @@
 </p:sld>
 </file>
 
-<file path=ppt/slides/slide41.xml><?xml version="1.0" encoding="utf-8"?>
+<file path=ppt/slides/slide42.xml><?xml version="1.0" encoding="utf-8"?>
 <p:sld xmlns:a="http://schemas.openxmlformats.org/drawingml/2006/main" xmlns:r="http://schemas.openxmlformats.org/officeDocument/2006/relationships" xmlns:p="http://schemas.openxmlformats.org/presentationml/2006/main">
   <p:cSld>
     <p:spTree>
@@ -12990,6 +13673,10 @@
             </a:r>
           </a:p>
           <a:p>
+            <a:pPr>
+              <a:buFont typeface="Wingdings" panose="05000000000000000000" pitchFamily="2" charset="2"/>
+              <a:buChar char="q"/>
+            </a:pPr>
             <a:r>
               <a:rPr lang="en-US" sz="2000" dirty="0">
                 <a:solidFill>
@@ -13010,6 +13697,12 @@
               </a:rPr>
               <a:t>clause allows the programmer to fine-tune the performance of an OpenMP program.</a:t>
             </a:r>
+          </a:p>
+          <a:p>
+            <a:pPr>
+              <a:buFont typeface="Wingdings" panose="05000000000000000000" pitchFamily="2" charset="2"/>
+              <a:buChar char="q"/>
+            </a:pPr>
             <a:endParaRPr lang="en-US" sz="2000" dirty="0">
               <a:solidFill>
                 <a:srgbClr val="FF0000"/>
@@ -13017,16 +13710,83 @@
             </a:endParaRPr>
           </a:p>
           <a:p>
-            <a:r>
-              <a:rPr lang="en-US" sz="2000" dirty="0">
-                <a:solidFill>
-                  <a:schemeClr val="accent1"/>
-                </a:solidFill>
-              </a:rPr>
-              <a:t>There is an implicit barrier at the end of every work-sharing construct.</a:t>
-            </a:r>
-          </a:p>
-          <a:p>
+            <a:pPr>
+              <a:buFont typeface="Wingdings" panose="05000000000000000000" pitchFamily="2" charset="2"/>
+              <a:buChar char="q"/>
+            </a:pPr>
+            <a:r>
+              <a:rPr lang="en-US" sz="2000" dirty="0">
+                <a:solidFill>
+                  <a:schemeClr val="accent1"/>
+                </a:solidFill>
+              </a:rPr>
+              <a:t>There is </a:t>
+            </a:r>
+            <a:r>
+              <a:rPr lang="en-US" sz="2000" dirty="0">
+                <a:solidFill>
+                  <a:srgbClr val="FF0000"/>
+                </a:solidFill>
+              </a:rPr>
+              <a:t>an implicit barrier </a:t>
+            </a:r>
+            <a:r>
+              <a:rPr lang="en-US" sz="2000" dirty="0">
+                <a:solidFill>
+                  <a:schemeClr val="accent1"/>
+                </a:solidFill>
+              </a:rPr>
+              <a:t>at </a:t>
+            </a:r>
+            <a:r>
+              <a:rPr lang="en-US" sz="2000" dirty="0">
+                <a:solidFill>
+                  <a:srgbClr val="00B050"/>
+                </a:solidFill>
+              </a:rPr>
+              <a:t>the end </a:t>
+            </a:r>
+            <a:r>
+              <a:rPr lang="en-US" sz="2000" dirty="0">
+                <a:solidFill>
+                  <a:schemeClr val="accent1"/>
+                </a:solidFill>
+              </a:rPr>
+              <a:t>of </a:t>
+            </a:r>
+            <a:r>
+              <a:rPr lang="en-US" sz="2000" dirty="0">
+                <a:solidFill>
+                  <a:srgbClr val="FF0000"/>
+                </a:solidFill>
+              </a:rPr>
+              <a:t>every work-sharing construct</a:t>
+            </a:r>
+            <a:r>
+              <a:rPr lang="en-US" sz="2000" dirty="0">
+                <a:solidFill>
+                  <a:schemeClr val="accent1"/>
+                </a:solidFill>
+              </a:rPr>
+              <a:t>.</a:t>
+            </a:r>
+          </a:p>
+          <a:p>
+            <a:pPr>
+              <a:buFont typeface="Wingdings" panose="05000000000000000000" pitchFamily="2" charset="2"/>
+              <a:buChar char="q"/>
+            </a:pPr>
+            <a:endParaRPr lang="en-US" sz="2000" dirty="0">
+              <a:solidFill>
+                <a:schemeClr val="accent1"/>
+              </a:solidFill>
+            </a:endParaRPr>
+          </a:p>
+          <a:p>
+            <a:pPr>
+              <a:buFont typeface="Wingdings" panose="05000000000000000000" pitchFamily="2" charset="2"/>
+              <a:buChar char="q"/>
+            </a:pPr>
             <a:r>
               <a:rPr lang="en-US" sz="2000" dirty="0">
                 <a:solidFill>
@@ -13049,7 +13809,21 @@
             </a:r>
           </a:p>
           <a:p>
-            <a:pPr lvl="1"/>
+            <a:pPr>
+              <a:buFont typeface="Wingdings" panose="05000000000000000000" pitchFamily="2" charset="2"/>
+              <a:buChar char="q"/>
+            </a:pPr>
+            <a:endParaRPr lang="en-US" sz="2000" dirty="0">
+              <a:solidFill>
+                <a:schemeClr val="accent1"/>
+              </a:solidFill>
+            </a:endParaRPr>
+          </a:p>
+          <a:p>
+            <a:pPr lvl="1">
+              <a:buFont typeface="Wingdings" panose="05000000000000000000" pitchFamily="2" charset="2"/>
+              <a:buChar char="Ø"/>
+            </a:pPr>
             <a:r>
               <a:rPr lang="en-US" sz="2000" dirty="0">
                 <a:solidFill>
@@ -13060,14 +13834,44 @@
             </a:r>
           </a:p>
           <a:p>
-            <a:pPr lvl="1"/>
-            <a:r>
-              <a:rPr lang="en-US" sz="2000" dirty="0">
-                <a:solidFill>
-                  <a:schemeClr val="accent1"/>
-                </a:solidFill>
-              </a:rPr>
-              <a:t>Note that the implicit barrier at the end of </a:t>
+            <a:pPr lvl="1">
+              <a:buFont typeface="Wingdings" panose="05000000000000000000" pitchFamily="2" charset="2"/>
+              <a:buChar char="Ø"/>
+            </a:pPr>
+            <a:endParaRPr lang="en-US" sz="2000" dirty="0">
+              <a:solidFill>
+                <a:schemeClr val="accent1"/>
+              </a:solidFill>
+            </a:endParaRPr>
+          </a:p>
+          <a:p>
+            <a:pPr lvl="1">
+              <a:buFont typeface="Wingdings" panose="05000000000000000000" pitchFamily="2" charset="2"/>
+              <a:buChar char="Ø"/>
+            </a:pPr>
+            <a:r>
+              <a:rPr lang="en-US" sz="2000" dirty="0">
+                <a:solidFill>
+                  <a:schemeClr val="accent1"/>
+                </a:solidFill>
+              </a:rPr>
+              <a:t>Note that </a:t>
+            </a:r>
+            <a:r>
+              <a:rPr lang="en-US" sz="2000" dirty="0">
+                <a:solidFill>
+                  <a:srgbClr val="FF0000"/>
+                </a:solidFill>
+              </a:rPr>
+              <a:t>the implicit barrier </a:t>
+            </a:r>
+            <a:r>
+              <a:rPr lang="en-US" sz="2000" dirty="0">
+                <a:solidFill>
+                  <a:schemeClr val="accent1"/>
+                </a:solidFill>
+              </a:rPr>
+              <a:t>at the end of </a:t>
             </a:r>
             <a:r>
               <a:rPr lang="en-US" sz="2000" dirty="0">
@@ -13116,7 +13920,7 @@
 </p:sld>
 </file>
 
-<file path=ppt/slides/slide42.xml><?xml version="1.0" encoding="utf-8"?>
+<file path=ppt/slides/slide43.xml><?xml version="1.0" encoding="utf-8"?>
 <p:sld xmlns:a="http://schemas.openxmlformats.org/drawingml/2006/main" xmlns:r="http://schemas.openxmlformats.org/officeDocument/2006/relationships" xmlns:p="http://schemas.openxmlformats.org/presentationml/2006/main">
   <p:cSld>
     <p:spTree>
@@ -13185,7 +13989,7 @@
         <p:spPr/>
         <p:txBody>
           <a:bodyPr>
-            <a:normAutofit/>
+            <a:normAutofit lnSpcReduction="10000"/>
           </a:bodyPr>
           <a:lstStyle/>
           <a:p>
@@ -13210,6 +14014,10 @@
             </a:r>
           </a:p>
           <a:p>
+            <a:pPr>
+              <a:buFont typeface="Wingdings" panose="05000000000000000000" pitchFamily="2" charset="2"/>
+              <a:buChar char="q"/>
+            </a:pPr>
             <a:r>
               <a:rPr lang="en-US" sz="2000" dirty="0">
                 <a:solidFill>
@@ -13238,6 +14046,12 @@
               </a:rPr>
               <a:t>.</a:t>
             </a:r>
+          </a:p>
+          <a:p>
+            <a:pPr>
+              <a:buFont typeface="Wingdings" panose="05000000000000000000" pitchFamily="2" charset="2"/>
+              <a:buChar char="q"/>
+            </a:pPr>
             <a:endParaRPr lang="en-US" sz="2000" dirty="0">
               <a:solidFill>
                 <a:schemeClr val="accent1"/>
@@ -13245,6 +14059,10 @@
             </a:endParaRPr>
           </a:p>
           <a:p>
+            <a:pPr>
+              <a:buFont typeface="Wingdings" panose="05000000000000000000" pitchFamily="2" charset="2"/>
+              <a:buChar char="q"/>
+            </a:pPr>
             <a:r>
               <a:rPr lang="en-US" sz="2000" dirty="0">
                 <a:solidFill>
@@ -13287,6 +14105,21 @@
             </a:r>
           </a:p>
           <a:p>
+            <a:pPr>
+              <a:buFont typeface="Wingdings" panose="05000000000000000000" pitchFamily="2" charset="2"/>
+              <a:buChar char="q"/>
+            </a:pPr>
+            <a:endParaRPr lang="en-US" sz="2000" dirty="0">
+              <a:solidFill>
+                <a:schemeClr val="accent1"/>
+              </a:solidFill>
+            </a:endParaRPr>
+          </a:p>
+          <a:p>
+            <a:pPr>
+              <a:buFont typeface="Wingdings" panose="05000000000000000000" pitchFamily="2" charset="2"/>
+              <a:buChar char="q"/>
+            </a:pPr>
             <a:r>
               <a:rPr lang="en-US" sz="2000" dirty="0">
                 <a:solidFill>
@@ -13329,6 +14162,21 @@
             </a:r>
           </a:p>
           <a:p>
+            <a:pPr>
+              <a:buFont typeface="Wingdings" panose="05000000000000000000" pitchFamily="2" charset="2"/>
+              <a:buChar char="q"/>
+            </a:pPr>
+            <a:endParaRPr lang="en-US" sz="2000" dirty="0">
+              <a:solidFill>
+                <a:schemeClr val="accent1"/>
+              </a:solidFill>
+            </a:endParaRPr>
+          </a:p>
+          <a:p>
+            <a:pPr>
+              <a:buFont typeface="Wingdings" panose="05000000000000000000" pitchFamily="2" charset="2"/>
+              <a:buChar char="q"/>
+            </a:pPr>
             <a:r>
               <a:rPr lang="en-US" sz="2000" dirty="0">
                 <a:solidFill>
@@ -13427,7 +14275,7 @@
 </p:sld>
 </file>
 
-<file path=ppt/slides/slide43.xml><?xml version="1.0" encoding="utf-8"?>
+<file path=ppt/slides/slide44.xml><?xml version="1.0" encoding="utf-8"?>
 <p:sld xmlns:a="http://schemas.openxmlformats.org/drawingml/2006/main" xmlns:r="http://schemas.openxmlformats.org/officeDocument/2006/relationships" xmlns:p="http://schemas.openxmlformats.org/presentationml/2006/main">
   <p:cSld>
     <p:spTree>
@@ -13559,7 +14407,1010 @@
 </p:sld>
 </file>
 
-<file path=ppt/slides/slide44.xml><?xml version="1.0" encoding="utf-8"?>
+<file path=ppt/slides/slide45.xml><?xml version="1.0" encoding="utf-8"?>
+<p:sld xmlns:a="http://schemas.openxmlformats.org/drawingml/2006/main" xmlns:r="http://schemas.openxmlformats.org/officeDocument/2006/relationships" xmlns:p="http://schemas.openxmlformats.org/presentationml/2006/main">
+  <p:cSld>
+    <p:spTree>
+      <p:nvGrpSpPr>
+        <p:cNvPr id="1" name=""/>
+        <p:cNvGrpSpPr/>
+        <p:nvPr/>
+      </p:nvGrpSpPr>
+      <p:grpSpPr>
+        <a:xfrm>
+          <a:off x="0" y="0"/>
+          <a:ext cx="0" cy="0"/>
+          <a:chOff x="0" y="0"/>
+          <a:chExt cx="0" cy="0"/>
+        </a:xfrm>
+      </p:grpSpPr>
+      <p:sp>
+        <p:nvSpPr>
+          <p:cNvPr id="2" name="Title 1">
+            <a:extLst>
+              <a:ext uri="{FF2B5EF4-FFF2-40B4-BE49-F238E27FC236}">
+                <a16:creationId xmlns:a16="http://schemas.microsoft.com/office/drawing/2014/main" id="{CB1D9955-AF22-4118-B608-69518E132476}"/>
+              </a:ext>
+            </a:extLst>
+          </p:cNvPr>
+          <p:cNvSpPr>
+            <a:spLocks noGrp="1"/>
+          </p:cNvSpPr>
+          <p:nvPr>
+            <p:ph type="title"/>
+          </p:nvPr>
+        </p:nvSpPr>
+        <p:spPr/>
+        <p:txBody>
+          <a:bodyPr/>
+          <a:lstStyle/>
+          <a:p>
+            <a:r>
+              <a:rPr lang="en-US" dirty="0">
+                <a:solidFill>
+                  <a:schemeClr val="accent1"/>
+                </a:solidFill>
+              </a:rPr>
+              <a:t>OpenMP</a:t>
+            </a:r>
+            <a:endParaRPr lang="en-US" dirty="0"/>
+          </a:p>
+        </p:txBody>
+      </p:sp>
+      <p:sp>
+        <p:nvSpPr>
+          <p:cNvPr id="3" name="Content Placeholder 2">
+            <a:extLst>
+              <a:ext uri="{FF2B5EF4-FFF2-40B4-BE49-F238E27FC236}">
+                <a16:creationId xmlns:a16="http://schemas.microsoft.com/office/drawing/2014/main" id="{0993BA2E-43C1-4CE8-B9F4-66072D30ADBC}"/>
+              </a:ext>
+            </a:extLst>
+          </p:cNvPr>
+          <p:cNvSpPr>
+            <a:spLocks noGrp="1"/>
+          </p:cNvSpPr>
+          <p:nvPr>
+            <p:ph idx="1"/>
+          </p:nvPr>
+        </p:nvSpPr>
+        <p:spPr>
+          <a:xfrm>
+            <a:off x="838200" y="1825625"/>
+            <a:ext cx="10515600" cy="4667250"/>
+          </a:xfrm>
+        </p:spPr>
+        <p:txBody>
+          <a:bodyPr>
+            <a:normAutofit fontScale="92500" lnSpcReduction="10000"/>
+          </a:bodyPr>
+          <a:lstStyle/>
+          <a:p>
+            <a:pPr marL="0" marR="0" lvl="0" indent="0" algn="l" defTabSz="914400" rtl="0" eaLnBrk="0" fontAlgn="base" latinLnBrk="0" hangingPunct="0">
+              <a:lnSpc>
+                <a:spcPct val="100000"/>
+              </a:lnSpc>
+              <a:spcBef>
+                <a:spcPct val="0"/>
+              </a:spcBef>
+              <a:spcAft>
+                <a:spcPct val="0"/>
+              </a:spcAft>
+              <a:buClrTx/>
+              <a:buSzTx/>
+              <a:buFontTx/>
+              <a:buNone/>
+              <a:tabLst/>
+            </a:pPr>
+            <a:r>
+              <a:rPr kumimoji="0" lang="en-US" altLang="en-US" sz="2200" b="0" i="0" u="none" strike="noStrike" cap="none" normalizeH="0" baseline="0" dirty="0">
+                <a:ln>
+                  <a:noFill/>
+                </a:ln>
+                <a:solidFill>
+                  <a:schemeClr val="accent1"/>
+                </a:solidFill>
+                <a:effectLst/>
+                <a:latin typeface="+mn-lt"/>
+                <a:cs typeface="Arial" panose="020B0604020202020204" pitchFamily="34" charset="0"/>
+              </a:rPr>
+              <a:t>The difference between </a:t>
+            </a:r>
+            <a:r>
+              <a:rPr kumimoji="0" lang="en-US" altLang="en-US" sz="2200" b="0" i="1" u="none" strike="noStrike" cap="none" normalizeH="0" baseline="0" dirty="0">
+                <a:ln>
+                  <a:noFill/>
+                </a:ln>
+                <a:effectLst/>
+                <a:latin typeface="+mn-lt"/>
+              </a:rPr>
+              <a:t>parallel</a:t>
+            </a:r>
+            <a:r>
+              <a:rPr kumimoji="0" lang="en-US" altLang="en-US" sz="2200" b="0" i="0" u="none" strike="noStrike" cap="none" normalizeH="0" baseline="0" dirty="0">
+                <a:ln>
+                  <a:noFill/>
+                </a:ln>
+                <a:solidFill>
+                  <a:schemeClr val="accent1"/>
+                </a:solidFill>
+                <a:effectLst/>
+                <a:latin typeface="+mn-lt"/>
+                <a:cs typeface="Arial" panose="020B0604020202020204" pitchFamily="34" charset="0"/>
+              </a:rPr>
+              <a:t>, </a:t>
+            </a:r>
+            <a:r>
+              <a:rPr kumimoji="0" lang="en-US" altLang="en-US" sz="2200" b="0" i="1" u="none" strike="noStrike" cap="none" normalizeH="0" baseline="0" dirty="0">
+                <a:ln>
+                  <a:noFill/>
+                </a:ln>
+                <a:effectLst/>
+                <a:latin typeface="+mn-lt"/>
+              </a:rPr>
+              <a:t>parallel for</a:t>
+            </a:r>
+            <a:r>
+              <a:rPr kumimoji="0" lang="en-US" altLang="en-US" sz="2200" b="0" i="1" u="none" strike="noStrike" cap="none" normalizeH="0" baseline="0" dirty="0">
+                <a:ln>
+                  <a:noFill/>
+                </a:ln>
+                <a:effectLst/>
+                <a:latin typeface="+mn-lt"/>
+                <a:cs typeface="Arial" panose="020B0604020202020204" pitchFamily="34" charset="0"/>
+              </a:rPr>
+              <a:t> </a:t>
+            </a:r>
+            <a:r>
+              <a:rPr kumimoji="0" lang="en-US" altLang="en-US" sz="2200" b="0" i="0" u="none" strike="noStrike" cap="none" normalizeH="0" baseline="0" dirty="0">
+                <a:ln>
+                  <a:noFill/>
+                </a:ln>
+                <a:solidFill>
+                  <a:schemeClr val="accent1"/>
+                </a:solidFill>
+                <a:effectLst/>
+                <a:latin typeface="+mn-lt"/>
+                <a:cs typeface="Arial" panose="020B0604020202020204" pitchFamily="34" charset="0"/>
+              </a:rPr>
+              <a:t>and </a:t>
+            </a:r>
+            <a:r>
+              <a:rPr kumimoji="0" lang="en-US" altLang="en-US" sz="2200" b="0" i="0" u="none" strike="noStrike" cap="none" normalizeH="0" baseline="0" dirty="0">
+                <a:ln>
+                  <a:noFill/>
+                </a:ln>
+                <a:effectLst/>
+                <a:latin typeface="+mn-lt"/>
+              </a:rPr>
+              <a:t>for</a:t>
+            </a:r>
+            <a:r>
+              <a:rPr kumimoji="0" lang="en-US" altLang="en-US" sz="2200" b="0" i="0" u="none" strike="noStrike" cap="none" normalizeH="0" baseline="0" dirty="0">
+                <a:ln>
+                  <a:noFill/>
+                </a:ln>
+                <a:solidFill>
+                  <a:schemeClr val="accent1"/>
+                </a:solidFill>
+                <a:effectLst/>
+                <a:latin typeface="+mn-lt"/>
+                <a:cs typeface="Arial" panose="020B0604020202020204" pitchFamily="34" charset="0"/>
+              </a:rPr>
+              <a:t> is as follows:</a:t>
+            </a:r>
+          </a:p>
+          <a:p>
+            <a:pPr marL="0" marR="0" lvl="0" indent="0" algn="l" defTabSz="914400" rtl="0" eaLnBrk="0" fontAlgn="base" latinLnBrk="0" hangingPunct="0">
+              <a:lnSpc>
+                <a:spcPct val="100000"/>
+              </a:lnSpc>
+              <a:spcBef>
+                <a:spcPct val="0"/>
+              </a:spcBef>
+              <a:spcAft>
+                <a:spcPct val="0"/>
+              </a:spcAft>
+              <a:buClrTx/>
+              <a:buSzTx/>
+              <a:buFontTx/>
+              <a:buNone/>
+              <a:tabLst/>
+            </a:pPr>
+            <a:endParaRPr kumimoji="0" lang="en-US" altLang="en-US" sz="2200" b="0" i="0" u="none" strike="noStrike" cap="none" normalizeH="0" baseline="0" dirty="0">
+              <a:ln>
+                <a:noFill/>
+              </a:ln>
+              <a:solidFill>
+                <a:schemeClr val="accent1"/>
+              </a:solidFill>
+              <a:effectLst/>
+              <a:latin typeface="+mn-lt"/>
+            </a:endParaRPr>
+          </a:p>
+          <a:p>
+            <a:pPr marL="342900" marR="0" lvl="0" indent="-342900" algn="l" defTabSz="914400" rtl="0" eaLnBrk="0" fontAlgn="base" latinLnBrk="0" hangingPunct="0">
+              <a:lnSpc>
+                <a:spcPct val="100000"/>
+              </a:lnSpc>
+              <a:spcBef>
+                <a:spcPct val="0"/>
+              </a:spcBef>
+              <a:spcAft>
+                <a:spcPct val="0"/>
+              </a:spcAft>
+              <a:buClrTx/>
+              <a:buSzTx/>
+              <a:buFont typeface="Wingdings" panose="05000000000000000000" pitchFamily="2" charset="2"/>
+              <a:buChar char="q"/>
+              <a:tabLst/>
+            </a:pPr>
+            <a:r>
+              <a:rPr kumimoji="0" lang="en-US" altLang="en-US" sz="2200" b="0" i="0" u="none" strike="noStrike" cap="none" normalizeH="0" baseline="0" dirty="0">
+                <a:ln>
+                  <a:noFill/>
+                </a:ln>
+                <a:solidFill>
+                  <a:schemeClr val="accent1"/>
+                </a:solidFill>
+                <a:effectLst/>
+                <a:latin typeface="+mn-lt"/>
+                <a:cs typeface="Arial" panose="020B0604020202020204" pitchFamily="34" charset="0"/>
+              </a:rPr>
+              <a:t>At the beginning, The program consists of </a:t>
+            </a:r>
+            <a:r>
+              <a:rPr kumimoji="0" lang="en-US" altLang="en-US" sz="2200" b="0" i="0" u="none" strike="noStrike" cap="none" normalizeH="0" baseline="0" dirty="0">
+                <a:ln>
+                  <a:noFill/>
+                </a:ln>
+                <a:solidFill>
+                  <a:srgbClr val="00B050"/>
+                </a:solidFill>
+                <a:effectLst/>
+                <a:latin typeface="+mn-lt"/>
+                <a:cs typeface="Arial" panose="020B0604020202020204" pitchFamily="34" charset="0"/>
+              </a:rPr>
+              <a:t>a single thread </a:t>
+            </a:r>
+            <a:r>
+              <a:rPr kumimoji="0" lang="en-US" altLang="en-US" sz="2200" b="0" i="0" u="none" strike="noStrike" cap="none" normalizeH="0" baseline="0" dirty="0">
+                <a:ln>
+                  <a:noFill/>
+                </a:ln>
+                <a:solidFill>
+                  <a:schemeClr val="accent1"/>
+                </a:solidFill>
+                <a:effectLst/>
+                <a:latin typeface="+mn-lt"/>
+                <a:cs typeface="Arial" panose="020B0604020202020204" pitchFamily="34" charset="0"/>
+              </a:rPr>
+              <a:t>a.k.a. </a:t>
+            </a:r>
+            <a:r>
+              <a:rPr kumimoji="0" lang="en-US" altLang="en-US" sz="2200" b="0" i="0" u="none" strike="noStrike" cap="none" normalizeH="0" baseline="0" dirty="0">
+                <a:ln>
+                  <a:noFill/>
+                </a:ln>
+                <a:solidFill>
+                  <a:srgbClr val="FF0000"/>
+                </a:solidFill>
+                <a:effectLst/>
+                <a:latin typeface="+mn-lt"/>
+                <a:cs typeface="Arial" panose="020B0604020202020204" pitchFamily="34" charset="0"/>
+              </a:rPr>
+              <a:t>the initial thread</a:t>
+            </a:r>
+            <a:r>
+              <a:rPr lang="en-US" altLang="en-US" sz="2200" dirty="0">
+                <a:solidFill>
+                  <a:schemeClr val="accent1"/>
+                </a:solidFill>
+                <a:cs typeface="Arial" panose="020B0604020202020204" pitchFamily="34" charset="0"/>
+              </a:rPr>
+              <a:t>:</a:t>
+            </a:r>
+            <a:endParaRPr kumimoji="0" lang="en-US" altLang="en-US" sz="2200" b="0" i="0" u="none" strike="noStrike" cap="none" normalizeH="0" baseline="0" dirty="0">
+              <a:ln>
+                <a:noFill/>
+              </a:ln>
+              <a:solidFill>
+                <a:schemeClr val="accent1"/>
+              </a:solidFill>
+              <a:effectLst/>
+              <a:latin typeface="+mn-lt"/>
+              <a:cs typeface="Arial" panose="020B0604020202020204" pitchFamily="34" charset="0"/>
+            </a:endParaRPr>
+          </a:p>
+          <a:p>
+            <a:pPr marR="0" lvl="1" algn="l" defTabSz="914400" rtl="0" eaLnBrk="0" fontAlgn="base" latinLnBrk="0" hangingPunct="0">
+              <a:lnSpc>
+                <a:spcPct val="100000"/>
+              </a:lnSpc>
+              <a:spcBef>
+                <a:spcPct val="0"/>
+              </a:spcBef>
+              <a:spcAft>
+                <a:spcPct val="0"/>
+              </a:spcAft>
+              <a:buClrTx/>
+              <a:buSzTx/>
+              <a:buFont typeface="Wingdings" panose="05000000000000000000" pitchFamily="2" charset="2"/>
+              <a:buChar char="Ø"/>
+              <a:tabLst/>
+            </a:pPr>
+            <a:r>
+              <a:rPr kumimoji="0" lang="en-US" altLang="en-US" sz="2200" b="0" i="0" u="none" strike="noStrike" cap="none" normalizeH="0" baseline="0" dirty="0">
+                <a:ln>
+                  <a:noFill/>
+                </a:ln>
+                <a:solidFill>
+                  <a:schemeClr val="accent1"/>
+                </a:solidFill>
+                <a:effectLst/>
+                <a:latin typeface="+mn-lt"/>
+                <a:cs typeface="Arial" panose="020B0604020202020204" pitchFamily="34" charset="0"/>
+              </a:rPr>
+              <a:t>The </a:t>
+            </a:r>
+            <a:r>
+              <a:rPr kumimoji="0" lang="en-US" altLang="en-US" sz="2200" b="0" i="1" u="none" strike="noStrike" cap="none" normalizeH="0" baseline="0" dirty="0">
+                <a:ln>
+                  <a:noFill/>
+                </a:ln>
+                <a:effectLst/>
+                <a:latin typeface="+mn-lt"/>
+                <a:cs typeface="Arial" panose="020B0604020202020204" pitchFamily="34" charset="0"/>
+              </a:rPr>
+              <a:t>parallel</a:t>
+            </a:r>
+            <a:r>
+              <a:rPr kumimoji="0" lang="en-US" altLang="en-US" sz="2200" b="0" i="0" u="none" strike="noStrike" cap="none" normalizeH="0" baseline="0" dirty="0">
+                <a:ln>
+                  <a:noFill/>
+                </a:ln>
+                <a:solidFill>
+                  <a:schemeClr val="accent1"/>
+                </a:solidFill>
+                <a:effectLst/>
+                <a:latin typeface="+mn-lt"/>
+                <a:cs typeface="Arial" panose="020B0604020202020204" pitchFamily="34" charset="0"/>
+              </a:rPr>
+              <a:t> pragma tells the initial thread to </a:t>
+            </a:r>
+            <a:r>
+              <a:rPr kumimoji="0" lang="en-US" altLang="en-US" sz="2200" b="0" i="0" u="none" strike="noStrike" cap="none" normalizeH="0" baseline="0" dirty="0">
+                <a:ln>
+                  <a:noFill/>
+                </a:ln>
+                <a:solidFill>
+                  <a:srgbClr val="00B050"/>
+                </a:solidFill>
+                <a:effectLst/>
+                <a:latin typeface="+mn-lt"/>
+                <a:cs typeface="Arial" panose="020B0604020202020204" pitchFamily="34" charset="0"/>
+              </a:rPr>
+              <a:t>fork</a:t>
+            </a:r>
+            <a:r>
+              <a:rPr kumimoji="0" lang="en-US" altLang="en-US" sz="2200" b="0" i="0" u="none" strike="noStrike" cap="none" normalizeH="0" baseline="0" dirty="0">
+                <a:ln>
+                  <a:noFill/>
+                </a:ln>
+                <a:solidFill>
+                  <a:schemeClr val="accent1"/>
+                </a:solidFill>
+                <a:effectLst/>
+                <a:latin typeface="+mn-lt"/>
+                <a:cs typeface="Arial" panose="020B0604020202020204" pitchFamily="34" charset="0"/>
+              </a:rPr>
+              <a:t> </a:t>
+            </a:r>
+            <a:r>
+              <a:rPr kumimoji="0" lang="en-US" altLang="en-US" sz="2200" b="0" u="none" strike="noStrike" cap="none" normalizeH="0" baseline="0" dirty="0">
+                <a:ln>
+                  <a:noFill/>
+                </a:ln>
+                <a:solidFill>
+                  <a:srgbClr val="FF0000"/>
+                </a:solidFill>
+                <a:effectLst/>
+                <a:latin typeface="+mn-lt"/>
+                <a:cs typeface="Arial" panose="020B0604020202020204" pitchFamily="34" charset="0"/>
+              </a:rPr>
+              <a:t>a new team </a:t>
+            </a:r>
+            <a:r>
+              <a:rPr kumimoji="0" lang="en-US" altLang="en-US" sz="2200" b="0" i="0" u="none" strike="noStrike" cap="none" normalizeH="0" baseline="0" dirty="0">
+                <a:ln>
+                  <a:noFill/>
+                </a:ln>
+                <a:solidFill>
+                  <a:schemeClr val="accent1"/>
+                </a:solidFill>
+                <a:effectLst/>
+                <a:latin typeface="+mn-lt"/>
+                <a:cs typeface="Arial" panose="020B0604020202020204" pitchFamily="34" charset="0"/>
+              </a:rPr>
+              <a:t>of threads for the associated parallel region, after which the current team </a:t>
+            </a:r>
+            <a:r>
+              <a:rPr kumimoji="0" lang="en-US" altLang="en-US" sz="2200" b="0" i="0" u="none" strike="noStrike" cap="none" normalizeH="0" baseline="0" dirty="0">
+                <a:ln>
+                  <a:noFill/>
+                </a:ln>
+                <a:solidFill>
+                  <a:srgbClr val="00B050"/>
+                </a:solidFill>
+                <a:effectLst/>
+                <a:latin typeface="+mn-lt"/>
+                <a:cs typeface="Arial" panose="020B0604020202020204" pitchFamily="34" charset="0"/>
+              </a:rPr>
+              <a:t>joins</a:t>
+            </a:r>
+            <a:r>
+              <a:rPr kumimoji="0" lang="en-US" altLang="en-US" sz="2200" b="0" i="0" u="none" strike="noStrike" cap="none" normalizeH="0" baseline="0" dirty="0">
+                <a:ln>
+                  <a:noFill/>
+                </a:ln>
+                <a:solidFill>
+                  <a:schemeClr val="accent1"/>
+                </a:solidFill>
+                <a:effectLst/>
+                <a:latin typeface="+mn-lt"/>
+                <a:cs typeface="Arial" panose="020B0604020202020204" pitchFamily="34" charset="0"/>
+              </a:rPr>
+              <a:t> back into one.</a:t>
+            </a:r>
+          </a:p>
+          <a:p>
+            <a:pPr marL="457200" marR="0" lvl="1" indent="0" algn="l" defTabSz="914400" rtl="0" eaLnBrk="0" fontAlgn="base" latinLnBrk="0" hangingPunct="0">
+              <a:lnSpc>
+                <a:spcPct val="100000"/>
+              </a:lnSpc>
+              <a:spcBef>
+                <a:spcPct val="0"/>
+              </a:spcBef>
+              <a:spcAft>
+                <a:spcPct val="0"/>
+              </a:spcAft>
+              <a:buClrTx/>
+              <a:buSzTx/>
+              <a:buNone/>
+              <a:tabLst/>
+            </a:pPr>
+            <a:endParaRPr kumimoji="0" lang="en-US" altLang="en-US" sz="2200" b="0" i="0" u="none" strike="noStrike" cap="none" normalizeH="0" baseline="0" dirty="0">
+              <a:ln>
+                <a:noFill/>
+              </a:ln>
+              <a:solidFill>
+                <a:schemeClr val="accent1"/>
+              </a:solidFill>
+              <a:effectLst/>
+              <a:latin typeface="+mn-lt"/>
+              <a:cs typeface="Arial" panose="020B0604020202020204" pitchFamily="34" charset="0"/>
+            </a:endParaRPr>
+          </a:p>
+          <a:p>
+            <a:pPr marL="342900" marR="0" lvl="0" indent="-342900" algn="l" defTabSz="914400" rtl="0" eaLnBrk="0" fontAlgn="base" latinLnBrk="0" hangingPunct="0">
+              <a:lnSpc>
+                <a:spcPct val="100000"/>
+              </a:lnSpc>
+              <a:spcBef>
+                <a:spcPct val="0"/>
+              </a:spcBef>
+              <a:spcAft>
+                <a:spcPct val="0"/>
+              </a:spcAft>
+              <a:buClrTx/>
+              <a:buSzTx/>
+              <a:buFont typeface="Wingdings" panose="05000000000000000000" pitchFamily="2" charset="2"/>
+              <a:buChar char="q"/>
+              <a:tabLst/>
+            </a:pPr>
+            <a:r>
+              <a:rPr kumimoji="0" lang="en-US" altLang="en-US" sz="2200" b="0" i="0" u="none" strike="noStrike" cap="none" normalizeH="0" baseline="0" dirty="0">
+                <a:ln>
+                  <a:noFill/>
+                </a:ln>
+                <a:solidFill>
+                  <a:schemeClr val="accent1"/>
+                </a:solidFill>
+                <a:effectLst/>
+                <a:latin typeface="+mn-lt"/>
+                <a:cs typeface="Arial" panose="020B0604020202020204" pitchFamily="34" charset="0"/>
+              </a:rPr>
+              <a:t>The </a:t>
+            </a:r>
+            <a:r>
+              <a:rPr kumimoji="0" lang="en-US" altLang="en-US" sz="2200" b="0" i="1" u="none" strike="noStrike" cap="none" normalizeH="0" baseline="0" dirty="0">
+                <a:ln>
+                  <a:noFill/>
+                </a:ln>
+                <a:effectLst/>
+                <a:latin typeface="+mn-lt"/>
+                <a:cs typeface="Arial" panose="020B0604020202020204" pitchFamily="34" charset="0"/>
+              </a:rPr>
+              <a:t>for</a:t>
+            </a:r>
+            <a:r>
+              <a:rPr kumimoji="0" lang="en-US" altLang="en-US" sz="2200" b="0" i="0" u="none" strike="noStrike" cap="none" normalizeH="0" baseline="0" dirty="0">
+                <a:ln>
+                  <a:noFill/>
+                </a:ln>
+                <a:solidFill>
+                  <a:schemeClr val="accent1"/>
+                </a:solidFill>
+                <a:effectLst/>
+                <a:latin typeface="+mn-lt"/>
+                <a:cs typeface="Arial" panose="020B0604020202020204" pitchFamily="34" charset="0"/>
+              </a:rPr>
+              <a:t> pragma divides the work of the for-loop among the threads of the </a:t>
+            </a:r>
+            <a:r>
+              <a:rPr kumimoji="0" lang="en-US" altLang="en-US" sz="2200" b="0" u="none" strike="noStrike" cap="none" normalizeH="0" baseline="0" dirty="0">
+                <a:ln>
+                  <a:noFill/>
+                </a:ln>
+                <a:solidFill>
+                  <a:schemeClr val="accent1"/>
+                </a:solidFill>
+                <a:effectLst/>
+                <a:latin typeface="+mn-lt"/>
+                <a:cs typeface="Arial" panose="020B0604020202020204" pitchFamily="34" charset="0"/>
+              </a:rPr>
+              <a:t>currently executing team</a:t>
+            </a:r>
+            <a:r>
+              <a:rPr lang="en-US" altLang="en-US" sz="2200" dirty="0">
+                <a:solidFill>
+                  <a:schemeClr val="accent1"/>
+                </a:solidFill>
+                <a:cs typeface="Arial" panose="020B0604020202020204" pitchFamily="34" charset="0"/>
+              </a:rPr>
+              <a:t>:</a:t>
+            </a:r>
+            <a:endParaRPr kumimoji="0" lang="en-US" altLang="en-US" sz="2200" b="0" i="0" u="none" strike="noStrike" cap="none" normalizeH="0" baseline="0" dirty="0">
+              <a:ln>
+                <a:noFill/>
+              </a:ln>
+              <a:solidFill>
+                <a:schemeClr val="accent1"/>
+              </a:solidFill>
+              <a:effectLst/>
+              <a:latin typeface="+mn-lt"/>
+              <a:cs typeface="Arial" panose="020B0604020202020204" pitchFamily="34" charset="0"/>
+            </a:endParaRPr>
+          </a:p>
+          <a:p>
+            <a:pPr lvl="1" eaLnBrk="0" fontAlgn="base" hangingPunct="0">
+              <a:lnSpc>
+                <a:spcPct val="100000"/>
+              </a:lnSpc>
+              <a:spcBef>
+                <a:spcPct val="0"/>
+              </a:spcBef>
+              <a:spcAft>
+                <a:spcPct val="0"/>
+              </a:spcAft>
+              <a:buFont typeface="Wingdings" panose="05000000000000000000" pitchFamily="2" charset="2"/>
+              <a:buChar char="Ø"/>
+            </a:pPr>
+            <a:r>
+              <a:rPr kumimoji="0" lang="en-US" altLang="en-US" sz="2200" b="0" i="0" u="none" strike="noStrike" cap="none" normalizeH="0" baseline="0" dirty="0">
+                <a:ln>
+                  <a:noFill/>
+                </a:ln>
+                <a:solidFill>
+                  <a:schemeClr val="accent1"/>
+                </a:solidFill>
+                <a:effectLst/>
+                <a:latin typeface="+mn-lt"/>
+                <a:cs typeface="Arial" panose="020B0604020202020204" pitchFamily="34" charset="0"/>
+              </a:rPr>
+              <a:t> It does not create threads.</a:t>
+            </a:r>
+          </a:p>
+          <a:p>
+            <a:pPr lvl="1" eaLnBrk="0" fontAlgn="base" hangingPunct="0">
+              <a:lnSpc>
+                <a:spcPct val="100000"/>
+              </a:lnSpc>
+              <a:spcBef>
+                <a:spcPct val="0"/>
+              </a:spcBef>
+              <a:spcAft>
+                <a:spcPct val="0"/>
+              </a:spcAft>
+              <a:buFont typeface="Wingdings" panose="05000000000000000000" pitchFamily="2" charset="2"/>
+              <a:buChar char="Ø"/>
+            </a:pPr>
+            <a:r>
+              <a:rPr kumimoji="0" lang="en-US" altLang="en-US" sz="2200" b="0" i="0" u="none" strike="noStrike" cap="none" normalizeH="0" baseline="0" dirty="0">
+                <a:ln>
+                  <a:noFill/>
+                </a:ln>
+                <a:solidFill>
+                  <a:schemeClr val="accent1"/>
+                </a:solidFill>
+                <a:effectLst/>
+                <a:latin typeface="+mn-lt"/>
+                <a:cs typeface="Arial" panose="020B0604020202020204" pitchFamily="34" charset="0"/>
+              </a:rPr>
+              <a:t> it only divides the work amongst the threads of the currently executing team</a:t>
+            </a:r>
+          </a:p>
+          <a:p>
+            <a:pPr marL="457200" lvl="1" indent="0" eaLnBrk="0" fontAlgn="base" hangingPunct="0">
+              <a:lnSpc>
+                <a:spcPct val="100000"/>
+              </a:lnSpc>
+              <a:spcBef>
+                <a:spcPct val="0"/>
+              </a:spcBef>
+              <a:spcAft>
+                <a:spcPct val="0"/>
+              </a:spcAft>
+              <a:buNone/>
+            </a:pPr>
+            <a:endParaRPr kumimoji="0" lang="en-US" altLang="en-US" sz="2200" b="0" i="0" u="none" strike="noStrike" cap="none" normalizeH="0" baseline="0" dirty="0">
+              <a:ln>
+                <a:noFill/>
+              </a:ln>
+              <a:solidFill>
+                <a:schemeClr val="accent1"/>
+              </a:solidFill>
+              <a:effectLst/>
+              <a:latin typeface="+mn-lt"/>
+              <a:cs typeface="Arial" panose="020B0604020202020204" pitchFamily="34" charset="0"/>
+            </a:endParaRPr>
+          </a:p>
+          <a:p>
+            <a:pPr marL="342900" marR="0" lvl="0" indent="-342900" algn="l" defTabSz="914400" rtl="0" eaLnBrk="0" fontAlgn="base" latinLnBrk="0" hangingPunct="0">
+              <a:lnSpc>
+                <a:spcPct val="100000"/>
+              </a:lnSpc>
+              <a:spcBef>
+                <a:spcPct val="0"/>
+              </a:spcBef>
+              <a:spcAft>
+                <a:spcPct val="0"/>
+              </a:spcAft>
+              <a:buClrTx/>
+              <a:buSzTx/>
+              <a:buFont typeface="Wingdings" panose="05000000000000000000" pitchFamily="2" charset="2"/>
+              <a:buChar char="q"/>
+              <a:tabLst/>
+            </a:pPr>
+            <a:r>
+              <a:rPr kumimoji="0" lang="en-US" altLang="en-US" sz="2200" b="0" i="0" u="none" strike="noStrike" cap="none" normalizeH="0" baseline="0" dirty="0">
+                <a:ln>
+                  <a:noFill/>
+                </a:ln>
+                <a:solidFill>
+                  <a:schemeClr val="accent1"/>
+                </a:solidFill>
+                <a:effectLst/>
+                <a:latin typeface="+mn-lt"/>
+                <a:cs typeface="Arial" panose="020B0604020202020204" pitchFamily="34" charset="0"/>
+              </a:rPr>
+              <a:t>The </a:t>
+            </a:r>
+            <a:r>
+              <a:rPr kumimoji="0" lang="en-US" altLang="en-US" sz="2200" b="0" i="1" u="none" strike="noStrike" cap="none" normalizeH="0" baseline="0" dirty="0">
+                <a:ln>
+                  <a:noFill/>
+                </a:ln>
+                <a:effectLst/>
+                <a:latin typeface="+mn-lt"/>
+                <a:cs typeface="Arial" panose="020B0604020202020204" pitchFamily="34" charset="0"/>
+              </a:rPr>
+              <a:t>parallel for </a:t>
+            </a:r>
+            <a:r>
+              <a:rPr kumimoji="0" lang="en-US" altLang="en-US" sz="2200" b="0" i="0" u="none" strike="noStrike" cap="none" normalizeH="0" baseline="0" dirty="0">
+                <a:ln>
+                  <a:noFill/>
+                </a:ln>
+                <a:solidFill>
+                  <a:schemeClr val="accent1"/>
+                </a:solidFill>
+                <a:effectLst/>
+                <a:latin typeface="+mn-lt"/>
+                <a:cs typeface="Arial" panose="020B0604020202020204" pitchFamily="34" charset="0"/>
+              </a:rPr>
+              <a:t>pragma is a shorthand for </a:t>
+            </a:r>
+            <a:r>
+              <a:rPr kumimoji="0" lang="en-US" altLang="en-US" sz="2200" b="0" i="0" u="none" strike="noStrike" cap="none" normalizeH="0" baseline="0" dirty="0">
+                <a:ln>
+                  <a:noFill/>
+                </a:ln>
+                <a:solidFill>
+                  <a:srgbClr val="00B050"/>
+                </a:solidFill>
+                <a:effectLst/>
+                <a:latin typeface="+mn-lt"/>
+                <a:cs typeface="Arial" panose="020B0604020202020204" pitchFamily="34" charset="0"/>
+              </a:rPr>
+              <a:t>two directives at once</a:t>
+            </a:r>
+            <a:r>
+              <a:rPr kumimoji="0" lang="en-US" altLang="en-US" sz="2200" b="0" i="0" u="none" strike="noStrike" cap="none" normalizeH="0" baseline="0" dirty="0">
+                <a:ln>
+                  <a:noFill/>
+                </a:ln>
+                <a:solidFill>
+                  <a:schemeClr val="accent1"/>
+                </a:solidFill>
+                <a:effectLst/>
+                <a:latin typeface="+mn-lt"/>
+                <a:cs typeface="Arial" panose="020B0604020202020204" pitchFamily="34" charset="0"/>
+              </a:rPr>
+              <a:t>: </a:t>
+            </a:r>
+            <a:r>
+              <a:rPr kumimoji="0" lang="en-US" altLang="en-US" sz="2200" b="0" i="1" u="none" strike="noStrike" cap="none" normalizeH="0" baseline="0" dirty="0">
+                <a:ln>
+                  <a:noFill/>
+                </a:ln>
+                <a:effectLst/>
+                <a:latin typeface="+mn-lt"/>
+                <a:cs typeface="Arial" panose="020B0604020202020204" pitchFamily="34" charset="0"/>
+              </a:rPr>
+              <a:t>parallel</a:t>
+            </a:r>
+            <a:r>
+              <a:rPr kumimoji="0" lang="en-US" altLang="en-US" sz="2200" b="0" i="0" u="none" strike="noStrike" cap="none" normalizeH="0" baseline="0" dirty="0">
+                <a:ln>
+                  <a:noFill/>
+                </a:ln>
+                <a:solidFill>
+                  <a:schemeClr val="accent1"/>
+                </a:solidFill>
+                <a:effectLst/>
+                <a:latin typeface="+mn-lt"/>
+                <a:cs typeface="Arial" panose="020B0604020202020204" pitchFamily="34" charset="0"/>
+              </a:rPr>
+              <a:t> and </a:t>
+            </a:r>
+            <a:r>
+              <a:rPr kumimoji="0" lang="en-US" altLang="en-US" sz="2200" b="0" i="1" u="none" strike="noStrike" cap="none" normalizeH="0" baseline="0" dirty="0">
+                <a:ln>
+                  <a:noFill/>
+                </a:ln>
+                <a:effectLst/>
+                <a:latin typeface="+mn-lt"/>
+                <a:cs typeface="Arial" panose="020B0604020202020204" pitchFamily="34" charset="0"/>
+              </a:rPr>
+              <a:t>for</a:t>
+            </a:r>
+            <a:r>
+              <a:rPr lang="en-US" altLang="en-US" sz="2200" dirty="0">
+                <a:solidFill>
+                  <a:schemeClr val="accent1"/>
+                </a:solidFill>
+                <a:cs typeface="Arial" panose="020B0604020202020204" pitchFamily="34" charset="0"/>
+              </a:rPr>
+              <a:t>:</a:t>
+            </a:r>
+            <a:r>
+              <a:rPr kumimoji="0" lang="en-US" altLang="en-US" sz="2200" b="0" i="0" u="none" strike="noStrike" cap="none" normalizeH="0" baseline="0" dirty="0">
+                <a:ln>
+                  <a:noFill/>
+                </a:ln>
+                <a:solidFill>
+                  <a:schemeClr val="accent1"/>
+                </a:solidFill>
+                <a:effectLst/>
+                <a:latin typeface="+mn-lt"/>
+                <a:cs typeface="Arial" panose="020B0604020202020204" pitchFamily="34" charset="0"/>
+              </a:rPr>
+              <a:t> </a:t>
+            </a:r>
+          </a:p>
+          <a:p>
+            <a:pPr lvl="1" eaLnBrk="0" fontAlgn="base" hangingPunct="0">
+              <a:lnSpc>
+                <a:spcPct val="100000"/>
+              </a:lnSpc>
+              <a:spcBef>
+                <a:spcPct val="0"/>
+              </a:spcBef>
+              <a:spcAft>
+                <a:spcPct val="0"/>
+              </a:spcAft>
+              <a:buFont typeface="Wingdings" panose="05000000000000000000" pitchFamily="2" charset="2"/>
+              <a:buChar char="Ø"/>
+            </a:pPr>
+            <a:r>
+              <a:rPr lang="en-US" altLang="en-US" sz="2200" i="1" dirty="0">
+                <a:solidFill>
+                  <a:schemeClr val="accent1"/>
+                </a:solidFill>
+                <a:cs typeface="Arial" panose="020B0604020202020204" pitchFamily="34" charset="0"/>
+              </a:rPr>
+              <a:t> The </a:t>
+            </a:r>
+            <a:r>
+              <a:rPr lang="en-US" altLang="en-US" sz="2200" i="1" dirty="0">
+                <a:cs typeface="Arial" panose="020B0604020202020204" pitchFamily="34" charset="0"/>
+              </a:rPr>
+              <a:t>p</a:t>
+            </a:r>
+            <a:r>
+              <a:rPr kumimoji="0" lang="en-US" altLang="en-US" sz="2200" b="0" i="1" u="none" strike="noStrike" cap="none" normalizeH="0" baseline="0" dirty="0">
+                <a:ln>
+                  <a:noFill/>
+                </a:ln>
+                <a:effectLst/>
+                <a:latin typeface="+mn-lt"/>
+                <a:cs typeface="Arial" panose="020B0604020202020204" pitchFamily="34" charset="0"/>
+              </a:rPr>
+              <a:t>arallel </a:t>
+            </a:r>
+            <a:r>
+              <a:rPr kumimoji="0" lang="en-US" altLang="en-US" sz="2200" b="0" u="none" strike="noStrike" cap="none" normalizeH="0" baseline="0" dirty="0">
+                <a:ln>
+                  <a:noFill/>
+                </a:ln>
+                <a:solidFill>
+                  <a:schemeClr val="accent1"/>
+                </a:solidFill>
+                <a:effectLst/>
+                <a:latin typeface="+mn-lt"/>
+                <a:cs typeface="Arial" panose="020B0604020202020204" pitchFamily="34" charset="0"/>
+              </a:rPr>
+              <a:t>pragma</a:t>
+            </a:r>
+            <a:r>
+              <a:rPr kumimoji="0" lang="en-US" altLang="en-US" sz="2200" b="0" i="0" u="none" strike="noStrike" cap="none" normalizeH="0" baseline="0" dirty="0">
+                <a:ln>
+                  <a:noFill/>
+                </a:ln>
+                <a:solidFill>
+                  <a:schemeClr val="accent1"/>
+                </a:solidFill>
+                <a:effectLst/>
+                <a:latin typeface="+mn-lt"/>
+                <a:cs typeface="Arial" panose="020B0604020202020204" pitchFamily="34" charset="0"/>
+              </a:rPr>
+              <a:t> creates a new team.</a:t>
+            </a:r>
+          </a:p>
+          <a:p>
+            <a:pPr lvl="1" eaLnBrk="0" fontAlgn="base" hangingPunct="0">
+              <a:lnSpc>
+                <a:spcPct val="100000"/>
+              </a:lnSpc>
+              <a:spcBef>
+                <a:spcPct val="0"/>
+              </a:spcBef>
+              <a:spcAft>
+                <a:spcPct val="0"/>
+              </a:spcAft>
+              <a:buFont typeface="Wingdings" panose="05000000000000000000" pitchFamily="2" charset="2"/>
+              <a:buChar char="Ø"/>
+            </a:pPr>
+            <a:r>
+              <a:rPr kumimoji="0" lang="en-US" altLang="en-US" sz="2200" b="0" i="0" u="none" strike="noStrike" cap="none" normalizeH="0" baseline="0" dirty="0">
+                <a:ln>
+                  <a:noFill/>
+                </a:ln>
+                <a:solidFill>
+                  <a:schemeClr val="accent1"/>
+                </a:solidFill>
+                <a:effectLst/>
+                <a:latin typeface="+mn-lt"/>
+                <a:cs typeface="Arial" panose="020B0604020202020204" pitchFamily="34" charset="0"/>
+              </a:rPr>
+              <a:t> The </a:t>
+            </a:r>
+            <a:r>
+              <a:rPr kumimoji="0" lang="en-US" altLang="en-US" sz="2200" b="0" i="1" u="none" strike="noStrike" cap="none" normalizeH="0" baseline="0" dirty="0">
+                <a:ln>
+                  <a:noFill/>
+                </a:ln>
+                <a:effectLst/>
+                <a:latin typeface="+mn-lt"/>
+                <a:cs typeface="Arial" panose="020B0604020202020204" pitchFamily="34" charset="0"/>
+              </a:rPr>
+              <a:t>for</a:t>
+            </a:r>
+            <a:r>
+              <a:rPr kumimoji="0" lang="en-US" altLang="en-US" sz="2200" b="0" i="0" u="none" strike="noStrike" cap="none" normalizeH="0" baseline="0" dirty="0">
+                <a:ln>
+                  <a:noFill/>
+                </a:ln>
+                <a:solidFill>
+                  <a:schemeClr val="accent1"/>
+                </a:solidFill>
+                <a:effectLst/>
+                <a:latin typeface="+mn-lt"/>
+                <a:cs typeface="Arial" panose="020B0604020202020204" pitchFamily="34" charset="0"/>
+              </a:rPr>
+              <a:t> pragma distributes different portions of the loop to the threads in the team.</a:t>
+            </a:r>
+          </a:p>
+          <a:p>
+            <a:pPr lvl="1" eaLnBrk="0" fontAlgn="base" hangingPunct="0">
+              <a:lnSpc>
+                <a:spcPct val="100000"/>
+              </a:lnSpc>
+              <a:spcBef>
+                <a:spcPct val="0"/>
+              </a:spcBef>
+              <a:spcAft>
+                <a:spcPct val="0"/>
+              </a:spcAft>
+              <a:buFont typeface="Wingdings" panose="05000000000000000000" pitchFamily="2" charset="2"/>
+              <a:buChar char="Ø"/>
+            </a:pPr>
+            <a:endParaRPr kumimoji="0" lang="en-US" altLang="en-US" sz="2200" b="0" i="0" u="none" strike="noStrike" cap="none" normalizeH="0" baseline="0" dirty="0">
+              <a:ln>
+                <a:noFill/>
+              </a:ln>
+              <a:solidFill>
+                <a:schemeClr val="accent1"/>
+              </a:solidFill>
+              <a:effectLst/>
+              <a:latin typeface="+mn-lt"/>
+              <a:cs typeface="Arial" panose="020B0604020202020204" pitchFamily="34" charset="0"/>
+            </a:endParaRPr>
+          </a:p>
+          <a:p>
+            <a:pPr marL="342900" marR="0" lvl="0" indent="-342900" algn="l" defTabSz="914400" rtl="0" eaLnBrk="0" fontAlgn="base" latinLnBrk="0" hangingPunct="0">
+              <a:lnSpc>
+                <a:spcPct val="100000"/>
+              </a:lnSpc>
+              <a:spcBef>
+                <a:spcPct val="0"/>
+              </a:spcBef>
+              <a:spcAft>
+                <a:spcPct val="0"/>
+              </a:spcAft>
+              <a:buClrTx/>
+              <a:buSzTx/>
+              <a:buFont typeface="Wingdings" panose="05000000000000000000" pitchFamily="2" charset="2"/>
+              <a:buChar char="q"/>
+              <a:tabLst/>
+            </a:pPr>
+            <a:r>
+              <a:rPr kumimoji="0" lang="en-US" altLang="en-US" sz="2200" b="0" i="0" u="none" strike="noStrike" cap="none" normalizeH="0" baseline="0" dirty="0">
+                <a:ln>
+                  <a:noFill/>
+                </a:ln>
+                <a:solidFill>
+                  <a:schemeClr val="accent1"/>
+                </a:solidFill>
+                <a:effectLst/>
+                <a:latin typeface="+mn-lt"/>
+                <a:cs typeface="Arial" panose="020B0604020202020204" pitchFamily="34" charset="0"/>
+              </a:rPr>
+              <a:t>If your program does not contain a parallel construct, there is no more than one thread.</a:t>
+            </a:r>
+          </a:p>
+          <a:p>
+            <a:pPr marL="0" indent="0">
+              <a:buNone/>
+            </a:pPr>
+            <a:endParaRPr lang="en-US" dirty="0"/>
+          </a:p>
+        </p:txBody>
+      </p:sp>
+    </p:spTree>
+    <p:extLst>
+      <p:ext uri="{BB962C8B-B14F-4D97-AF65-F5344CB8AC3E}">
+        <p14:creationId xmlns:p14="http://schemas.microsoft.com/office/powerpoint/2010/main" val="1143301466"/>
+      </p:ext>
+    </p:extLst>
+  </p:cSld>
+  <p:clrMapOvr>
+    <a:masterClrMapping/>
+  </p:clrMapOvr>
+</p:sld>
+</file>
+
+<file path=ppt/slides/slide46.xml><?xml version="1.0" encoding="utf-8"?>
 <p:sld xmlns:a="http://schemas.openxmlformats.org/drawingml/2006/main" xmlns:r="http://schemas.openxmlformats.org/officeDocument/2006/relationships" xmlns:p="http://schemas.openxmlformats.org/presentationml/2006/main">
   <p:cSld>
     <p:spTree>
@@ -13717,6 +15568,10 @@
             </a:endParaRPr>
           </a:p>
           <a:p>
+            <a:pPr>
+              <a:buFont typeface="Wingdings" panose="05000000000000000000" pitchFamily="2" charset="2"/>
+              <a:buChar char="q"/>
+            </a:pPr>
             <a:r>
               <a:rPr lang="en-US" sz="2000" dirty="0">
                 <a:solidFill>
@@ -13799,6 +15654,20 @@
             </a:r>
           </a:p>
           <a:p>
+            <a:pPr marL="0" indent="0">
+              <a:buNone/>
+            </a:pPr>
+            <a:endParaRPr lang="en-US" sz="2000" dirty="0">
+              <a:solidFill>
+                <a:schemeClr val="accent1"/>
+              </a:solidFill>
+            </a:endParaRPr>
+          </a:p>
+          <a:p>
+            <a:pPr>
+              <a:buFont typeface="Wingdings" panose="05000000000000000000" pitchFamily="2" charset="2"/>
+              <a:buChar char="q"/>
+            </a:pPr>
             <a:r>
               <a:rPr lang="en-US" sz="2000" dirty="0">
                 <a:solidFill>
@@ -13868,7 +15737,7 @@
         </p:blipFill>
         <p:spPr>
           <a:xfrm>
-            <a:off x="4410075" y="2671762"/>
+            <a:off x="4238625" y="2833687"/>
             <a:ext cx="4095750" cy="904875"/>
           </a:xfrm>
           <a:prstGeom prst="rect">
@@ -13889,7 +15758,7 @@
 </p:sld>
 </file>
 
-<file path=ppt/slides/slide45.xml><?xml version="1.0" encoding="utf-8"?>
+<file path=ppt/slides/slide47.xml><?xml version="1.0" encoding="utf-8"?>
 <p:sld xmlns:a="http://schemas.openxmlformats.org/drawingml/2006/main" xmlns:r="http://schemas.openxmlformats.org/officeDocument/2006/relationships" xmlns:p="http://schemas.openxmlformats.org/presentationml/2006/main">
   <p:cSld>
     <p:spTree>
@@ -13969,8 +15838,8 @@
           </a:prstGeom>
         </p:spPr>
       </p:pic>
-      <mc:AlternateContent xmlns:mc="http://schemas.openxmlformats.org/markup-compatibility/2006">
-        <mc:Choice xmlns:a14="http://schemas.microsoft.com/office/drawing/2010/main" Requires="a14">
+      <mc:AlternateContent xmlns:mc="http://schemas.openxmlformats.org/markup-compatibility/2006" xmlns:a14="http://schemas.microsoft.com/office/drawing/2010/main">
+        <mc:Choice Requires="a14">
           <p:sp>
             <p:nvSpPr>
               <p:cNvPr id="9" name="TextBox 8">
@@ -14014,6 +15883,7 @@
                         <a:solidFill>
                           <a:schemeClr val="tx1"/>
                         </a:solidFill>
+                        <a:latin typeface="Cambria Math" panose="02040503050406030204" pitchFamily="18" charset="0"/>
                         <a:ea typeface="Cambria Math" panose="02040503050406030204" pitchFamily="18" charset="0"/>
                       </a:rPr>
                       <m:t>𝜋</m:t>
@@ -14046,9 +15916,9 @@
                 </a:r>
               </a:p>
               <a:p>
-                <a:pPr marL="342900" indent="-342900">
-                  <a:buFont typeface="Arial" panose="020B0604020202020204" pitchFamily="34" charset="0"/>
-                  <a:buChar char="•"/>
+                <a:pPr marL="800100" lvl="1" indent="-342900">
+                  <a:buFont typeface="Wingdings" panose="05000000000000000000" pitchFamily="2" charset="2"/>
+                  <a:buChar char="Ø"/>
                 </a:pPr>
                 <a:r>
                   <a:rPr lang="en-US" sz="2000" dirty="0">
@@ -14088,9 +15958,9 @@
                 </a:r>
               </a:p>
               <a:p>
-                <a:pPr marL="342900" indent="-342900">
-                  <a:buFont typeface="Arial" panose="020B0604020202020204" pitchFamily="34" charset="0"/>
-                  <a:buChar char="•"/>
+                <a:pPr marL="800100" lvl="1" indent="-342900">
+                  <a:buFont typeface="Wingdings" panose="05000000000000000000" pitchFamily="2" charset="2"/>
+                  <a:buChar char="Ø"/>
                 </a:pPr>
                 <a:r>
                   <a:rPr lang="en-US" sz="2000" dirty="0">
@@ -14102,9 +15972,9 @@
                 </a:r>
               </a:p>
               <a:p>
-                <a:pPr marL="342900" indent="-342900">
-                  <a:buFont typeface="Arial" panose="020B0604020202020204" pitchFamily="34" charset="0"/>
-                  <a:buChar char="•"/>
+                <a:pPr marL="800100" lvl="1" indent="-342900">
+                  <a:buFont typeface="Wingdings" panose="05000000000000000000" pitchFamily="2" charset="2"/>
+                  <a:buChar char="Ø"/>
                 </a:pPr>
                 <a:r>
                   <a:rPr lang="en-US" sz="2000" dirty="0">
@@ -14118,7 +15988,7 @@
             </p:txBody>
           </p:sp>
         </mc:Choice>
-        <mc:Fallback>
+        <mc:Fallback xmlns="">
           <p:sp>
             <p:nvSpPr>
               <p:cNvPr id="9" name="TextBox 8">
@@ -14176,7 +16046,7 @@
 </p:sld>
 </file>
 
-<file path=ppt/slides/slide46.xml><?xml version="1.0" encoding="utf-8"?>
+<file path=ppt/slides/slide48.xml><?xml version="1.0" encoding="utf-8"?>
 <p:sld xmlns:a="http://schemas.openxmlformats.org/drawingml/2006/main" xmlns:r="http://schemas.openxmlformats.org/officeDocument/2006/relationships" xmlns:p="http://schemas.openxmlformats.org/presentationml/2006/main">
   <p:cSld>
     <p:spTree>
@@ -14498,7 +16368,7 @@
         <p:spPr/>
         <p:txBody>
           <a:bodyPr>
-            <a:normAutofit/>
+            <a:normAutofit fontScale="92500" lnSpcReduction="20000"/>
           </a:bodyPr>
           <a:lstStyle/>
           <a:p>
@@ -14506,7 +16376,7 @@
               <a:buNone/>
             </a:pPr>
             <a:r>
-              <a:rPr lang="en-US" sz="2000" dirty="0">
+              <a:rPr lang="en-US" sz="2200" dirty="0">
                 <a:solidFill>
                   <a:srgbClr val="FF0000"/>
                 </a:solidFill>
@@ -14514,7 +16384,7 @@
               <a:t>OpenMP</a:t>
             </a:r>
             <a:r>
-              <a:rPr lang="en-US" sz="2000" dirty="0">
+              <a:rPr lang="en-US" sz="2200" dirty="0">
                 <a:solidFill>
                   <a:schemeClr val="accent1"/>
                 </a:solidFill>
@@ -14522,7 +16392,7 @@
               <a:t> is designed to allow an </a:t>
             </a:r>
             <a:r>
-              <a:rPr lang="en-US" sz="2000" dirty="0">
+              <a:rPr lang="en-US" sz="2200" dirty="0">
                 <a:solidFill>
                   <a:srgbClr val="FF0000"/>
                 </a:solidFill>
@@ -14530,7 +16400,7 @@
               <a:t>incremental approach </a:t>
             </a:r>
             <a:r>
-              <a:rPr lang="en-US" sz="2000" dirty="0">
+              <a:rPr lang="en-US" sz="2200" dirty="0">
                 <a:solidFill>
                   <a:schemeClr val="accent1"/>
                 </a:solidFill>
@@ -14539,9 +16409,12 @@
             </a:r>
           </a:p>
           <a:p>
-            <a:pPr lvl="1"/>
-            <a:r>
-              <a:rPr lang="en-US" sz="2000" dirty="0">
+            <a:pPr lvl="1">
+              <a:buFont typeface="Wingdings" panose="05000000000000000000" pitchFamily="2" charset="2"/>
+              <a:buChar char="Ø"/>
+            </a:pPr>
+            <a:r>
+              <a:rPr lang="en-US" sz="2200" dirty="0">
                 <a:solidFill>
                   <a:schemeClr val="accent1"/>
                 </a:solidFill>
@@ -14549,7 +16422,7 @@
               <a:t>Portions of an existing sequential program are parallelized in </a:t>
             </a:r>
             <a:r>
-              <a:rPr lang="en-US" sz="2000" dirty="0">
+              <a:rPr lang="en-US" sz="2200" dirty="0">
                 <a:solidFill>
                   <a:srgbClr val="FF0000"/>
                 </a:solidFill>
@@ -14557,7 +16430,7 @@
               <a:t>successive steps</a:t>
             </a:r>
             <a:r>
-              <a:rPr lang="en-US" sz="2000" dirty="0">
+              <a:rPr lang="en-US" sz="2200" dirty="0">
                 <a:solidFill>
                   <a:schemeClr val="accent1"/>
                 </a:solidFill>
@@ -14566,212 +16439,282 @@
             </a:r>
           </a:p>
           <a:p>
-            <a:pPr lvl="1"/>
-            <a:r>
-              <a:rPr lang="en-US" sz="2000" dirty="0">
-                <a:solidFill>
-                  <a:schemeClr val="accent1"/>
-                </a:solidFill>
-              </a:rPr>
-              <a:t>This is in contrast to the </a:t>
-            </a:r>
-            <a:r>
-              <a:rPr lang="en-US" sz="2000" dirty="0">
-                <a:solidFill>
-                  <a:srgbClr val="FF0000"/>
-                </a:solidFill>
-              </a:rPr>
-              <a:t>all-or-nothing conversion </a:t>
-            </a:r>
-            <a:r>
-              <a:rPr lang="en-US" sz="2000" dirty="0">
-                <a:solidFill>
-                  <a:schemeClr val="accent1"/>
-                </a:solidFill>
-              </a:rPr>
-              <a:t>of an entire program in </a:t>
-            </a:r>
-            <a:r>
-              <a:rPr lang="en-US" sz="2000" dirty="0">
-                <a:solidFill>
-                  <a:srgbClr val="FF0000"/>
-                </a:solidFill>
-              </a:rPr>
-              <a:t>a single step</a:t>
-            </a:r>
-            <a:r>
-              <a:rPr lang="en-US" sz="2000" dirty="0">
-                <a:solidFill>
-                  <a:schemeClr val="accent1"/>
-                </a:solidFill>
-              </a:rPr>
-              <a:t>.</a:t>
-            </a:r>
-          </a:p>
-          <a:p>
-            <a:pPr lvl="2"/>
-            <a:r>
-              <a:rPr lang="en-US" dirty="0">
-                <a:solidFill>
-                  <a:schemeClr val="accent1"/>
-                </a:solidFill>
-              </a:rPr>
-              <a:t>This is typically the approach other parallel programming environments such as </a:t>
-            </a:r>
-            <a:r>
-              <a:rPr lang="en-US" dirty="0">
-                <a:solidFill>
-                  <a:srgbClr val="00B050"/>
-                </a:solidFill>
-              </a:rPr>
-              <a:t>Pthreads</a:t>
-            </a:r>
-            <a:r>
-              <a:rPr lang="en-US" dirty="0">
-                <a:solidFill>
-                  <a:schemeClr val="accent1"/>
-                </a:solidFill>
-              </a:rPr>
-              <a:t> and </a:t>
-            </a:r>
-            <a:r>
-              <a:rPr lang="en-US" dirty="0">
-                <a:solidFill>
-                  <a:srgbClr val="00B050"/>
-                </a:solidFill>
-              </a:rPr>
-              <a:t>MPI </a:t>
-            </a:r>
-            <a:r>
-              <a:rPr lang="en-US" dirty="0">
-                <a:solidFill>
-                  <a:schemeClr val="accent1"/>
-                </a:solidFill>
-              </a:rPr>
-              <a:t>adopt.</a:t>
-            </a:r>
-          </a:p>
-          <a:p>
-            <a:pPr marL="914400" lvl="2" indent="0">
-              <a:buNone/>
-            </a:pPr>
-            <a:endParaRPr lang="en-US" dirty="0">
+            <a:pPr lvl="1">
+              <a:buFont typeface="Wingdings" panose="05000000000000000000" pitchFamily="2" charset="2"/>
+              <a:buChar char="Ø"/>
+            </a:pPr>
+            <a:endParaRPr lang="en-US" sz="2200" dirty="0">
               <a:solidFill>
                 <a:schemeClr val="accent1"/>
               </a:solidFill>
             </a:endParaRPr>
           </a:p>
           <a:p>
-            <a:pPr marL="0" indent="0">
-              <a:buNone/>
-            </a:pPr>
-            <a:r>
-              <a:rPr lang="en-US" sz="2000" dirty="0">
+            <a:pPr lvl="1">
+              <a:buFont typeface="Wingdings" panose="05000000000000000000" pitchFamily="2" charset="2"/>
+              <a:buChar char="Ø"/>
+            </a:pPr>
+            <a:r>
+              <a:rPr lang="en-US" sz="2200" dirty="0">
+                <a:solidFill>
+                  <a:schemeClr val="accent1"/>
+                </a:solidFill>
+              </a:rPr>
+              <a:t>This is in contrast to the </a:t>
+            </a:r>
+            <a:r>
+              <a:rPr lang="en-US" sz="2200" dirty="0">
                 <a:solidFill>
                   <a:srgbClr val="FF0000"/>
                 </a:solidFill>
               </a:rPr>
-              <a:t>OpenMP</a:t>
-            </a:r>
-            <a:r>
-              <a:rPr lang="en-US" sz="2000" dirty="0">
-                <a:solidFill>
-                  <a:schemeClr val="accent1"/>
-                </a:solidFill>
-              </a:rPr>
-              <a:t> also enables the programmer to work with a </a:t>
-            </a:r>
-            <a:r>
-              <a:rPr lang="en-US" sz="2000" dirty="0">
+              <a:t>all-or-nothing conversion </a:t>
+            </a:r>
+            <a:r>
+              <a:rPr lang="en-US" sz="2200" dirty="0">
+                <a:solidFill>
+                  <a:schemeClr val="accent1"/>
+                </a:solidFill>
+              </a:rPr>
+              <a:t>of an entire program in </a:t>
+            </a:r>
+            <a:r>
+              <a:rPr lang="en-US" sz="2200" dirty="0">
                 <a:solidFill>
                   <a:srgbClr val="FF0000"/>
                 </a:solidFill>
               </a:rPr>
-              <a:t>single source code</a:t>
-            </a:r>
-            <a:r>
-              <a:rPr lang="en-US" sz="2000" dirty="0">
-                <a:solidFill>
-                  <a:schemeClr val="accent1"/>
-                </a:solidFill>
-              </a:rPr>
-              <a:t>:</a:t>
-            </a:r>
-          </a:p>
-          <a:p>
-            <a:pPr lvl="1"/>
-            <a:r>
-              <a:rPr lang="en-US" sz="2000" dirty="0">
-                <a:solidFill>
-                  <a:schemeClr val="accent1"/>
-                </a:solidFill>
-              </a:rPr>
-              <a:t>If a single set of source files contains </a:t>
-            </a:r>
-            <a:r>
-              <a:rPr lang="en-US" sz="2000" dirty="0">
+              <a:t>a single step</a:t>
+            </a:r>
+            <a:r>
+              <a:rPr lang="en-US" sz="2200" dirty="0">
+                <a:solidFill>
+                  <a:schemeClr val="accent1"/>
+                </a:solidFill>
+              </a:rPr>
+              <a:t>.</a:t>
+            </a:r>
+          </a:p>
+          <a:p>
+            <a:pPr lvl="2">
+              <a:buFont typeface="Wingdings" panose="05000000000000000000" pitchFamily="2" charset="2"/>
+              <a:buChar char="v"/>
+            </a:pPr>
+            <a:r>
+              <a:rPr lang="en-US" sz="2200" dirty="0">
+                <a:solidFill>
+                  <a:schemeClr val="accent1"/>
+                </a:solidFill>
+              </a:rPr>
+              <a:t>This is typically the approach other parallel programming environments such as </a:t>
+            </a:r>
+            <a:r>
+              <a:rPr lang="en-US" sz="2200" dirty="0">
                 <a:solidFill>
                   <a:srgbClr val="00B050"/>
                 </a:solidFill>
               </a:rPr>
-              <a:t>both the sequential and parallel versions </a:t>
-            </a:r>
-            <a:r>
-              <a:rPr lang="en-US" sz="2000" dirty="0">
-                <a:solidFill>
-                  <a:schemeClr val="accent1"/>
-                </a:solidFill>
-              </a:rPr>
-              <a:t>of a program, then maintenance effort is substantially reduced.  </a:t>
-            </a:r>
-          </a:p>
-          <a:p>
-            <a:pPr lvl="1"/>
-            <a:r>
-              <a:rPr lang="en-US" sz="2000" dirty="0">
-                <a:solidFill>
-                  <a:schemeClr val="accent1"/>
-                </a:solidFill>
-              </a:rPr>
-              <a:t>OpenMP requires compiler support: Compiling an OpenMP program with a </a:t>
-            </a:r>
-            <a:r>
-              <a:rPr lang="en-US" sz="2000" dirty="0">
-                <a:solidFill>
-                  <a:srgbClr val="FF0000"/>
-                </a:solidFill>
-              </a:rPr>
-              <a:t>non-OpenMP-enabled compiler </a:t>
-            </a:r>
-            <a:r>
-              <a:rPr lang="en-US" sz="2000" dirty="0">
-                <a:solidFill>
-                  <a:schemeClr val="accent1"/>
-                </a:solidFill>
-              </a:rPr>
-              <a:t>will default to the </a:t>
-            </a:r>
-            <a:r>
-              <a:rPr lang="en-US" sz="2000" dirty="0">
-                <a:solidFill>
-                  <a:srgbClr val="FF0000"/>
-                </a:solidFill>
-              </a:rPr>
-              <a:t>sequential version</a:t>
-            </a:r>
-            <a:r>
-              <a:rPr lang="en-US" sz="2000" dirty="0">
-                <a:solidFill>
-                  <a:schemeClr val="accent1"/>
-                </a:solidFill>
-              </a:rPr>
-              <a:t>.</a:t>
-            </a:r>
-            <a:endParaRPr lang="en-US" sz="2400" dirty="0">
+              <a:t>Pthreads</a:t>
+            </a:r>
+            <a:r>
+              <a:rPr lang="en-US" sz="2200" dirty="0">
+                <a:solidFill>
+                  <a:schemeClr val="accent1"/>
+                </a:solidFill>
+              </a:rPr>
+              <a:t> and </a:t>
+            </a:r>
+            <a:r>
+              <a:rPr lang="en-US" sz="2200" dirty="0">
+                <a:solidFill>
+                  <a:srgbClr val="00B050"/>
+                </a:solidFill>
+              </a:rPr>
+              <a:t>MPI </a:t>
+            </a:r>
+            <a:r>
+              <a:rPr lang="en-US" sz="2200" dirty="0">
+                <a:solidFill>
+                  <a:schemeClr val="accent1"/>
+                </a:solidFill>
+              </a:rPr>
+              <a:t>adopt.</a:t>
+            </a:r>
+          </a:p>
+          <a:p>
+            <a:pPr lvl="2">
+              <a:buFont typeface="Wingdings" panose="05000000000000000000" pitchFamily="2" charset="2"/>
+              <a:buChar char="Ø"/>
+            </a:pPr>
+            <a:endParaRPr lang="en-US" sz="2200" dirty="0">
               <a:solidFill>
                 <a:schemeClr val="accent1"/>
               </a:solidFill>
             </a:endParaRPr>
+          </a:p>
+          <a:p>
+            <a:pPr lvl="1">
+              <a:buFont typeface="Wingdings" panose="05000000000000000000" pitchFamily="2" charset="2"/>
+              <a:buChar char="Ø"/>
+            </a:pPr>
+            <a:r>
+              <a:rPr lang="en-US" sz="2200" dirty="0">
+                <a:solidFill>
+                  <a:schemeClr val="accent1"/>
+                </a:solidFill>
+              </a:rPr>
+              <a:t>Therefore, OpenMP provides us with the ability to add parallelism to </a:t>
+            </a:r>
+            <a:r>
+              <a:rPr lang="en-US" sz="2200" dirty="0">
+                <a:solidFill>
+                  <a:srgbClr val="FF0000"/>
+                </a:solidFill>
+              </a:rPr>
+              <a:t>existing sequential code </a:t>
+            </a:r>
+            <a:r>
+              <a:rPr lang="en-US" sz="2200" dirty="0">
+                <a:solidFill>
+                  <a:schemeClr val="accent1"/>
+                </a:solidFill>
+              </a:rPr>
+              <a:t>without the need to significantly rewrite it.</a:t>
+            </a:r>
+          </a:p>
+          <a:p>
+            <a:pPr marL="914400" lvl="2" indent="0">
+              <a:buNone/>
+            </a:pPr>
+            <a:endParaRPr lang="en-US" sz="2200" dirty="0">
+              <a:solidFill>
+                <a:schemeClr val="accent1"/>
+              </a:solidFill>
+            </a:endParaRPr>
+          </a:p>
+          <a:p>
+            <a:pPr marL="0" indent="0">
+              <a:buNone/>
+            </a:pPr>
+            <a:r>
+              <a:rPr lang="en-US" sz="2200" dirty="0">
+                <a:solidFill>
+                  <a:srgbClr val="FF0000"/>
+                </a:solidFill>
+              </a:rPr>
+              <a:t>OpenMP</a:t>
+            </a:r>
+            <a:r>
+              <a:rPr lang="en-US" sz="2200" dirty="0">
+                <a:solidFill>
+                  <a:schemeClr val="accent1"/>
+                </a:solidFill>
+              </a:rPr>
+              <a:t> also enables the programmer to work with a </a:t>
+            </a:r>
+            <a:r>
+              <a:rPr lang="en-US" sz="2200" dirty="0">
+                <a:solidFill>
+                  <a:srgbClr val="FF0000"/>
+                </a:solidFill>
+              </a:rPr>
+              <a:t>single source code</a:t>
+            </a:r>
+            <a:r>
+              <a:rPr lang="en-US" sz="2200" dirty="0">
+                <a:solidFill>
+                  <a:schemeClr val="accent1"/>
+                </a:solidFill>
+              </a:rPr>
+              <a:t>:</a:t>
+            </a:r>
+          </a:p>
+          <a:p>
+            <a:pPr lvl="1">
+              <a:buFont typeface="Wingdings" panose="05000000000000000000" pitchFamily="2" charset="2"/>
+              <a:buChar char="Ø"/>
+            </a:pPr>
+            <a:r>
+              <a:rPr lang="en-US" sz="2200" dirty="0">
+                <a:solidFill>
+                  <a:schemeClr val="accent1"/>
+                </a:solidFill>
+              </a:rPr>
+              <a:t>If a single set of source files contains </a:t>
+            </a:r>
+            <a:r>
+              <a:rPr lang="en-US" sz="2200" dirty="0">
+                <a:solidFill>
+                  <a:srgbClr val="00B050"/>
+                </a:solidFill>
+              </a:rPr>
+              <a:t>both the sequential and parallel versions </a:t>
+            </a:r>
+            <a:r>
+              <a:rPr lang="en-US" sz="2200" dirty="0">
+                <a:solidFill>
+                  <a:schemeClr val="accent1"/>
+                </a:solidFill>
+              </a:rPr>
+              <a:t>of a program, then maintenance effort is substantially reduced.  </a:t>
+            </a:r>
+          </a:p>
+          <a:p>
+            <a:pPr lvl="1">
+              <a:buFont typeface="Wingdings" panose="05000000000000000000" pitchFamily="2" charset="2"/>
+              <a:buChar char="Ø"/>
+            </a:pPr>
+            <a:endParaRPr lang="en-US" sz="2200" dirty="0">
+              <a:solidFill>
+                <a:schemeClr val="accent1"/>
+              </a:solidFill>
+            </a:endParaRPr>
+          </a:p>
+          <a:p>
+            <a:pPr lvl="1">
+              <a:buFont typeface="Wingdings" panose="05000000000000000000" pitchFamily="2" charset="2"/>
+              <a:buChar char="Ø"/>
+            </a:pPr>
+            <a:r>
+              <a:rPr lang="en-US" sz="2200" dirty="0">
+                <a:solidFill>
+                  <a:schemeClr val="accent1"/>
+                </a:solidFill>
+              </a:rPr>
+              <a:t>OpenMP requires compiler support: Compiling an OpenMP program with a </a:t>
+            </a:r>
+            <a:r>
+              <a:rPr lang="en-US" sz="2200" dirty="0">
+                <a:solidFill>
+                  <a:srgbClr val="FF0000"/>
+                </a:solidFill>
+              </a:rPr>
+              <a:t>non-OpenMP-enabled compiler </a:t>
+            </a:r>
+            <a:r>
+              <a:rPr lang="en-US" sz="2200" dirty="0">
+                <a:solidFill>
+                  <a:schemeClr val="accent1"/>
+                </a:solidFill>
+              </a:rPr>
+              <a:t>will default to the </a:t>
+            </a:r>
+            <a:r>
+              <a:rPr lang="en-US" sz="2200" dirty="0">
+                <a:solidFill>
+                  <a:srgbClr val="FF0000"/>
+                </a:solidFill>
+              </a:rPr>
+              <a:t>sequential version</a:t>
+            </a:r>
+            <a:r>
+              <a:rPr lang="en-US" sz="2200" dirty="0">
+                <a:solidFill>
+                  <a:schemeClr val="accent1"/>
+                </a:solidFill>
+              </a:rPr>
+              <a:t>.</a:t>
+            </a:r>
           </a:p>
           <a:p>
             <a:pPr lvl="1"/>
@@ -14939,7 +16882,20 @@
             </a:r>
           </a:p>
           <a:p>
-            <a:pPr lvl="1"/>
+            <a:pPr marL="0" indent="0">
+              <a:buNone/>
+            </a:pPr>
+            <a:endParaRPr lang="en-US" sz="2000" dirty="0">
+              <a:solidFill>
+                <a:schemeClr val="accent1"/>
+              </a:solidFill>
+            </a:endParaRPr>
+          </a:p>
+          <a:p>
+            <a:pPr lvl="1">
+              <a:buFont typeface="Wingdings" panose="05000000000000000000" pitchFamily="2" charset="2"/>
+              <a:buChar char="Ø"/>
+            </a:pPr>
             <a:r>
               <a:rPr lang="en-US" sz="2000" dirty="0">
                 <a:solidFill>
@@ -14950,7 +16906,21 @@
             </a:r>
           </a:p>
           <a:p>
-            <a:pPr lvl="1"/>
+            <a:pPr lvl="1">
+              <a:buFont typeface="Wingdings" panose="05000000000000000000" pitchFamily="2" charset="2"/>
+              <a:buChar char="Ø"/>
+            </a:pPr>
+            <a:endParaRPr lang="en-US" sz="2000" dirty="0">
+              <a:solidFill>
+                <a:schemeClr val="accent1"/>
+              </a:solidFill>
+            </a:endParaRPr>
+          </a:p>
+          <a:p>
+            <a:pPr lvl="1">
+              <a:buFont typeface="Wingdings" panose="05000000000000000000" pitchFamily="2" charset="2"/>
+              <a:buChar char="Ø"/>
+            </a:pPr>
             <a:r>
               <a:rPr lang="en-US" sz="2000" dirty="0">
                 <a:solidFill>
@@ -14961,7 +16931,21 @@
             </a:r>
           </a:p>
           <a:p>
-            <a:pPr lvl="1"/>
+            <a:pPr lvl="1">
+              <a:buFont typeface="Wingdings" panose="05000000000000000000" pitchFamily="2" charset="2"/>
+              <a:buChar char="Ø"/>
+            </a:pPr>
+            <a:endParaRPr lang="en-US" sz="2000" dirty="0">
+              <a:solidFill>
+                <a:schemeClr val="accent1"/>
+              </a:solidFill>
+            </a:endParaRPr>
+          </a:p>
+          <a:p>
+            <a:pPr lvl="1">
+              <a:buFont typeface="Wingdings" panose="05000000000000000000" pitchFamily="2" charset="2"/>
+              <a:buChar char="Ø"/>
+            </a:pPr>
             <a:r>
               <a:rPr lang="en-US" sz="2000" dirty="0">
                 <a:solidFill>
@@ -14972,7 +16956,21 @@
             </a:r>
           </a:p>
           <a:p>
-            <a:pPr lvl="1"/>
+            <a:pPr lvl="1">
+              <a:buFont typeface="Wingdings" panose="05000000000000000000" pitchFamily="2" charset="2"/>
+              <a:buChar char="Ø"/>
+            </a:pPr>
+            <a:endParaRPr lang="en-US" sz="2000" dirty="0">
+              <a:solidFill>
+                <a:schemeClr val="accent1"/>
+              </a:solidFill>
+            </a:endParaRPr>
+          </a:p>
+          <a:p>
+            <a:pPr lvl="1">
+              <a:buFont typeface="Wingdings" panose="05000000000000000000" pitchFamily="2" charset="2"/>
+              <a:buChar char="Ø"/>
+            </a:pPr>
             <a:r>
               <a:rPr lang="en-US" sz="2000" dirty="0">
                 <a:solidFill>
@@ -15159,7 +17157,10 @@
             </a:r>
           </a:p>
           <a:p>
-            <a:pPr lvl="1"/>
+            <a:pPr lvl="1">
+              <a:buFont typeface="Wingdings" panose="05000000000000000000" pitchFamily="2" charset="2"/>
+              <a:buChar char="Ø"/>
+            </a:pPr>
             <a:r>
               <a:rPr lang="en-US" sz="2000" dirty="0">
                 <a:solidFill>
@@ -15178,7 +17179,10 @@
             </a:r>
           </a:p>
           <a:p>
-            <a:pPr lvl="1"/>
+            <a:pPr lvl="1">
+              <a:buFont typeface="Wingdings" panose="05000000000000000000" pitchFamily="2" charset="2"/>
+              <a:buChar char="Ø"/>
+            </a:pPr>
             <a:r>
               <a:rPr lang="en-US" sz="2000" dirty="0">
                 <a:solidFill>
@@ -15253,7 +17257,10 @@
             </a:r>
           </a:p>
           <a:p>
-            <a:pPr lvl="1"/>
+            <a:pPr lvl="1">
+              <a:buFont typeface="Wingdings" panose="05000000000000000000" pitchFamily="2" charset="2"/>
+              <a:buChar char="Ø"/>
+            </a:pPr>
             <a:r>
               <a:rPr lang="en-US" sz="2000" dirty="0">
                 <a:solidFill>
@@ -15280,22 +17287,87 @@
             </a:r>
           </a:p>
           <a:p>
-            <a:pPr lvl="1"/>
+            <a:pPr lvl="1">
+              <a:buFont typeface="Wingdings" panose="05000000000000000000" pitchFamily="2" charset="2"/>
+              <a:buChar char="Ø"/>
+            </a:pPr>
+            <a:r>
+              <a:rPr lang="en-US" sz="2000" dirty="0">
+                <a:solidFill>
+                  <a:srgbClr val="0070C0"/>
+                </a:solidFill>
+              </a:rPr>
+              <a:t>At the end </a:t>
+            </a:r>
+            <a:r>
+              <a:rPr lang="en-US" sz="2000" dirty="0">
+                <a:solidFill>
+                  <a:schemeClr val="accent1"/>
+                </a:solidFill>
+              </a:rPr>
+              <a:t>of the </a:t>
+            </a:r>
+            <a:r>
+              <a:rPr lang="en-US" sz="2000" dirty="0">
+                <a:solidFill>
+                  <a:srgbClr val="FF0000"/>
+                </a:solidFill>
+              </a:rPr>
+              <a:t>parallel construct</a:t>
+            </a:r>
+            <a:r>
+              <a:rPr lang="en-US" sz="2000" dirty="0">
+                <a:solidFill>
+                  <a:schemeClr val="accent1"/>
+                </a:solidFill>
+              </a:rPr>
+              <a:t>, the </a:t>
+            </a:r>
             <a:r>
               <a:rPr lang="en-US" sz="2000" dirty="0">
                 <a:solidFill>
                   <a:srgbClr val="00B050"/>
                 </a:solidFill>
               </a:rPr>
-              <a:t>At the end </a:t>
-            </a:r>
-            <a:r>
-              <a:rPr lang="en-US" sz="2000" dirty="0">
-                <a:solidFill>
-                  <a:schemeClr val="accent1"/>
-                </a:solidFill>
-              </a:rPr>
-              <a:t>of the </a:t>
+              <a:t>master thread</a:t>
+            </a:r>
+            <a:r>
+              <a:rPr lang="en-US" sz="2000" dirty="0">
+                <a:solidFill>
+                  <a:schemeClr val="accent1"/>
+                </a:solidFill>
+              </a:rPr>
+              <a:t> continues whereas the other team members are terminated or suspended (this is called a </a:t>
+            </a:r>
+            <a:r>
+              <a:rPr lang="en-US" sz="2000" dirty="0">
+                <a:solidFill>
+                  <a:srgbClr val="00B050"/>
+                </a:solidFill>
+              </a:rPr>
+              <a:t>join</a:t>
+            </a:r>
+            <a:r>
+              <a:rPr lang="en-US" sz="2000" dirty="0">
+                <a:solidFill>
+                  <a:schemeClr val="accent1"/>
+                </a:solidFill>
+              </a:rPr>
+              <a:t>).</a:t>
+            </a:r>
+          </a:p>
+          <a:p>
+            <a:pPr lvl="1">
+              <a:buFont typeface="Wingdings" panose="05000000000000000000" pitchFamily="2" charset="2"/>
+              <a:buChar char="Ø"/>
+            </a:pPr>
+            <a:r>
+              <a:rPr lang="en-US" sz="2000" dirty="0">
+                <a:solidFill>
+                  <a:schemeClr val="accent1"/>
+                </a:solidFill>
+              </a:rPr>
+              <a:t>The code enclosed by a </a:t>
             </a:r>
             <a:r>
               <a:rPr lang="en-US" sz="2000" dirty="0">
@@ -15303,58 +17375,15 @@
                   <a:srgbClr val="FF0000"/>
                 </a:solidFill>
               </a:rPr>
-              <a:t>parallel construct</a:t>
-            </a:r>
-            <a:r>
-              <a:rPr lang="en-US" sz="2000" dirty="0">
-                <a:solidFill>
-                  <a:schemeClr val="accent1"/>
-                </a:solidFill>
-              </a:rPr>
-              <a:t>, the </a:t>
-            </a:r>
-            <a:r>
-              <a:rPr lang="en-US" sz="2000" dirty="0">
-                <a:solidFill>
-                  <a:srgbClr val="00B050"/>
-                </a:solidFill>
-              </a:rPr>
-              <a:t>master thread</a:t>
-            </a:r>
-            <a:r>
-              <a:rPr lang="en-US" sz="2000" dirty="0">
-                <a:solidFill>
-                  <a:schemeClr val="accent1"/>
-                </a:solidFill>
-              </a:rPr>
-              <a:t> continues whereas the other team members are terminated or suspended (this is called a </a:t>
-            </a:r>
-            <a:r>
-              <a:rPr lang="en-US" sz="2000" dirty="0">
-                <a:solidFill>
-                  <a:srgbClr val="00B050"/>
-                </a:solidFill>
-              </a:rPr>
-              <a:t>join</a:t>
-            </a:r>
-            <a:r>
-              <a:rPr lang="en-US" sz="2000" dirty="0">
-                <a:solidFill>
-                  <a:schemeClr val="accent1"/>
-                </a:solidFill>
-              </a:rPr>
-              <a:t>).</a:t>
-            </a:r>
-          </a:p>
-          <a:p>
-            <a:pPr lvl="1"/>
-            <a:r>
-              <a:rPr lang="en-US" sz="2000" dirty="0">
-                <a:solidFill>
-                  <a:schemeClr val="accent1"/>
-                </a:solidFill>
-              </a:rPr>
-              <a:t>The code enclosed by a </a:t>
+              <a:t>parallel construct </a:t>
+            </a:r>
+            <a:r>
+              <a:rPr lang="en-US" sz="2000" dirty="0">
+                <a:solidFill>
+                  <a:schemeClr val="accent1"/>
+                </a:solidFill>
+              </a:rPr>
+              <a:t>is called a </a:t>
             </a:r>
             <a:r>
               <a:rPr lang="en-US" sz="2000" dirty="0">
@@ -15362,22 +17391,6 @@
                   <a:srgbClr val="FF0000"/>
                 </a:solidFill>
               </a:rPr>
-              <a:t>parallel construct </a:t>
-            </a:r>
-            <a:r>
-              <a:rPr lang="en-US" sz="2000" dirty="0">
-                <a:solidFill>
-                  <a:schemeClr val="accent1"/>
-                </a:solidFill>
-              </a:rPr>
-              <a:t>is called a </a:t>
-            </a:r>
-            <a:r>
-              <a:rPr lang="en-US" sz="2000" dirty="0">
-                <a:solidFill>
-                  <a:srgbClr val="FF0000"/>
-                </a:solidFill>
-              </a:rPr>
               <a:t>parallel region</a:t>
             </a:r>
             <a:r>
@@ -15390,8 +17403,9 @@
             </a:r>
           </a:p>
           <a:p>
-            <a:pPr marL="457200" lvl="1" indent="0">
-              <a:buNone/>
+            <a:pPr lvl="1">
+              <a:buFont typeface="Wingdings" panose="05000000000000000000" pitchFamily="2" charset="2"/>
+              <a:buChar char="Ø"/>
             </a:pPr>
             <a:endParaRPr lang="en-US" sz="2000" dirty="0">
               <a:solidFill>
@@ -15820,7 +17834,10 @@
             </a:r>
           </a:p>
           <a:p>
-            <a:pPr lvl="1"/>
+            <a:pPr lvl="1">
+              <a:buFont typeface="Wingdings" panose="05000000000000000000" pitchFamily="2" charset="2"/>
+              <a:buChar char="q"/>
+            </a:pPr>
             <a:r>
               <a:rPr lang="en-US" sz="2000" dirty="0">
                 <a:solidFill>
@@ -15847,7 +17864,10 @@
             </a:r>
           </a:p>
           <a:p>
-            <a:pPr lvl="1"/>
+            <a:pPr lvl="1">
+              <a:buFont typeface="Wingdings" panose="05000000000000000000" pitchFamily="2" charset="2"/>
+              <a:buChar char="q"/>
+            </a:pPr>
             <a:endParaRPr lang="en-US" sz="2000" dirty="0">
               <a:solidFill>
                 <a:schemeClr val="accent1"/>
@@ -15855,7 +17875,10 @@
             </a:endParaRPr>
           </a:p>
           <a:p>
-            <a:pPr lvl="1"/>
+            <a:pPr lvl="1">
+              <a:buFont typeface="Wingdings" panose="05000000000000000000" pitchFamily="2" charset="2"/>
+              <a:buChar char="q"/>
+            </a:pPr>
             <a:endParaRPr lang="en-US" sz="2000" dirty="0">
               <a:solidFill>
                 <a:schemeClr val="accent1"/>
@@ -15863,8 +17886,9 @@
             </a:endParaRPr>
           </a:p>
           <a:p>
-            <a:pPr marL="457200" lvl="1" indent="0">
-              <a:buNone/>
+            <a:pPr lvl="1">
+              <a:buFont typeface="Wingdings" panose="05000000000000000000" pitchFamily="2" charset="2"/>
+              <a:buChar char="q"/>
             </a:pPr>
             <a:endParaRPr lang="en-US" sz="2000" dirty="0">
               <a:solidFill>
@@ -15873,7 +17897,10 @@
             </a:endParaRPr>
           </a:p>
           <a:p>
-            <a:pPr lvl="1"/>
+            <a:pPr lvl="1">
+              <a:buFont typeface="Wingdings" panose="05000000000000000000" pitchFamily="2" charset="2"/>
+              <a:buChar char="q"/>
+            </a:pPr>
             <a:r>
               <a:rPr lang="en-US" sz="2000" dirty="0">
                 <a:solidFill>
@@ -15884,7 +17911,10 @@
             </a:r>
           </a:p>
           <a:p>
-            <a:pPr lvl="1"/>
+            <a:pPr lvl="1">
+              <a:buFont typeface="Wingdings" panose="05000000000000000000" pitchFamily="2" charset="2"/>
+              <a:buChar char="q"/>
+            </a:pPr>
             <a:r>
               <a:rPr lang="en-US" sz="2000" dirty="0">
                 <a:solidFill>
@@ -15943,7 +17973,10 @@
             </a:r>
           </a:p>
           <a:p>
-            <a:pPr lvl="2"/>
+            <a:pPr lvl="2">
+              <a:buFont typeface="Wingdings" panose="05000000000000000000" pitchFamily="2" charset="2"/>
+              <a:buChar char="Ø"/>
+            </a:pPr>
             <a:r>
               <a:rPr lang="en-US" dirty="0">
                 <a:solidFill>
@@ -15954,7 +17987,10 @@
             </a:r>
           </a:p>
           <a:p>
-            <a:pPr lvl="2"/>
+            <a:pPr lvl="2">
+              <a:buFont typeface="Wingdings" panose="05000000000000000000" pitchFamily="2" charset="2"/>
+              <a:buChar char="Ø"/>
+            </a:pPr>
             <a:r>
               <a:rPr lang="en-US" dirty="0">
                 <a:solidFill>
@@ -15965,7 +18001,10 @@
             </a:r>
           </a:p>
           <a:p>
-            <a:pPr lvl="2"/>
+            <a:pPr lvl="2">
+              <a:buFont typeface="Wingdings" panose="05000000000000000000" pitchFamily="2" charset="2"/>
+              <a:buChar char="Ø"/>
+            </a:pPr>
             <a:r>
               <a:rPr lang="en-US" dirty="0">
                 <a:solidFill>
